--- a/20200131/Googlenet.pptx
+++ b/20200131/Googlenet.pptx
@@ -220,7 +220,7 @@
           <p:cNvPr id="143362" name="Rectangle 2">
             <a:extLst>
               <a:ext uri="{FF2B5EF4-FFF2-40B4-BE49-F238E27FC236}">
-                <a16:creationId xmlns:a16="http://schemas.microsoft.com/office/drawing/2014/main" xmlns="" id="{7DB234C6-97B6-0E40-9A9F-F7BDE583B708}"/>
+                <a16:creationId xmlns:a16="http://schemas.microsoft.com/office/drawing/2014/main" id="{7DB234C6-97B6-0E40-9A9F-F7BDE583B708}"/>
               </a:ext>
             </a:extLst>
           </p:cNvPr>
@@ -276,7 +276,7 @@
           <p:cNvPr id="143363" name="Rectangle 3">
             <a:extLst>
               <a:ext uri="{FF2B5EF4-FFF2-40B4-BE49-F238E27FC236}">
-                <a16:creationId xmlns:a16="http://schemas.microsoft.com/office/drawing/2014/main" xmlns="" id="{E7BF2E2D-1AC1-F74F-AA9F-211838B1A3EF}"/>
+                <a16:creationId xmlns:a16="http://schemas.microsoft.com/office/drawing/2014/main" id="{E7BF2E2D-1AC1-F74F-AA9F-211838B1A3EF}"/>
               </a:ext>
             </a:extLst>
           </p:cNvPr>
@@ -332,7 +332,7 @@
           <p:cNvPr id="143364" name="Rectangle 4">
             <a:extLst>
               <a:ext uri="{FF2B5EF4-FFF2-40B4-BE49-F238E27FC236}">
-                <a16:creationId xmlns:a16="http://schemas.microsoft.com/office/drawing/2014/main" xmlns="" id="{6951528D-0B28-3B46-81A4-FEA857963765}"/>
+                <a16:creationId xmlns:a16="http://schemas.microsoft.com/office/drawing/2014/main" id="{6951528D-0B28-3B46-81A4-FEA857963765}"/>
               </a:ext>
             </a:extLst>
           </p:cNvPr>
@@ -388,7 +388,7 @@
           <p:cNvPr id="143365" name="Rectangle 5">
             <a:extLst>
               <a:ext uri="{FF2B5EF4-FFF2-40B4-BE49-F238E27FC236}">
-                <a16:creationId xmlns:a16="http://schemas.microsoft.com/office/drawing/2014/main" xmlns="" id="{DB771FA0-2DD0-5948-A3A8-9AD84E90FB4B}"/>
+                <a16:creationId xmlns:a16="http://schemas.microsoft.com/office/drawing/2014/main" id="{DB771FA0-2DD0-5948-A3A8-9AD84E90FB4B}"/>
               </a:ext>
             </a:extLst>
           </p:cNvPr>
@@ -487,7 +487,7 @@
           <p:cNvPr id="2" name="머리글 개체 틀 1">
             <a:extLst>
               <a:ext uri="{FF2B5EF4-FFF2-40B4-BE49-F238E27FC236}">
-                <a16:creationId xmlns:a16="http://schemas.microsoft.com/office/drawing/2014/main" xmlns="" id="{58B6377E-D9EA-0C43-8ABD-8E11920C49D9}"/>
+                <a16:creationId xmlns:a16="http://schemas.microsoft.com/office/drawing/2014/main" id="{58B6377E-D9EA-0C43-8ABD-8E11920C49D9}"/>
               </a:ext>
             </a:extLst>
           </p:cNvPr>
@@ -531,7 +531,7 @@
           <p:cNvPr id="3" name="날짜 개체 틀 2">
             <a:extLst>
               <a:ext uri="{FF2B5EF4-FFF2-40B4-BE49-F238E27FC236}">
-                <a16:creationId xmlns:a16="http://schemas.microsoft.com/office/drawing/2014/main" xmlns="" id="{519DA735-01F8-B84B-A63C-CC954E31844C}"/>
+                <a16:creationId xmlns:a16="http://schemas.microsoft.com/office/drawing/2014/main" id="{519DA735-01F8-B84B-A63C-CC954E31844C}"/>
               </a:ext>
             </a:extLst>
           </p:cNvPr>
@@ -571,7 +571,7 @@
               <a:pPr>
                 <a:defRPr/>
               </a:pPr>
-              <a:t>2020-06-05</a:t>
+              <a:t>2021-06-05</a:t>
             </a:fld>
             <a:endParaRPr lang="ko-KR" altLang="en-US"/>
           </a:p>
@@ -582,7 +582,7 @@
           <p:cNvPr id="4" name="슬라이드 이미지 개체 틀 3">
             <a:extLst>
               <a:ext uri="{FF2B5EF4-FFF2-40B4-BE49-F238E27FC236}">
-                <a16:creationId xmlns:a16="http://schemas.microsoft.com/office/drawing/2014/main" xmlns="" id="{E796D9CD-78ED-8742-8F20-97E7FC78392B}"/>
+                <a16:creationId xmlns:a16="http://schemas.microsoft.com/office/drawing/2014/main" id="{E796D9CD-78ED-8742-8F20-97E7FC78392B}"/>
               </a:ext>
             </a:extLst>
           </p:cNvPr>
@@ -622,7 +622,7 @@
           <p:cNvPr id="5" name="슬라이드 노트 개체 틀 4">
             <a:extLst>
               <a:ext uri="{FF2B5EF4-FFF2-40B4-BE49-F238E27FC236}">
-                <a16:creationId xmlns:a16="http://schemas.microsoft.com/office/drawing/2014/main" xmlns="" id="{51D12D42-F9E6-4C43-AFF5-444A08AC6CC1}"/>
+                <a16:creationId xmlns:a16="http://schemas.microsoft.com/office/drawing/2014/main" id="{51D12D42-F9E6-4C43-AFF5-444A08AC6CC1}"/>
               </a:ext>
             </a:extLst>
           </p:cNvPr>
@@ -689,7 +689,7 @@
           <p:cNvPr id="6" name="바닥글 개체 틀 5">
             <a:extLst>
               <a:ext uri="{FF2B5EF4-FFF2-40B4-BE49-F238E27FC236}">
-                <a16:creationId xmlns:a16="http://schemas.microsoft.com/office/drawing/2014/main" xmlns="" id="{13636FD2-AFF0-164C-AE0E-ADB1379FE7CB}"/>
+                <a16:creationId xmlns:a16="http://schemas.microsoft.com/office/drawing/2014/main" id="{13636FD2-AFF0-164C-AE0E-ADB1379FE7CB}"/>
               </a:ext>
             </a:extLst>
           </p:cNvPr>
@@ -733,7 +733,7 @@
           <p:cNvPr id="7" name="슬라이드 번호 개체 틀 6">
             <a:extLst>
               <a:ext uri="{FF2B5EF4-FFF2-40B4-BE49-F238E27FC236}">
-                <a16:creationId xmlns:a16="http://schemas.microsoft.com/office/drawing/2014/main" xmlns="" id="{21A1A755-443F-BD4F-ACF7-231486D65F7E}"/>
+                <a16:creationId xmlns:a16="http://schemas.microsoft.com/office/drawing/2014/main" id="{21A1A755-443F-BD4F-ACF7-231486D65F7E}"/>
               </a:ext>
             </a:extLst>
           </p:cNvPr>
@@ -1004,7 +1004,7 @@
           </a:bodyPr>
           <a:lstStyle/>
           <a:p>
-            <a:endParaRPr kumimoji="1" lang="ko-KR" altLang="en-US" smtClean="0"/>
+            <a:endParaRPr kumimoji="1" lang="ko-KR" altLang="en-US"/>
           </a:p>
         </p:txBody>
       </p:sp>
@@ -1182,7 +1182,7 @@
               </a:pPr>
               <a:t>1</a:t>
             </a:fld>
-            <a:endParaRPr lang="en-US" altLang="ko-KR" smtClean="0">
+            <a:endParaRPr lang="en-US" altLang="ko-KR">
               <a:latin typeface="굴림" panose="020B0600000101010101" pitchFamily="50" charset="-127"/>
               <a:ea typeface="굴림" panose="020B0600000101010101" pitchFamily="50" charset="-127"/>
             </a:endParaRPr>
@@ -1291,7 +1291,7 @@
           </a:bodyPr>
           <a:lstStyle/>
           <a:p>
-            <a:endParaRPr kumimoji="1" lang="en-US" altLang="ko-KR" baseline="0" dirty="0" smtClean="0"/>
+            <a:endParaRPr kumimoji="1" lang="en-US" altLang="ko-KR" baseline="0" dirty="0"/>
           </a:p>
         </p:txBody>
       </p:sp>
@@ -1442,7 +1442,7 @@
               <a:pPr/>
               <a:t>13</a:t>
             </a:fld>
-            <a:endParaRPr lang="en-US" altLang="ko-KR" smtClean="0"/>
+            <a:endParaRPr lang="en-US" altLang="ko-KR"/>
           </a:p>
         </p:txBody>
       </p:sp>
@@ -1548,7 +1548,7 @@
           </a:bodyPr>
           <a:lstStyle/>
           <a:p>
-            <a:endParaRPr kumimoji="1" lang="en-US" altLang="ko-KR" baseline="0" dirty="0" smtClean="0"/>
+            <a:endParaRPr kumimoji="1" lang="en-US" altLang="ko-KR" baseline="0" dirty="0"/>
           </a:p>
         </p:txBody>
       </p:sp>
@@ -1699,7 +1699,7 @@
               <a:pPr/>
               <a:t>14</a:t>
             </a:fld>
-            <a:endParaRPr lang="en-US" altLang="ko-KR" smtClean="0"/>
+            <a:endParaRPr lang="en-US" altLang="ko-KR"/>
           </a:p>
         </p:txBody>
       </p:sp>
@@ -1805,7 +1805,7 @@
           </a:bodyPr>
           <a:lstStyle/>
           <a:p>
-            <a:endParaRPr kumimoji="1" lang="en-US" altLang="ko-KR" baseline="0" dirty="0" smtClean="0"/>
+            <a:endParaRPr kumimoji="1" lang="en-US" altLang="ko-KR" baseline="0" dirty="0"/>
           </a:p>
         </p:txBody>
       </p:sp>
@@ -1956,7 +1956,7 @@
               <a:pPr/>
               <a:t>15</a:t>
             </a:fld>
-            <a:endParaRPr lang="en-US" altLang="ko-KR" smtClean="0"/>
+            <a:endParaRPr lang="en-US" altLang="ko-KR"/>
           </a:p>
         </p:txBody>
       </p:sp>
@@ -2062,7 +2062,7 @@
           </a:bodyPr>
           <a:lstStyle/>
           <a:p>
-            <a:endParaRPr kumimoji="1" lang="en-US" altLang="ko-KR" baseline="0" dirty="0" smtClean="0"/>
+            <a:endParaRPr kumimoji="1" lang="en-US" altLang="ko-KR" baseline="0" dirty="0"/>
           </a:p>
         </p:txBody>
       </p:sp>
@@ -2213,7 +2213,7 @@
               <a:pPr/>
               <a:t>16</a:t>
             </a:fld>
-            <a:endParaRPr lang="en-US" altLang="ko-KR" smtClean="0"/>
+            <a:endParaRPr lang="en-US" altLang="ko-KR"/>
           </a:p>
         </p:txBody>
       </p:sp>
@@ -2319,7 +2319,7 @@
           </a:bodyPr>
           <a:lstStyle/>
           <a:p>
-            <a:endParaRPr kumimoji="1" lang="en-US" altLang="ko-KR" baseline="0" dirty="0" smtClean="0"/>
+            <a:endParaRPr kumimoji="1" lang="en-US" altLang="ko-KR" baseline="0" dirty="0"/>
           </a:p>
         </p:txBody>
       </p:sp>
@@ -2470,7 +2470,7 @@
               <a:pPr/>
               <a:t>17</a:t>
             </a:fld>
-            <a:endParaRPr lang="en-US" altLang="ko-KR" smtClean="0"/>
+            <a:endParaRPr lang="en-US" altLang="ko-KR"/>
           </a:p>
         </p:txBody>
       </p:sp>
@@ -2576,7 +2576,7 @@
           </a:bodyPr>
           <a:lstStyle/>
           <a:p>
-            <a:endParaRPr kumimoji="1" lang="en-US" altLang="ko-KR" baseline="0" dirty="0" smtClean="0"/>
+            <a:endParaRPr kumimoji="1" lang="en-US" altLang="ko-KR" baseline="0" dirty="0"/>
           </a:p>
         </p:txBody>
       </p:sp>
@@ -2727,7 +2727,7 @@
               <a:pPr/>
               <a:t>4</a:t>
             </a:fld>
-            <a:endParaRPr lang="en-US" altLang="ko-KR" smtClean="0"/>
+            <a:endParaRPr lang="en-US" altLang="ko-KR"/>
           </a:p>
         </p:txBody>
       </p:sp>
@@ -2833,7 +2833,7 @@
           </a:bodyPr>
           <a:lstStyle/>
           <a:p>
-            <a:endParaRPr kumimoji="1" lang="en-US" altLang="ko-KR" baseline="0" dirty="0" smtClean="0"/>
+            <a:endParaRPr kumimoji="1" lang="en-US" altLang="ko-KR" baseline="0" dirty="0"/>
           </a:p>
         </p:txBody>
       </p:sp>
@@ -2984,7 +2984,7 @@
               <a:pPr/>
               <a:t>5</a:t>
             </a:fld>
-            <a:endParaRPr lang="en-US" altLang="ko-KR" smtClean="0"/>
+            <a:endParaRPr lang="en-US" altLang="ko-KR"/>
           </a:p>
         </p:txBody>
       </p:sp>
@@ -3090,7 +3090,7 @@
           </a:bodyPr>
           <a:lstStyle/>
           <a:p>
-            <a:endParaRPr kumimoji="1" lang="en-US" altLang="ko-KR" baseline="0" dirty="0" smtClean="0"/>
+            <a:endParaRPr kumimoji="1" lang="en-US" altLang="ko-KR" baseline="0" dirty="0"/>
           </a:p>
         </p:txBody>
       </p:sp>
@@ -3241,7 +3241,7 @@
               <a:pPr/>
               <a:t>6</a:t>
             </a:fld>
-            <a:endParaRPr lang="en-US" altLang="ko-KR" smtClean="0"/>
+            <a:endParaRPr lang="en-US" altLang="ko-KR"/>
           </a:p>
         </p:txBody>
       </p:sp>
@@ -3347,7 +3347,7 @@
           </a:bodyPr>
           <a:lstStyle/>
           <a:p>
-            <a:endParaRPr kumimoji="1" lang="en-US" altLang="ko-KR" baseline="0" dirty="0" smtClean="0"/>
+            <a:endParaRPr kumimoji="1" lang="en-US" altLang="ko-KR" baseline="0" dirty="0"/>
           </a:p>
         </p:txBody>
       </p:sp>
@@ -3498,7 +3498,7 @@
               <a:pPr/>
               <a:t>7</a:t>
             </a:fld>
-            <a:endParaRPr lang="en-US" altLang="ko-KR" smtClean="0"/>
+            <a:endParaRPr lang="en-US" altLang="ko-KR"/>
           </a:p>
         </p:txBody>
       </p:sp>
@@ -3604,7 +3604,7 @@
           </a:bodyPr>
           <a:lstStyle/>
           <a:p>
-            <a:endParaRPr kumimoji="1" lang="en-US" altLang="ko-KR" baseline="0" dirty="0" smtClean="0"/>
+            <a:endParaRPr kumimoji="1" lang="en-US" altLang="ko-KR" baseline="0" dirty="0"/>
           </a:p>
         </p:txBody>
       </p:sp>
@@ -3755,7 +3755,7 @@
               <a:pPr/>
               <a:t>8</a:t>
             </a:fld>
-            <a:endParaRPr lang="en-US" altLang="ko-KR" smtClean="0"/>
+            <a:endParaRPr lang="en-US" altLang="ko-KR"/>
           </a:p>
         </p:txBody>
       </p:sp>
@@ -3861,7 +3861,7 @@
           </a:bodyPr>
           <a:lstStyle/>
           <a:p>
-            <a:endParaRPr kumimoji="1" lang="en-US" altLang="ko-KR" baseline="0" dirty="0" smtClean="0"/>
+            <a:endParaRPr kumimoji="1" lang="en-US" altLang="ko-KR" baseline="0" dirty="0"/>
           </a:p>
         </p:txBody>
       </p:sp>
@@ -4012,7 +4012,7 @@
               <a:pPr/>
               <a:t>9</a:t>
             </a:fld>
-            <a:endParaRPr lang="en-US" altLang="ko-KR" smtClean="0"/>
+            <a:endParaRPr lang="en-US" altLang="ko-KR"/>
           </a:p>
         </p:txBody>
       </p:sp>
@@ -4118,7 +4118,7 @@
           </a:bodyPr>
           <a:lstStyle/>
           <a:p>
-            <a:endParaRPr kumimoji="1" lang="en-US" altLang="ko-KR" baseline="0" dirty="0" smtClean="0"/>
+            <a:endParaRPr kumimoji="1" lang="en-US" altLang="ko-KR" baseline="0" dirty="0"/>
           </a:p>
         </p:txBody>
       </p:sp>
@@ -4269,7 +4269,7 @@
               <a:pPr/>
               <a:t>11</a:t>
             </a:fld>
-            <a:endParaRPr lang="en-US" altLang="ko-KR" smtClean="0"/>
+            <a:endParaRPr lang="en-US" altLang="ko-KR"/>
           </a:p>
         </p:txBody>
       </p:sp>
@@ -4375,7 +4375,7 @@
           </a:bodyPr>
           <a:lstStyle/>
           <a:p>
-            <a:endParaRPr kumimoji="1" lang="en-US" altLang="ko-KR" baseline="0" dirty="0" smtClean="0"/>
+            <a:endParaRPr kumimoji="1" lang="en-US" altLang="ko-KR" baseline="0" dirty="0"/>
           </a:p>
         </p:txBody>
       </p:sp>
@@ -4526,7 +4526,7 @@
               <a:pPr/>
               <a:t>12</a:t>
             </a:fld>
-            <a:endParaRPr lang="en-US" altLang="ko-KR" smtClean="0"/>
+            <a:endParaRPr lang="en-US" altLang="ko-KR"/>
           </a:p>
         </p:txBody>
       </p:sp>
@@ -4852,13 +4852,6 @@
     <p:sldLayoutId id="2147483891" r:id="rId4"/>
     <p:sldLayoutId id="2147483892" r:id="rId5"/>
   </p:sldLayoutIdLst>
-  <p:timing>
-    <p:tnLst>
-      <p:par>
-        <p:cTn id="1" dur="indefinite" restart="never" nodeType="tmRoot"/>
-      </p:par>
-    </p:tnLst>
-  </p:timing>
   <p:hf hdr="0" ftr="0" dt="0"/>
   <p:txStyles>
     <p:titleStyle>
@@ -5281,7 +5274,7 @@
           <p:cNvPr id="17" name="Text Box 58">
             <a:extLst>
               <a:ext uri="{FF2B5EF4-FFF2-40B4-BE49-F238E27FC236}">
-                <a16:creationId xmlns:a16="http://schemas.microsoft.com/office/drawing/2014/main" xmlns="" id="{0963EC9C-2568-B049-A73D-74FA92CFAF06}"/>
+                <a16:creationId xmlns:a16="http://schemas.microsoft.com/office/drawing/2014/main" id="{0963EC9C-2568-B049-A73D-74FA92CFAF06}"/>
               </a:ext>
             </a:extLst>
           </p:cNvPr>
@@ -5453,7 +5446,7 @@
               <a:defRPr/>
             </a:pPr>
             <a:r>
-              <a:rPr lang="en-US" altLang="ko-KR" sz="1600" b="1" smtClean="0">
+              <a:rPr lang="en-US" altLang="ko-KR" sz="1600" b="1">
                 <a:solidFill>
                   <a:schemeClr val="tx1">
                     <a:lumMod val="50000"/>
@@ -5480,66 +5473,12 @@
           </a:p>
         </p:txBody>
       </p:sp>
-      <p:pic>
-        <p:nvPicPr>
-          <p:cNvPr id="6147" name="그림 1"/>
-          <p:cNvPicPr>
-            <a:picLocks noChangeAspect="1"/>
-          </p:cNvPicPr>
-          <p:nvPr/>
-        </p:nvPicPr>
-        <p:blipFill>
-          <a:blip r:embed="rId4" cstate="print">
-            <a:extLst>
-              <a:ext uri="{28A0092B-C50C-407E-A947-70E740481C1C}">
-                <a14:useLocalDpi xmlns:a14="http://schemas.microsoft.com/office/drawing/2010/main" val="0"/>
-              </a:ext>
-            </a:extLst>
-          </a:blip>
-          <a:srcRect/>
-          <a:stretch>
-            <a:fillRect/>
-          </a:stretch>
-        </p:blipFill>
-        <p:spPr bwMode="auto">
-          <a:xfrm>
-            <a:off x="179388" y="6416675"/>
-            <a:ext cx="1223962" cy="298450"/>
-          </a:xfrm>
-          <a:prstGeom prst="rect">
-            <a:avLst/>
-          </a:prstGeom>
-          <a:noFill/>
-          <a:ln>
-            <a:noFill/>
-          </a:ln>
-          <a:extLst>
-            <a:ext uri="{909E8E84-426E-40DD-AFC4-6F175D3DCCD1}">
-              <a14:hiddenFill xmlns:a14="http://schemas.microsoft.com/office/drawing/2010/main">
-                <a:solidFill>
-                  <a:srgbClr val="FFFFFF"/>
-                </a:solidFill>
-              </a14:hiddenFill>
-            </a:ext>
-            <a:ext uri="{91240B29-F687-4F45-9708-019B960494DF}">
-              <a14:hiddenLine xmlns:a14="http://schemas.microsoft.com/office/drawing/2010/main" w="9525">
-                <a:solidFill>
-                  <a:srgbClr val="000000"/>
-                </a:solidFill>
-                <a:miter lim="800000"/>
-                <a:headEnd/>
-                <a:tailEnd/>
-              </a14:hiddenLine>
-            </a:ext>
-          </a:extLst>
-        </p:spPr>
-      </p:pic>
       <p:sp>
         <p:nvSpPr>
           <p:cNvPr id="9" name="Text Box 58">
             <a:extLst>
               <a:ext uri="{FF2B5EF4-FFF2-40B4-BE49-F238E27FC236}">
-                <a16:creationId xmlns:a16="http://schemas.microsoft.com/office/drawing/2014/main" xmlns="" id="{34FAEFD2-4303-844B-B2E2-B0A0E43B2034}"/>
+                <a16:creationId xmlns:a16="http://schemas.microsoft.com/office/drawing/2014/main" id="{34FAEFD2-4303-844B-B2E2-B0A0E43B2034}"/>
               </a:ext>
             </a:extLst>
           </p:cNvPr>
@@ -5711,7 +5650,7 @@
               <a:defRPr/>
             </a:pPr>
             <a:r>
-              <a:rPr lang="en-US" altLang="ko-KR" sz="3800" dirty="0" smtClean="0">
+              <a:rPr lang="en-US" altLang="ko-KR" sz="3800" dirty="0">
                 <a:latin typeface="나눔고딕 ExtraBold" panose="020D0904000000000000" pitchFamily="50" charset="-127"/>
                 <a:ea typeface="나눔고딕 ExtraBold" panose="020D0904000000000000" pitchFamily="50" charset="-127"/>
                 <a:cs typeface="Nanum Gothic" charset="-127"/>
@@ -5782,13 +5721,6 @@
   <p:clrMapOvr>
     <a:masterClrMapping/>
   </p:clrMapOvr>
-  <p:timing>
-    <p:tnLst>
-      <p:par>
-        <p:cTn id="1" dur="indefinite" restart="never" nodeType="tmRoot"/>
-      </p:par>
-    </p:tnLst>
-  </p:timing>
 </p:sld>
 </file>
 
@@ -5991,7 +5923,7 @@
               <a:defRPr/>
             </a:pPr>
             <a:r>
-              <a:rPr lang="en-US" altLang="ko-KR" sz="3800" kern="0" dirty="0" smtClean="0">
+              <a:rPr lang="en-US" altLang="ko-KR" sz="3800" kern="0" dirty="0">
                 <a:solidFill>
                   <a:schemeClr val="tx1"/>
                 </a:solidFill>
@@ -6001,7 +5933,7 @@
               </a:rPr>
               <a:t>Learning</a:t>
             </a:r>
-            <a:endParaRPr lang="ko-KR" altLang="en-US" sz="3800" kern="0" dirty="0" smtClean="0">
+            <a:endParaRPr lang="ko-KR" altLang="en-US" sz="3800" kern="0" dirty="0">
               <a:solidFill>
                 <a:schemeClr val="tx1"/>
               </a:solidFill>
@@ -6205,7 +6137,7 @@
               <a:defRPr/>
             </a:pPr>
             <a:r>
-              <a:rPr lang="en-US" altLang="ko-KR" sz="3800" kern="0" dirty="0" smtClean="0">
+              <a:rPr lang="en-US" altLang="ko-KR" sz="3800" kern="0" dirty="0">
                 <a:solidFill>
                   <a:srgbClr val="0070C0"/>
                 </a:solidFill>
@@ -6215,7 +6147,7 @@
               </a:rPr>
               <a:t>02.</a:t>
             </a:r>
-            <a:endParaRPr lang="ko-KR" altLang="en-US" sz="3800" kern="0" dirty="0" smtClean="0">
+            <a:endParaRPr lang="ko-KR" altLang="en-US" sz="3800" kern="0" dirty="0">
               <a:solidFill>
                 <a:srgbClr val="0070C0"/>
               </a:solidFill>
@@ -6236,13 +6168,6 @@
   <p:clrMapOvr>
     <a:masterClrMapping/>
   </p:clrMapOvr>
-  <p:timing>
-    <p:tnLst>
-      <p:par>
-        <p:cTn id="1" dur="indefinite" restart="never" nodeType="tmRoot"/>
-      </p:par>
-    </p:tnLst>
-  </p:timing>
 </p:sld>
 </file>
 
@@ -6553,7 +6478,7 @@
               <a:defRPr/>
             </a:pPr>
             <a:r>
-              <a:rPr lang="en-US" altLang="ko-KR" sz="2000" b="1" dirty="0" smtClean="0">
+              <a:rPr lang="en-US" altLang="ko-KR" sz="2000" b="1" dirty="0">
                 <a:gradFill>
                   <a:gsLst>
                     <a:gs pos="0">
@@ -6571,7 +6496,7 @@
               <a:t>Learning</a:t>
             </a:r>
             <a:r>
-              <a:rPr lang="ko-KR" altLang="en-US" sz="2000" b="1" dirty="0" smtClean="0">
+              <a:rPr lang="ko-KR" altLang="en-US" sz="2000" b="1" dirty="0">
                 <a:gradFill>
                   <a:gsLst>
                     <a:gs pos="0">
@@ -6589,7 +6514,7 @@
               <a:t> </a:t>
             </a:r>
             <a:r>
-              <a:rPr lang="en-US" altLang="ko-KR" sz="2000" b="1" dirty="0" smtClean="0">
+              <a:rPr lang="en-US" altLang="ko-KR" sz="2000" b="1" dirty="0">
                 <a:gradFill>
                   <a:gsLst>
                     <a:gs pos="0">
@@ -6914,7 +6839,7 @@
               <a:defRPr/>
             </a:pPr>
             <a:r>
-              <a:rPr lang="ko-KR" altLang="en-US" sz="1400" dirty="0" err="1" smtClean="0">
+              <a:rPr lang="ko-KR" altLang="en-US" sz="1400" dirty="0" err="1">
                 <a:solidFill>
                   <a:schemeClr val="tx1"/>
                 </a:solidFill>
@@ -6924,7 +6849,7 @@
               <a:t>파라미터</a:t>
             </a:r>
             <a:r>
-              <a:rPr lang="ko-KR" altLang="en-US" sz="1400" dirty="0" smtClean="0">
+              <a:rPr lang="ko-KR" altLang="en-US" sz="1400" dirty="0">
                 <a:solidFill>
                   <a:schemeClr val="tx1"/>
                 </a:solidFill>
@@ -6933,13 +6858,6 @@
               </a:rPr>
               <a:t> </a:t>
             </a:r>
-            <a:endParaRPr lang="ko-KR" altLang="en-US" sz="1400" dirty="0">
-              <a:solidFill>
-                <a:schemeClr val="tx1"/>
-              </a:solidFill>
-              <a:latin typeface="나눔고딕" panose="020D0604000000000000" pitchFamily="50" charset="-127"/>
-              <a:ea typeface="나눔고딕" panose="020D0604000000000000" pitchFamily="50" charset="-127"/>
-            </a:endParaRPr>
           </a:p>
         </p:txBody>
       </p:sp>
@@ -7233,7 +7151,7 @@
               <a:defRPr/>
             </a:pPr>
             <a:r>
-              <a:rPr lang="en-US" altLang="ko-KR" sz="1400" dirty="0" err="1" smtClean="0">
+              <a:rPr lang="en-US" altLang="ko-KR" sz="1400" dirty="0" err="1">
                 <a:solidFill>
                   <a:schemeClr val="tx1"/>
                 </a:solidFill>
@@ -7243,7 +7161,7 @@
               <a:t>Input_data</a:t>
             </a:r>
             <a:r>
-              <a:rPr lang="en-US" altLang="ko-KR" sz="1400" dirty="0" smtClean="0">
+              <a:rPr lang="en-US" altLang="ko-KR" sz="1400" dirty="0">
                 <a:solidFill>
                   <a:schemeClr val="tx1"/>
                 </a:solidFill>
@@ -7261,7 +7179,7 @@
               <a:defRPr/>
             </a:pPr>
             <a:r>
-              <a:rPr lang="en-US" altLang="ko-KR" sz="1400" dirty="0" err="1" smtClean="0">
+              <a:rPr lang="en-US" altLang="ko-KR" sz="1400" dirty="0" err="1">
                 <a:solidFill>
                   <a:schemeClr val="tx1"/>
                 </a:solidFill>
@@ -7271,7 +7189,7 @@
               <a:t>Batch_size</a:t>
             </a:r>
             <a:r>
-              <a:rPr lang="en-US" altLang="ko-KR" sz="1400" dirty="0" smtClean="0">
+              <a:rPr lang="en-US" altLang="ko-KR" sz="1400" dirty="0">
                 <a:solidFill>
                   <a:schemeClr val="tx1"/>
                 </a:solidFill>
@@ -7289,7 +7207,7 @@
               <a:defRPr/>
             </a:pPr>
             <a:r>
-              <a:rPr lang="ko-KR" altLang="en-US" sz="1400" dirty="0" err="1" smtClean="0">
+              <a:rPr lang="ko-KR" altLang="en-US" sz="1400" dirty="0" err="1">
                 <a:solidFill>
                   <a:schemeClr val="tx1"/>
                 </a:solidFill>
@@ -7299,7 +7217,7 @@
               <a:t>초깃값</a:t>
             </a:r>
             <a:r>
-              <a:rPr lang="ko-KR" altLang="en-US" sz="1400" dirty="0" smtClean="0">
+              <a:rPr lang="ko-KR" altLang="en-US" sz="1400" dirty="0">
                 <a:solidFill>
                   <a:schemeClr val="tx1"/>
                 </a:solidFill>
@@ -7309,7 +7227,7 @@
               <a:t> </a:t>
             </a:r>
             <a:r>
-              <a:rPr lang="en-US" altLang="ko-KR" sz="1400" dirty="0" smtClean="0">
+              <a:rPr lang="en-US" altLang="ko-KR" sz="1400" dirty="0">
                 <a:solidFill>
                   <a:schemeClr val="tx1"/>
                 </a:solidFill>
@@ -7319,7 +7237,7 @@
               <a:t>= </a:t>
             </a:r>
             <a:r>
-              <a:rPr lang="en-US" altLang="ko-KR" sz="1400" dirty="0" err="1" smtClean="0">
+              <a:rPr lang="en-US" altLang="ko-KR" sz="1400" dirty="0" err="1">
                 <a:solidFill>
                   <a:schemeClr val="tx1"/>
                 </a:solidFill>
@@ -7329,7 +7247,7 @@
               <a:t>mx.init.Xavier</a:t>
             </a:r>
             <a:r>
-              <a:rPr lang="en-US" altLang="ko-KR" sz="1400" dirty="0" smtClean="0">
+              <a:rPr lang="en-US" altLang="ko-KR" sz="1400" dirty="0">
                 <a:solidFill>
                   <a:schemeClr val="tx1"/>
                 </a:solidFill>
@@ -7347,7 +7265,7 @@
               <a:defRPr/>
             </a:pPr>
             <a:r>
-              <a:rPr lang="ko-KR" altLang="en-US" sz="1400" dirty="0" err="1" smtClean="0">
+              <a:rPr lang="ko-KR" altLang="en-US" sz="1400" dirty="0" err="1">
                 <a:solidFill>
                   <a:schemeClr val="tx1"/>
                 </a:solidFill>
@@ -7357,7 +7275,7 @@
               <a:t>경사하강법</a:t>
             </a:r>
             <a:r>
-              <a:rPr lang="ko-KR" altLang="en-US" sz="1400" dirty="0" smtClean="0">
+              <a:rPr lang="ko-KR" altLang="en-US" sz="1400" dirty="0">
                 <a:solidFill>
                   <a:schemeClr val="tx1"/>
                 </a:solidFill>
@@ -7367,7 +7285,7 @@
               <a:t> </a:t>
             </a:r>
             <a:r>
-              <a:rPr lang="en-US" altLang="ko-KR" sz="1400" dirty="0" smtClean="0">
+              <a:rPr lang="en-US" altLang="ko-KR" sz="1400" dirty="0">
                 <a:solidFill>
                   <a:schemeClr val="tx1"/>
                 </a:solidFill>
@@ -7377,7 +7295,7 @@
               <a:t>= ‘</a:t>
             </a:r>
             <a:r>
-              <a:rPr lang="en-US" altLang="ko-KR" sz="1400" dirty="0" err="1" smtClean="0">
+              <a:rPr lang="en-US" altLang="ko-KR" sz="1400" dirty="0" err="1">
                 <a:solidFill>
                   <a:schemeClr val="tx1"/>
                 </a:solidFill>
@@ -7387,7 +7305,7 @@
               <a:t>sgd</a:t>
             </a:r>
             <a:r>
-              <a:rPr lang="en-US" altLang="ko-KR" sz="1400" dirty="0" smtClean="0">
+              <a:rPr lang="en-US" altLang="ko-KR" sz="1400" dirty="0">
                 <a:solidFill>
                   <a:schemeClr val="tx1"/>
                 </a:solidFill>
@@ -7405,7 +7323,7 @@
               <a:defRPr/>
             </a:pPr>
             <a:r>
-              <a:rPr lang="ko-KR" altLang="en-US" sz="1400" dirty="0" err="1" smtClean="0">
+              <a:rPr lang="ko-KR" altLang="en-US" sz="1400" dirty="0" err="1">
                 <a:solidFill>
                   <a:schemeClr val="tx1"/>
                 </a:solidFill>
@@ -7415,7 +7333,7 @@
               <a:t>학습률</a:t>
             </a:r>
             <a:r>
-              <a:rPr lang="ko-KR" altLang="en-US" sz="1400" dirty="0" smtClean="0">
+              <a:rPr lang="ko-KR" altLang="en-US" sz="1400" dirty="0">
                 <a:solidFill>
                   <a:schemeClr val="tx1"/>
                 </a:solidFill>
@@ -7425,7 +7343,7 @@
               <a:t> </a:t>
             </a:r>
             <a:r>
-              <a:rPr lang="en-US" altLang="ko-KR" sz="1400" dirty="0" smtClean="0">
+              <a:rPr lang="en-US" altLang="ko-KR" sz="1400" dirty="0">
                 <a:solidFill>
                   <a:schemeClr val="tx1"/>
                 </a:solidFill>
@@ -7443,7 +7361,7 @@
               <a:defRPr/>
             </a:pPr>
             <a:r>
-              <a:rPr lang="ko-KR" altLang="en-US" sz="1400" dirty="0" err="1" smtClean="0">
+              <a:rPr lang="ko-KR" altLang="en-US" sz="1400" dirty="0" err="1">
                 <a:solidFill>
                   <a:schemeClr val="tx1"/>
                 </a:solidFill>
@@ -7453,7 +7371,7 @@
               <a:t>오차함수</a:t>
             </a:r>
             <a:r>
-              <a:rPr lang="ko-KR" altLang="en-US" sz="1400" dirty="0" smtClean="0">
+              <a:rPr lang="ko-KR" altLang="en-US" sz="1400" dirty="0">
                 <a:solidFill>
                   <a:schemeClr val="tx1"/>
                 </a:solidFill>
@@ -7463,7 +7381,7 @@
               <a:t> </a:t>
             </a:r>
             <a:r>
-              <a:rPr lang="en-US" altLang="ko-KR" sz="1400" dirty="0" smtClean="0">
+              <a:rPr lang="en-US" altLang="ko-KR" sz="1400" dirty="0">
                 <a:solidFill>
                   <a:schemeClr val="tx1"/>
                 </a:solidFill>
@@ -7473,7 +7391,7 @@
               <a:t>= </a:t>
             </a:r>
             <a:r>
-              <a:rPr lang="en-US" altLang="ko-KR" sz="1400" dirty="0" err="1" smtClean="0">
+              <a:rPr lang="en-US" altLang="ko-KR" sz="1400" dirty="0" err="1">
                 <a:solidFill>
                   <a:schemeClr val="tx1"/>
                 </a:solidFill>
@@ -7482,7 +7400,7 @@
               </a:rPr>
               <a:t>SoftmaxCrossEntropy</a:t>
             </a:r>
-            <a:endParaRPr lang="en-US" altLang="ko-KR" sz="1400" dirty="0" smtClean="0">
+            <a:endParaRPr lang="en-US" altLang="ko-KR" sz="1400" dirty="0">
               <a:solidFill>
                 <a:schemeClr val="tx1"/>
               </a:solidFill>
@@ -7498,7 +7416,7 @@
               <a:defRPr/>
             </a:pPr>
             <a:r>
-              <a:rPr lang="en-US" altLang="ko-KR" sz="1400" dirty="0" smtClean="0">
+              <a:rPr lang="en-US" altLang="ko-KR" sz="1400" dirty="0">
                 <a:solidFill>
                   <a:schemeClr val="tx1"/>
                 </a:solidFill>
@@ -7702,13 +7620,13 @@
               <a:buNone/>
             </a:pPr>
             <a:r>
-              <a:rPr lang="en-US" altLang="ko-KR" sz="2800" kern="0" dirty="0" smtClean="0">
+              <a:rPr lang="en-US" altLang="ko-KR" sz="2800" kern="0" dirty="0">
                 <a:latin typeface="나눔고딕 ExtraBold" panose="020D0904000000000000" pitchFamily="50" charset="-127"/>
                 <a:ea typeface="나눔고딕 ExtraBold" panose="020D0904000000000000" pitchFamily="50" charset="-127"/>
               </a:rPr>
               <a:t>2. Learning</a:t>
             </a:r>
-            <a:endParaRPr lang="ko-KR" altLang="en-US" sz="2800" kern="0" dirty="0" smtClean="0">
+            <a:endParaRPr lang="ko-KR" altLang="en-US" sz="2800" kern="0" dirty="0">
               <a:latin typeface="나눔고딕 ExtraBold" panose="020D0904000000000000" pitchFamily="50" charset="-127"/>
               <a:ea typeface="나눔고딕 ExtraBold" panose="020D0904000000000000" pitchFamily="50" charset="-127"/>
             </a:endParaRPr>
@@ -7749,13 +7667,6 @@
   <p:clrMapOvr>
     <a:masterClrMapping/>
   </p:clrMapOvr>
-  <p:timing>
-    <p:tnLst>
-      <p:par>
-        <p:cTn id="1" dur="indefinite" restart="never" nodeType="tmRoot"/>
-      </p:par>
-    </p:tnLst>
-  </p:timing>
 </p:sld>
 </file>
 
@@ -8066,7 +7977,7 @@
               <a:defRPr/>
             </a:pPr>
             <a:r>
-              <a:rPr lang="ko-KR" altLang="en-US" sz="1400" dirty="0" err="1" smtClean="0">
+              <a:rPr lang="ko-KR" altLang="en-US" sz="1400" dirty="0" err="1">
                 <a:solidFill>
                   <a:schemeClr val="tx1"/>
                 </a:solidFill>
@@ -8076,7 +7987,7 @@
               <a:t>파라미터</a:t>
             </a:r>
             <a:r>
-              <a:rPr lang="ko-KR" altLang="en-US" sz="1400" dirty="0" smtClean="0">
+              <a:rPr lang="ko-KR" altLang="en-US" sz="1400" dirty="0">
                 <a:solidFill>
                   <a:schemeClr val="tx1"/>
                 </a:solidFill>
@@ -8085,13 +7996,6 @@
               </a:rPr>
               <a:t> </a:t>
             </a:r>
-            <a:endParaRPr lang="ko-KR" altLang="en-US" sz="1400" dirty="0">
-              <a:solidFill>
-                <a:schemeClr val="tx1"/>
-              </a:solidFill>
-              <a:latin typeface="나눔고딕" panose="020D0604000000000000" pitchFamily="50" charset="-127"/>
-              <a:ea typeface="나눔고딕" panose="020D0604000000000000" pitchFamily="50" charset="-127"/>
-            </a:endParaRPr>
           </a:p>
         </p:txBody>
       </p:sp>
@@ -8385,7 +8289,7 @@
               <a:defRPr/>
             </a:pPr>
             <a:r>
-              <a:rPr lang="en-US" altLang="ko-KR" sz="1400" dirty="0" err="1" smtClean="0">
+              <a:rPr lang="en-US" altLang="ko-KR" sz="1400" dirty="0" err="1">
                 <a:solidFill>
                   <a:schemeClr val="tx1"/>
                 </a:solidFill>
@@ -8395,7 +8299,7 @@
               <a:t>Input_data</a:t>
             </a:r>
             <a:r>
-              <a:rPr lang="en-US" altLang="ko-KR" sz="1400" dirty="0" smtClean="0">
+              <a:rPr lang="en-US" altLang="ko-KR" sz="1400" dirty="0">
                 <a:solidFill>
                   <a:schemeClr val="tx1"/>
                 </a:solidFill>
@@ -8413,7 +8317,7 @@
               <a:defRPr/>
             </a:pPr>
             <a:r>
-              <a:rPr lang="en-US" altLang="ko-KR" sz="1400" dirty="0" err="1" smtClean="0">
+              <a:rPr lang="en-US" altLang="ko-KR" sz="1400" dirty="0" err="1">
                 <a:solidFill>
                   <a:schemeClr val="tx1"/>
                 </a:solidFill>
@@ -8423,7 +8327,7 @@
               <a:t>Batch_size</a:t>
             </a:r>
             <a:r>
-              <a:rPr lang="en-US" altLang="ko-KR" sz="1400" dirty="0" smtClean="0">
+              <a:rPr lang="en-US" altLang="ko-KR" sz="1400" dirty="0">
                 <a:solidFill>
                   <a:schemeClr val="tx1"/>
                 </a:solidFill>
@@ -8441,7 +8345,7 @@
               <a:defRPr/>
             </a:pPr>
             <a:r>
-              <a:rPr lang="ko-KR" altLang="en-US" sz="1400" dirty="0" err="1" smtClean="0">
+              <a:rPr lang="ko-KR" altLang="en-US" sz="1400" dirty="0" err="1">
                 <a:solidFill>
                   <a:schemeClr val="tx1"/>
                 </a:solidFill>
@@ -8451,7 +8355,7 @@
               <a:t>초깃값</a:t>
             </a:r>
             <a:r>
-              <a:rPr lang="ko-KR" altLang="en-US" sz="1400" dirty="0" smtClean="0">
+              <a:rPr lang="ko-KR" altLang="en-US" sz="1400" dirty="0">
                 <a:solidFill>
                   <a:schemeClr val="tx1"/>
                 </a:solidFill>
@@ -8461,7 +8365,7 @@
               <a:t> </a:t>
             </a:r>
             <a:r>
-              <a:rPr lang="en-US" altLang="ko-KR" sz="1400" dirty="0" smtClean="0">
+              <a:rPr lang="en-US" altLang="ko-KR" sz="1400" dirty="0">
                 <a:solidFill>
                   <a:schemeClr val="tx1"/>
                 </a:solidFill>
@@ -8471,7 +8375,7 @@
               <a:t>= </a:t>
             </a:r>
             <a:r>
-              <a:rPr lang="en-US" altLang="ko-KR" sz="1400" dirty="0" err="1" smtClean="0">
+              <a:rPr lang="en-US" altLang="ko-KR" sz="1400" dirty="0" err="1">
                 <a:solidFill>
                   <a:schemeClr val="tx1"/>
                 </a:solidFill>
@@ -8481,7 +8385,7 @@
               <a:t>mx.init.Normal</a:t>
             </a:r>
             <a:r>
-              <a:rPr lang="en-US" altLang="ko-KR" sz="1400" dirty="0" smtClean="0">
+              <a:rPr lang="en-US" altLang="ko-KR" sz="1400" dirty="0">
                 <a:solidFill>
                   <a:schemeClr val="tx1"/>
                 </a:solidFill>
@@ -8499,7 +8403,7 @@
               <a:defRPr/>
             </a:pPr>
             <a:r>
-              <a:rPr lang="ko-KR" altLang="en-US" sz="1400" dirty="0" err="1" smtClean="0">
+              <a:rPr lang="ko-KR" altLang="en-US" sz="1400" dirty="0" err="1">
                 <a:solidFill>
                   <a:schemeClr val="tx1"/>
                 </a:solidFill>
@@ -8509,7 +8413,7 @@
               <a:t>경사하강법</a:t>
             </a:r>
             <a:r>
-              <a:rPr lang="ko-KR" altLang="en-US" sz="1400" dirty="0" smtClean="0">
+              <a:rPr lang="ko-KR" altLang="en-US" sz="1400" dirty="0">
                 <a:solidFill>
                   <a:schemeClr val="tx1"/>
                 </a:solidFill>
@@ -8519,7 +8423,7 @@
               <a:t> </a:t>
             </a:r>
             <a:r>
-              <a:rPr lang="en-US" altLang="ko-KR" sz="1400" dirty="0" smtClean="0">
+              <a:rPr lang="en-US" altLang="ko-KR" sz="1400" dirty="0">
                 <a:solidFill>
                   <a:schemeClr val="tx1"/>
                 </a:solidFill>
@@ -8529,7 +8433,7 @@
               <a:t>= ‘</a:t>
             </a:r>
             <a:r>
-              <a:rPr lang="en-US" altLang="ko-KR" sz="1400" dirty="0" err="1" smtClean="0">
+              <a:rPr lang="en-US" altLang="ko-KR" sz="1400" dirty="0" err="1">
                 <a:solidFill>
                   <a:schemeClr val="tx1"/>
                 </a:solidFill>
@@ -8539,7 +8443,7 @@
               <a:t>adam</a:t>
             </a:r>
             <a:r>
-              <a:rPr lang="en-US" altLang="ko-KR" sz="1400" dirty="0" smtClean="0">
+              <a:rPr lang="en-US" altLang="ko-KR" sz="1400" dirty="0">
                 <a:solidFill>
                   <a:schemeClr val="tx1"/>
                 </a:solidFill>
@@ -8557,7 +8461,7 @@
               <a:defRPr/>
             </a:pPr>
             <a:r>
-              <a:rPr lang="ko-KR" altLang="en-US" sz="1400" dirty="0" err="1" smtClean="0">
+              <a:rPr lang="ko-KR" altLang="en-US" sz="1400" dirty="0" err="1">
                 <a:solidFill>
                   <a:schemeClr val="tx1"/>
                 </a:solidFill>
@@ -8567,7 +8471,7 @@
               <a:t>학습률</a:t>
             </a:r>
             <a:r>
-              <a:rPr lang="ko-KR" altLang="en-US" sz="1400" dirty="0" smtClean="0">
+              <a:rPr lang="ko-KR" altLang="en-US" sz="1400" dirty="0">
                 <a:solidFill>
                   <a:schemeClr val="tx1"/>
                 </a:solidFill>
@@ -8577,7 +8481,7 @@
               <a:t> </a:t>
             </a:r>
             <a:r>
-              <a:rPr lang="en-US" altLang="ko-KR" sz="1400" dirty="0" smtClean="0">
+              <a:rPr lang="en-US" altLang="ko-KR" sz="1400" dirty="0">
                 <a:solidFill>
                   <a:schemeClr val="tx1"/>
                 </a:solidFill>
@@ -8595,7 +8499,7 @@
               <a:defRPr/>
             </a:pPr>
             <a:r>
-              <a:rPr lang="ko-KR" altLang="en-US" sz="1400" dirty="0" err="1" smtClean="0">
+              <a:rPr lang="ko-KR" altLang="en-US" sz="1400" dirty="0" err="1">
                 <a:solidFill>
                   <a:schemeClr val="tx1"/>
                 </a:solidFill>
@@ -8605,7 +8509,7 @@
               <a:t>오차함수</a:t>
             </a:r>
             <a:r>
-              <a:rPr lang="ko-KR" altLang="en-US" sz="1400" dirty="0" smtClean="0">
+              <a:rPr lang="ko-KR" altLang="en-US" sz="1400" dirty="0">
                 <a:solidFill>
                   <a:schemeClr val="tx1"/>
                 </a:solidFill>
@@ -8615,7 +8519,7 @@
               <a:t> </a:t>
             </a:r>
             <a:r>
-              <a:rPr lang="en-US" altLang="ko-KR" sz="1400" dirty="0" smtClean="0">
+              <a:rPr lang="en-US" altLang="ko-KR" sz="1400" dirty="0">
                 <a:solidFill>
                   <a:schemeClr val="tx1"/>
                 </a:solidFill>
@@ -8625,7 +8529,7 @@
               <a:t>= </a:t>
             </a:r>
             <a:r>
-              <a:rPr lang="en-US" altLang="ko-KR" sz="1400" dirty="0" err="1" smtClean="0">
+              <a:rPr lang="en-US" altLang="ko-KR" sz="1400" dirty="0" err="1">
                 <a:solidFill>
                   <a:schemeClr val="tx1"/>
                 </a:solidFill>
@@ -8634,7 +8538,7 @@
               </a:rPr>
               <a:t>SoftmaxCrossEntropy</a:t>
             </a:r>
-            <a:endParaRPr lang="en-US" altLang="ko-KR" sz="1400" dirty="0" smtClean="0">
+            <a:endParaRPr lang="en-US" altLang="ko-KR" sz="1400" dirty="0">
               <a:solidFill>
                 <a:schemeClr val="tx1"/>
               </a:solidFill>
@@ -8650,7 +8554,7 @@
               <a:defRPr/>
             </a:pPr>
             <a:r>
-              <a:rPr lang="en-US" altLang="ko-KR" sz="1400" dirty="0" smtClean="0">
+              <a:rPr lang="en-US" altLang="ko-KR" sz="1400" dirty="0">
                 <a:solidFill>
                   <a:schemeClr val="tx1"/>
                 </a:solidFill>
@@ -8976,7 +8880,7 @@
               <a:defRPr/>
             </a:pPr>
             <a:r>
-              <a:rPr lang="en-US" altLang="ko-KR" sz="2000" b="1" dirty="0" smtClean="0">
+              <a:rPr lang="en-US" altLang="ko-KR" sz="2000" b="1" dirty="0">
                 <a:gradFill>
                   <a:gsLst>
                     <a:gs pos="0">
@@ -8994,7 +8898,7 @@
               <a:t>Learning</a:t>
             </a:r>
             <a:r>
-              <a:rPr lang="ko-KR" altLang="en-US" sz="2000" b="1" dirty="0" smtClean="0">
+              <a:rPr lang="ko-KR" altLang="en-US" sz="2000" b="1" dirty="0">
                 <a:gradFill>
                   <a:gsLst>
                     <a:gs pos="0">
@@ -9239,13 +9143,13 @@
               <a:buNone/>
             </a:pPr>
             <a:r>
-              <a:rPr lang="en-US" altLang="ko-KR" sz="2800" kern="0" dirty="0" smtClean="0">
+              <a:rPr lang="en-US" altLang="ko-KR" sz="2800" kern="0" dirty="0">
                 <a:latin typeface="나눔고딕 ExtraBold" panose="020D0904000000000000" pitchFamily="50" charset="-127"/>
                 <a:ea typeface="나눔고딕 ExtraBold" panose="020D0904000000000000" pitchFamily="50" charset="-127"/>
               </a:rPr>
               <a:t>2. Learning</a:t>
             </a:r>
-            <a:endParaRPr lang="ko-KR" altLang="en-US" sz="2800" kern="0" dirty="0" smtClean="0">
+            <a:endParaRPr lang="ko-KR" altLang="en-US" sz="2800" kern="0" dirty="0">
               <a:latin typeface="나눔고딕 ExtraBold" panose="020D0904000000000000" pitchFamily="50" charset="-127"/>
               <a:ea typeface="나눔고딕 ExtraBold" panose="020D0904000000000000" pitchFamily="50" charset="-127"/>
             </a:endParaRPr>
@@ -9262,13 +9166,6 @@
   <p:clrMapOvr>
     <a:masterClrMapping/>
   </p:clrMapOvr>
-  <p:timing>
-    <p:tnLst>
-      <p:par>
-        <p:cTn id="1" dur="indefinite" restart="never" nodeType="tmRoot"/>
-      </p:par>
-    </p:tnLst>
-  </p:timing>
 </p:sld>
 </file>
 
@@ -9579,7 +9476,7 @@
               <a:defRPr/>
             </a:pPr>
             <a:r>
-              <a:rPr lang="ko-KR" altLang="en-US" sz="1400" dirty="0" err="1" smtClean="0">
+              <a:rPr lang="ko-KR" altLang="en-US" sz="1400" dirty="0" err="1">
                 <a:solidFill>
                   <a:schemeClr val="tx1"/>
                 </a:solidFill>
@@ -9589,7 +9486,7 @@
               <a:t>파라미터</a:t>
             </a:r>
             <a:r>
-              <a:rPr lang="ko-KR" altLang="en-US" sz="1400" dirty="0" smtClean="0">
+              <a:rPr lang="ko-KR" altLang="en-US" sz="1400" dirty="0">
                 <a:solidFill>
                   <a:schemeClr val="tx1"/>
                 </a:solidFill>
@@ -9598,13 +9495,6 @@
               </a:rPr>
               <a:t> </a:t>
             </a:r>
-            <a:endParaRPr lang="ko-KR" altLang="en-US" sz="1400" dirty="0">
-              <a:solidFill>
-                <a:schemeClr val="tx1"/>
-              </a:solidFill>
-              <a:latin typeface="나눔고딕" panose="020D0604000000000000" pitchFamily="50" charset="-127"/>
-              <a:ea typeface="나눔고딕" panose="020D0604000000000000" pitchFamily="50" charset="-127"/>
-            </a:endParaRPr>
           </a:p>
         </p:txBody>
       </p:sp>
@@ -9898,7 +9788,7 @@
               <a:defRPr/>
             </a:pPr>
             <a:r>
-              <a:rPr lang="en-US" altLang="ko-KR" sz="1400" dirty="0" err="1" smtClean="0">
+              <a:rPr lang="en-US" altLang="ko-KR" sz="1400" dirty="0" err="1">
                 <a:solidFill>
                   <a:schemeClr val="tx1"/>
                 </a:solidFill>
@@ -9908,7 +9798,7 @@
               <a:t>Input_data</a:t>
             </a:r>
             <a:r>
-              <a:rPr lang="en-US" altLang="ko-KR" sz="1400" dirty="0" smtClean="0">
+              <a:rPr lang="en-US" altLang="ko-KR" sz="1400" dirty="0">
                 <a:solidFill>
                   <a:schemeClr val="tx1"/>
                 </a:solidFill>
@@ -9926,7 +9816,7 @@
               <a:defRPr/>
             </a:pPr>
             <a:r>
-              <a:rPr lang="en-US" altLang="ko-KR" sz="1400" dirty="0" err="1" smtClean="0">
+              <a:rPr lang="en-US" altLang="ko-KR" sz="1400" dirty="0" err="1">
                 <a:solidFill>
                   <a:schemeClr val="tx1"/>
                 </a:solidFill>
@@ -9936,7 +9826,7 @@
               <a:t>Batch_size</a:t>
             </a:r>
             <a:r>
-              <a:rPr lang="en-US" altLang="ko-KR" sz="1400" dirty="0" smtClean="0">
+              <a:rPr lang="en-US" altLang="ko-KR" sz="1400" dirty="0">
                 <a:solidFill>
                   <a:schemeClr val="tx1"/>
                 </a:solidFill>
@@ -9954,7 +9844,7 @@
               <a:defRPr/>
             </a:pPr>
             <a:r>
-              <a:rPr lang="ko-KR" altLang="en-US" sz="1400" dirty="0" err="1" smtClean="0">
+              <a:rPr lang="ko-KR" altLang="en-US" sz="1400" dirty="0" err="1">
                 <a:solidFill>
                   <a:schemeClr val="tx1"/>
                 </a:solidFill>
@@ -9964,7 +9854,7 @@
               <a:t>초깃값</a:t>
             </a:r>
             <a:r>
-              <a:rPr lang="ko-KR" altLang="en-US" sz="1400" dirty="0" smtClean="0">
+              <a:rPr lang="ko-KR" altLang="en-US" sz="1400" dirty="0">
                 <a:solidFill>
                   <a:schemeClr val="tx1"/>
                 </a:solidFill>
@@ -9974,7 +9864,7 @@
               <a:t> </a:t>
             </a:r>
             <a:r>
-              <a:rPr lang="en-US" altLang="ko-KR" sz="1400" dirty="0" smtClean="0">
+              <a:rPr lang="en-US" altLang="ko-KR" sz="1400" dirty="0">
                 <a:solidFill>
                   <a:schemeClr val="tx1"/>
                 </a:solidFill>
@@ -9984,7 +9874,7 @@
               <a:t>= </a:t>
             </a:r>
             <a:r>
-              <a:rPr lang="en-US" altLang="ko-KR" sz="1400" dirty="0" err="1" smtClean="0">
+              <a:rPr lang="en-US" altLang="ko-KR" sz="1400" dirty="0" err="1">
                 <a:solidFill>
                   <a:schemeClr val="tx1"/>
                 </a:solidFill>
@@ -9994,7 +9884,7 @@
               <a:t>mx.init.Normal</a:t>
             </a:r>
             <a:r>
-              <a:rPr lang="en-US" altLang="ko-KR" sz="1400" dirty="0" smtClean="0">
+              <a:rPr lang="en-US" altLang="ko-KR" sz="1400" dirty="0">
                 <a:solidFill>
                   <a:schemeClr val="tx1"/>
                 </a:solidFill>
@@ -10012,7 +9902,7 @@
               <a:defRPr/>
             </a:pPr>
             <a:r>
-              <a:rPr lang="ko-KR" altLang="en-US" sz="1400" dirty="0" err="1" smtClean="0">
+              <a:rPr lang="ko-KR" altLang="en-US" sz="1400" dirty="0" err="1">
                 <a:solidFill>
                   <a:schemeClr val="tx1"/>
                 </a:solidFill>
@@ -10022,7 +9912,7 @@
               <a:t>경사하강법</a:t>
             </a:r>
             <a:r>
-              <a:rPr lang="ko-KR" altLang="en-US" sz="1400" dirty="0" smtClean="0">
+              <a:rPr lang="ko-KR" altLang="en-US" sz="1400" dirty="0">
                 <a:solidFill>
                   <a:schemeClr val="tx1"/>
                 </a:solidFill>
@@ -10032,7 +9922,7 @@
               <a:t> </a:t>
             </a:r>
             <a:r>
-              <a:rPr lang="en-US" altLang="ko-KR" sz="1400" dirty="0" smtClean="0">
+              <a:rPr lang="en-US" altLang="ko-KR" sz="1400" dirty="0">
                 <a:solidFill>
                   <a:schemeClr val="tx1"/>
                 </a:solidFill>
@@ -10042,7 +9932,7 @@
               <a:t>= ‘</a:t>
             </a:r>
             <a:r>
-              <a:rPr lang="en-US" altLang="ko-KR" sz="1400" dirty="0" err="1" smtClean="0">
+              <a:rPr lang="en-US" altLang="ko-KR" sz="1400" dirty="0" err="1">
                 <a:solidFill>
                   <a:schemeClr val="tx1"/>
                 </a:solidFill>
@@ -10052,7 +9942,7 @@
               <a:t>adam</a:t>
             </a:r>
             <a:r>
-              <a:rPr lang="en-US" altLang="ko-KR" sz="1400" dirty="0" smtClean="0">
+              <a:rPr lang="en-US" altLang="ko-KR" sz="1400" dirty="0">
                 <a:solidFill>
                   <a:schemeClr val="tx1"/>
                 </a:solidFill>
@@ -10070,7 +9960,7 @@
               <a:defRPr/>
             </a:pPr>
             <a:r>
-              <a:rPr lang="ko-KR" altLang="en-US" sz="1400" dirty="0" err="1" smtClean="0">
+              <a:rPr lang="ko-KR" altLang="en-US" sz="1400" dirty="0" err="1">
                 <a:solidFill>
                   <a:schemeClr val="tx1"/>
                 </a:solidFill>
@@ -10080,7 +9970,7 @@
               <a:t>학습률</a:t>
             </a:r>
             <a:r>
-              <a:rPr lang="ko-KR" altLang="en-US" sz="1400" dirty="0" smtClean="0">
+              <a:rPr lang="ko-KR" altLang="en-US" sz="1400" dirty="0">
                 <a:solidFill>
                   <a:schemeClr val="tx1"/>
                 </a:solidFill>
@@ -10090,7 +9980,7 @@
               <a:t> </a:t>
             </a:r>
             <a:r>
-              <a:rPr lang="en-US" altLang="ko-KR" sz="1400" dirty="0" smtClean="0">
+              <a:rPr lang="en-US" altLang="ko-KR" sz="1400" dirty="0">
                 <a:solidFill>
                   <a:schemeClr val="tx1"/>
                 </a:solidFill>
@@ -10108,7 +9998,7 @@
               <a:defRPr/>
             </a:pPr>
             <a:r>
-              <a:rPr lang="ko-KR" altLang="en-US" sz="1400" dirty="0" err="1" smtClean="0">
+              <a:rPr lang="ko-KR" altLang="en-US" sz="1400" dirty="0" err="1">
                 <a:solidFill>
                   <a:schemeClr val="tx1"/>
                 </a:solidFill>
@@ -10118,7 +10008,7 @@
               <a:t>오차함수</a:t>
             </a:r>
             <a:r>
-              <a:rPr lang="ko-KR" altLang="en-US" sz="1400" dirty="0" smtClean="0">
+              <a:rPr lang="ko-KR" altLang="en-US" sz="1400" dirty="0">
                 <a:solidFill>
                   <a:schemeClr val="tx1"/>
                 </a:solidFill>
@@ -10128,7 +10018,7 @@
               <a:t> </a:t>
             </a:r>
             <a:r>
-              <a:rPr lang="en-US" altLang="ko-KR" sz="1400" dirty="0" smtClean="0">
+              <a:rPr lang="en-US" altLang="ko-KR" sz="1400" dirty="0">
                 <a:solidFill>
                   <a:schemeClr val="tx1"/>
                 </a:solidFill>
@@ -10138,7 +10028,7 @@
               <a:t>= </a:t>
             </a:r>
             <a:r>
-              <a:rPr lang="en-US" altLang="ko-KR" sz="1400" dirty="0" err="1" smtClean="0">
+              <a:rPr lang="en-US" altLang="ko-KR" sz="1400" dirty="0" err="1">
                 <a:solidFill>
                   <a:schemeClr val="tx1"/>
                 </a:solidFill>
@@ -10147,7 +10037,7 @@
               </a:rPr>
               <a:t>SoftmaxCrossEntropy</a:t>
             </a:r>
-            <a:endParaRPr lang="en-US" altLang="ko-KR" sz="1400" dirty="0" smtClean="0">
+            <a:endParaRPr lang="en-US" altLang="ko-KR" sz="1400" dirty="0">
               <a:solidFill>
                 <a:schemeClr val="tx1"/>
               </a:solidFill>
@@ -10163,7 +10053,7 @@
               <a:defRPr/>
             </a:pPr>
             <a:r>
-              <a:rPr lang="en-US" altLang="ko-KR" sz="1400" dirty="0" smtClean="0">
+              <a:rPr lang="en-US" altLang="ko-KR" sz="1400" dirty="0">
                 <a:solidFill>
                   <a:schemeClr val="tx1"/>
                 </a:solidFill>
@@ -10489,7 +10379,7 @@
               <a:defRPr/>
             </a:pPr>
             <a:r>
-              <a:rPr lang="en-US" altLang="ko-KR" sz="2000" b="1" dirty="0" smtClean="0">
+              <a:rPr lang="en-US" altLang="ko-KR" sz="2000" b="1" dirty="0">
                 <a:gradFill>
                   <a:gsLst>
                     <a:gs pos="0">
@@ -10507,7 +10397,7 @@
               <a:t>Learning</a:t>
             </a:r>
             <a:r>
-              <a:rPr lang="ko-KR" altLang="en-US" sz="2000" b="1" dirty="0" smtClean="0">
+              <a:rPr lang="ko-KR" altLang="en-US" sz="2000" b="1" dirty="0">
                 <a:gradFill>
                   <a:gsLst>
                     <a:gs pos="0">
@@ -10525,7 +10415,7 @@
               <a:t> </a:t>
             </a:r>
             <a:r>
-              <a:rPr lang="en-US" altLang="ko-KR" sz="2000" b="1" dirty="0" smtClean="0">
+              <a:rPr lang="en-US" altLang="ko-KR" sz="2000" b="1" dirty="0">
                 <a:gradFill>
                   <a:gsLst>
                     <a:gs pos="0">
@@ -10752,13 +10642,13 @@
               <a:buNone/>
             </a:pPr>
             <a:r>
-              <a:rPr lang="en-US" altLang="ko-KR" sz="2800" kern="0" dirty="0" smtClean="0">
+              <a:rPr lang="en-US" altLang="ko-KR" sz="2800" kern="0" dirty="0">
                 <a:latin typeface="나눔고딕 ExtraBold" panose="020D0904000000000000" pitchFamily="50" charset="-127"/>
                 <a:ea typeface="나눔고딕 ExtraBold" panose="020D0904000000000000" pitchFamily="50" charset="-127"/>
               </a:rPr>
               <a:t>2. Learning</a:t>
             </a:r>
-            <a:endParaRPr lang="ko-KR" altLang="en-US" sz="2800" kern="0" dirty="0" smtClean="0">
+            <a:endParaRPr lang="ko-KR" altLang="en-US" sz="2800" kern="0" dirty="0">
               <a:latin typeface="나눔고딕 ExtraBold" panose="020D0904000000000000" pitchFamily="50" charset="-127"/>
               <a:ea typeface="나눔고딕 ExtraBold" panose="020D0904000000000000" pitchFamily="50" charset="-127"/>
             </a:endParaRPr>
@@ -10775,13 +10665,6 @@
   <p:clrMapOvr>
     <a:masterClrMapping/>
   </p:clrMapOvr>
-  <p:timing>
-    <p:tnLst>
-      <p:par>
-        <p:cTn id="1" dur="indefinite" restart="never" nodeType="tmRoot"/>
-      </p:par>
-    </p:tnLst>
-  </p:timing>
 </p:sld>
 </file>
 
@@ -11092,7 +10975,7 @@
               <a:defRPr/>
             </a:pPr>
             <a:r>
-              <a:rPr lang="ko-KR" altLang="en-US" sz="1400" dirty="0" err="1" smtClean="0">
+              <a:rPr lang="ko-KR" altLang="en-US" sz="1400" dirty="0" err="1">
                 <a:solidFill>
                   <a:schemeClr val="tx1"/>
                 </a:solidFill>
@@ -11102,7 +10985,7 @@
               <a:t>파라미터</a:t>
             </a:r>
             <a:r>
-              <a:rPr lang="ko-KR" altLang="en-US" sz="1400" dirty="0" smtClean="0">
+              <a:rPr lang="ko-KR" altLang="en-US" sz="1400" dirty="0">
                 <a:solidFill>
                   <a:schemeClr val="tx1"/>
                 </a:solidFill>
@@ -11111,13 +10994,6 @@
               </a:rPr>
               <a:t> </a:t>
             </a:r>
-            <a:endParaRPr lang="ko-KR" altLang="en-US" sz="1400" dirty="0">
-              <a:solidFill>
-                <a:schemeClr val="tx1"/>
-              </a:solidFill>
-              <a:latin typeface="나눔고딕" panose="020D0604000000000000" pitchFamily="50" charset="-127"/>
-              <a:ea typeface="나눔고딕" panose="020D0604000000000000" pitchFamily="50" charset="-127"/>
-            </a:endParaRPr>
           </a:p>
         </p:txBody>
       </p:sp>
@@ -11411,7 +11287,7 @@
               <a:defRPr/>
             </a:pPr>
             <a:r>
-              <a:rPr lang="en-US" altLang="ko-KR" sz="1400" dirty="0" err="1" smtClean="0">
+              <a:rPr lang="en-US" altLang="ko-KR" sz="1400" dirty="0" err="1">
                 <a:solidFill>
                   <a:schemeClr val="tx1"/>
                 </a:solidFill>
@@ -11421,7 +11297,7 @@
               <a:t>Input_data</a:t>
             </a:r>
             <a:r>
-              <a:rPr lang="en-US" altLang="ko-KR" sz="1400" dirty="0" smtClean="0">
+              <a:rPr lang="en-US" altLang="ko-KR" sz="1400" dirty="0">
                 <a:solidFill>
                   <a:schemeClr val="tx1"/>
                 </a:solidFill>
@@ -11439,7 +11315,7 @@
               <a:defRPr/>
             </a:pPr>
             <a:r>
-              <a:rPr lang="en-US" altLang="ko-KR" sz="1400" dirty="0" err="1" smtClean="0">
+              <a:rPr lang="en-US" altLang="ko-KR" sz="1400" dirty="0" err="1">
                 <a:solidFill>
                   <a:schemeClr val="tx1"/>
                 </a:solidFill>
@@ -11449,7 +11325,7 @@
               <a:t>Batch_size</a:t>
             </a:r>
             <a:r>
-              <a:rPr lang="en-US" altLang="ko-KR" sz="1400" dirty="0" smtClean="0">
+              <a:rPr lang="en-US" altLang="ko-KR" sz="1400" dirty="0">
                 <a:solidFill>
                   <a:schemeClr val="tx1"/>
                 </a:solidFill>
@@ -11467,7 +11343,7 @@
               <a:defRPr/>
             </a:pPr>
             <a:r>
-              <a:rPr lang="ko-KR" altLang="en-US" sz="1400" dirty="0" err="1" smtClean="0">
+              <a:rPr lang="ko-KR" altLang="en-US" sz="1400" dirty="0" err="1">
                 <a:solidFill>
                   <a:schemeClr val="tx1"/>
                 </a:solidFill>
@@ -11477,7 +11353,7 @@
               <a:t>초깃값</a:t>
             </a:r>
             <a:r>
-              <a:rPr lang="ko-KR" altLang="en-US" sz="1400" dirty="0" smtClean="0">
+              <a:rPr lang="ko-KR" altLang="en-US" sz="1400" dirty="0">
                 <a:solidFill>
                   <a:schemeClr val="tx1"/>
                 </a:solidFill>
@@ -11487,7 +11363,7 @@
               <a:t> </a:t>
             </a:r>
             <a:r>
-              <a:rPr lang="en-US" altLang="ko-KR" sz="1400" dirty="0" smtClean="0">
+              <a:rPr lang="en-US" altLang="ko-KR" sz="1400" dirty="0">
                 <a:solidFill>
                   <a:schemeClr val="tx1"/>
                 </a:solidFill>
@@ -11516,7 +11392,151 @@
               </a:rPr>
               <a:t>(magnitude = 0)</a:t>
             </a:r>
-            <a:endParaRPr lang="en-US" altLang="ko-KR" sz="1400" dirty="0" smtClean="0">
+          </a:p>
+          <a:p>
+            <a:pPr algn="l">
+              <a:lnSpc>
+                <a:spcPct val="150000"/>
+              </a:lnSpc>
+              <a:defRPr/>
+            </a:pPr>
+            <a:r>
+              <a:rPr lang="ko-KR" altLang="en-US" sz="1400" dirty="0" err="1">
+                <a:solidFill>
+                  <a:schemeClr val="tx1"/>
+                </a:solidFill>
+                <a:latin typeface="나눔고딕" panose="020D0604000000000000" pitchFamily="50" charset="-127"/>
+                <a:ea typeface="나눔고딕" panose="020D0604000000000000" pitchFamily="50" charset="-127"/>
+              </a:rPr>
+              <a:t>경사하강법</a:t>
+            </a:r>
+            <a:r>
+              <a:rPr lang="ko-KR" altLang="en-US" sz="1400" dirty="0">
+                <a:solidFill>
+                  <a:schemeClr val="tx1"/>
+                </a:solidFill>
+                <a:latin typeface="나눔고딕" panose="020D0604000000000000" pitchFamily="50" charset="-127"/>
+                <a:ea typeface="나눔고딕" panose="020D0604000000000000" pitchFamily="50" charset="-127"/>
+              </a:rPr>
+              <a:t> </a:t>
+            </a:r>
+            <a:r>
+              <a:rPr lang="en-US" altLang="ko-KR" sz="1400" dirty="0">
+                <a:solidFill>
+                  <a:schemeClr val="tx1"/>
+                </a:solidFill>
+                <a:latin typeface="나눔고딕" panose="020D0604000000000000" pitchFamily="50" charset="-127"/>
+                <a:ea typeface="나눔고딕" panose="020D0604000000000000" pitchFamily="50" charset="-127"/>
+              </a:rPr>
+              <a:t>= ‘</a:t>
+            </a:r>
+            <a:r>
+              <a:rPr lang="en-US" altLang="ko-KR" sz="1400" dirty="0" err="1">
+                <a:solidFill>
+                  <a:schemeClr val="tx1"/>
+                </a:solidFill>
+                <a:latin typeface="나눔고딕" panose="020D0604000000000000" pitchFamily="50" charset="-127"/>
+                <a:ea typeface="나눔고딕" panose="020D0604000000000000" pitchFamily="50" charset="-127"/>
+              </a:rPr>
+              <a:t>sgd</a:t>
+            </a:r>
+            <a:r>
+              <a:rPr lang="en-US" altLang="ko-KR" sz="1400" dirty="0">
+                <a:solidFill>
+                  <a:schemeClr val="tx1"/>
+                </a:solidFill>
+                <a:latin typeface="나눔고딕" panose="020D0604000000000000" pitchFamily="50" charset="-127"/>
+                <a:ea typeface="나눔고딕" panose="020D0604000000000000" pitchFamily="50" charset="-127"/>
+              </a:rPr>
+              <a:t>’</a:t>
+            </a:r>
+          </a:p>
+          <a:p>
+            <a:pPr algn="l">
+              <a:lnSpc>
+                <a:spcPct val="150000"/>
+              </a:lnSpc>
+              <a:defRPr/>
+            </a:pPr>
+            <a:r>
+              <a:rPr lang="ko-KR" altLang="en-US" sz="1400" dirty="0" err="1">
+                <a:solidFill>
+                  <a:schemeClr val="tx1"/>
+                </a:solidFill>
+                <a:latin typeface="나눔고딕" panose="020D0604000000000000" pitchFamily="50" charset="-127"/>
+                <a:ea typeface="나눔고딕" panose="020D0604000000000000" pitchFamily="50" charset="-127"/>
+              </a:rPr>
+              <a:t>학습률</a:t>
+            </a:r>
+            <a:r>
+              <a:rPr lang="ko-KR" altLang="en-US" sz="1400" dirty="0">
+                <a:solidFill>
+                  <a:schemeClr val="tx1"/>
+                </a:solidFill>
+                <a:latin typeface="나눔고딕" panose="020D0604000000000000" pitchFamily="50" charset="-127"/>
+                <a:ea typeface="나눔고딕" panose="020D0604000000000000" pitchFamily="50" charset="-127"/>
+              </a:rPr>
+              <a:t> </a:t>
+            </a:r>
+            <a:r>
+              <a:rPr lang="en-US" altLang="ko-KR" sz="1400" dirty="0">
+                <a:solidFill>
+                  <a:schemeClr val="tx1"/>
+                </a:solidFill>
+                <a:latin typeface="나눔고딕" panose="020D0604000000000000" pitchFamily="50" charset="-127"/>
+                <a:ea typeface="나눔고딕" panose="020D0604000000000000" pitchFamily="50" charset="-127"/>
+              </a:rPr>
+              <a:t>= 0.1</a:t>
+            </a:r>
+          </a:p>
+          <a:p>
+            <a:pPr algn="l">
+              <a:lnSpc>
+                <a:spcPct val="150000"/>
+              </a:lnSpc>
+              <a:defRPr/>
+            </a:pPr>
+            <a:r>
+              <a:rPr lang="ko-KR" altLang="en-US" sz="1400" dirty="0" err="1">
+                <a:solidFill>
+                  <a:schemeClr val="tx1"/>
+                </a:solidFill>
+                <a:latin typeface="나눔고딕" panose="020D0604000000000000" pitchFamily="50" charset="-127"/>
+                <a:ea typeface="나눔고딕" panose="020D0604000000000000" pitchFamily="50" charset="-127"/>
+              </a:rPr>
+              <a:t>오차함수</a:t>
+            </a:r>
+            <a:r>
+              <a:rPr lang="ko-KR" altLang="en-US" sz="1400" dirty="0">
+                <a:solidFill>
+                  <a:schemeClr val="tx1"/>
+                </a:solidFill>
+                <a:latin typeface="나눔고딕" panose="020D0604000000000000" pitchFamily="50" charset="-127"/>
+                <a:ea typeface="나눔고딕" panose="020D0604000000000000" pitchFamily="50" charset="-127"/>
+              </a:rPr>
+              <a:t> </a:t>
+            </a:r>
+            <a:r>
+              <a:rPr lang="en-US" altLang="ko-KR" sz="1400" dirty="0">
+                <a:solidFill>
+                  <a:schemeClr val="tx1"/>
+                </a:solidFill>
+                <a:latin typeface="나눔고딕" panose="020D0604000000000000" pitchFamily="50" charset="-127"/>
+                <a:ea typeface="나눔고딕" panose="020D0604000000000000" pitchFamily="50" charset="-127"/>
+              </a:rPr>
+              <a:t>= </a:t>
+            </a:r>
+            <a:r>
+              <a:rPr lang="en-US" altLang="ko-KR" sz="1400" dirty="0" err="1">
+                <a:solidFill>
+                  <a:schemeClr val="tx1"/>
+                </a:solidFill>
+                <a:latin typeface="나눔고딕" panose="020D0604000000000000" pitchFamily="50" charset="-127"/>
+                <a:ea typeface="나눔고딕" panose="020D0604000000000000" pitchFamily="50" charset="-127"/>
+              </a:rPr>
+              <a:t>SoftmaxCrossEntropy</a:t>
+            </a:r>
+            <a:endParaRPr lang="en-US" altLang="ko-KR" sz="1400" dirty="0">
               <a:solidFill>
                 <a:schemeClr val="tx1"/>
               </a:solidFill>
@@ -11532,158 +11552,7 @@
               <a:defRPr/>
             </a:pPr>
             <a:r>
-              <a:rPr lang="ko-KR" altLang="en-US" sz="1400" dirty="0" err="1" smtClean="0">
-                <a:solidFill>
-                  <a:schemeClr val="tx1"/>
-                </a:solidFill>
-                <a:latin typeface="나눔고딕" panose="020D0604000000000000" pitchFamily="50" charset="-127"/>
-                <a:ea typeface="나눔고딕" panose="020D0604000000000000" pitchFamily="50" charset="-127"/>
-              </a:rPr>
-              <a:t>경사하강법</a:t>
-            </a:r>
-            <a:r>
-              <a:rPr lang="ko-KR" altLang="en-US" sz="1400" dirty="0" smtClean="0">
-                <a:solidFill>
-                  <a:schemeClr val="tx1"/>
-                </a:solidFill>
-                <a:latin typeface="나눔고딕" panose="020D0604000000000000" pitchFamily="50" charset="-127"/>
-                <a:ea typeface="나눔고딕" panose="020D0604000000000000" pitchFamily="50" charset="-127"/>
-              </a:rPr>
-              <a:t> </a:t>
-            </a:r>
-            <a:r>
-              <a:rPr lang="en-US" altLang="ko-KR" sz="1400" dirty="0" smtClean="0">
-                <a:solidFill>
-                  <a:schemeClr val="tx1"/>
-                </a:solidFill>
-                <a:latin typeface="나눔고딕" panose="020D0604000000000000" pitchFamily="50" charset="-127"/>
-                <a:ea typeface="나눔고딕" panose="020D0604000000000000" pitchFamily="50" charset="-127"/>
-              </a:rPr>
-              <a:t>= ‘</a:t>
-            </a:r>
-            <a:r>
-              <a:rPr lang="en-US" altLang="ko-KR" sz="1400" dirty="0" err="1" smtClean="0">
-                <a:solidFill>
-                  <a:schemeClr val="tx1"/>
-                </a:solidFill>
-                <a:latin typeface="나눔고딕" panose="020D0604000000000000" pitchFamily="50" charset="-127"/>
-                <a:ea typeface="나눔고딕" panose="020D0604000000000000" pitchFamily="50" charset="-127"/>
-              </a:rPr>
-              <a:t>sgd</a:t>
-            </a:r>
-            <a:r>
-              <a:rPr lang="en-US" altLang="ko-KR" sz="1400" dirty="0" smtClean="0">
-                <a:solidFill>
-                  <a:schemeClr val="tx1"/>
-                </a:solidFill>
-                <a:latin typeface="나눔고딕" panose="020D0604000000000000" pitchFamily="50" charset="-127"/>
-                <a:ea typeface="나눔고딕" panose="020D0604000000000000" pitchFamily="50" charset="-127"/>
-              </a:rPr>
-              <a:t>’</a:t>
-            </a:r>
-          </a:p>
-          <a:p>
-            <a:pPr algn="l">
-              <a:lnSpc>
-                <a:spcPct val="150000"/>
-              </a:lnSpc>
-              <a:defRPr/>
-            </a:pPr>
-            <a:r>
-              <a:rPr lang="ko-KR" altLang="en-US" sz="1400" dirty="0" err="1" smtClean="0">
-                <a:solidFill>
-                  <a:schemeClr val="tx1"/>
-                </a:solidFill>
-                <a:latin typeface="나눔고딕" panose="020D0604000000000000" pitchFamily="50" charset="-127"/>
-                <a:ea typeface="나눔고딕" panose="020D0604000000000000" pitchFamily="50" charset="-127"/>
-              </a:rPr>
-              <a:t>학습률</a:t>
-            </a:r>
-            <a:r>
-              <a:rPr lang="ko-KR" altLang="en-US" sz="1400" dirty="0" smtClean="0">
-                <a:solidFill>
-                  <a:schemeClr val="tx1"/>
-                </a:solidFill>
-                <a:latin typeface="나눔고딕" panose="020D0604000000000000" pitchFamily="50" charset="-127"/>
-                <a:ea typeface="나눔고딕" panose="020D0604000000000000" pitchFamily="50" charset="-127"/>
-              </a:rPr>
-              <a:t> </a:t>
-            </a:r>
-            <a:r>
-              <a:rPr lang="en-US" altLang="ko-KR" sz="1400" dirty="0" smtClean="0">
-                <a:solidFill>
-                  <a:schemeClr val="tx1"/>
-                </a:solidFill>
-                <a:latin typeface="나눔고딕" panose="020D0604000000000000" pitchFamily="50" charset="-127"/>
-                <a:ea typeface="나눔고딕" panose="020D0604000000000000" pitchFamily="50" charset="-127"/>
-              </a:rPr>
-              <a:t>= 0.1</a:t>
-            </a:r>
-          </a:p>
-          <a:p>
-            <a:pPr algn="l">
-              <a:lnSpc>
-                <a:spcPct val="150000"/>
-              </a:lnSpc>
-              <a:defRPr/>
-            </a:pPr>
-            <a:r>
-              <a:rPr lang="ko-KR" altLang="en-US" sz="1400" dirty="0" err="1" smtClean="0">
-                <a:solidFill>
-                  <a:schemeClr val="tx1"/>
-                </a:solidFill>
-                <a:latin typeface="나눔고딕" panose="020D0604000000000000" pitchFamily="50" charset="-127"/>
-                <a:ea typeface="나눔고딕" panose="020D0604000000000000" pitchFamily="50" charset="-127"/>
-              </a:rPr>
-              <a:t>오차함수</a:t>
-            </a:r>
-            <a:r>
-              <a:rPr lang="ko-KR" altLang="en-US" sz="1400" dirty="0" smtClean="0">
-                <a:solidFill>
-                  <a:schemeClr val="tx1"/>
-                </a:solidFill>
-                <a:latin typeface="나눔고딕" panose="020D0604000000000000" pitchFamily="50" charset="-127"/>
-                <a:ea typeface="나눔고딕" panose="020D0604000000000000" pitchFamily="50" charset="-127"/>
-              </a:rPr>
-              <a:t> </a:t>
-            </a:r>
-            <a:r>
-              <a:rPr lang="en-US" altLang="ko-KR" sz="1400" dirty="0" smtClean="0">
-                <a:solidFill>
-                  <a:schemeClr val="tx1"/>
-                </a:solidFill>
-                <a:latin typeface="나눔고딕" panose="020D0604000000000000" pitchFamily="50" charset="-127"/>
-                <a:ea typeface="나눔고딕" panose="020D0604000000000000" pitchFamily="50" charset="-127"/>
-              </a:rPr>
-              <a:t>= </a:t>
-            </a:r>
-            <a:r>
-              <a:rPr lang="en-US" altLang="ko-KR" sz="1400" dirty="0" err="1" smtClean="0">
-                <a:solidFill>
-                  <a:schemeClr val="tx1"/>
-                </a:solidFill>
-                <a:latin typeface="나눔고딕" panose="020D0604000000000000" pitchFamily="50" charset="-127"/>
-                <a:ea typeface="나눔고딕" panose="020D0604000000000000" pitchFamily="50" charset="-127"/>
-              </a:rPr>
-              <a:t>SoftmaxCrossEntropy</a:t>
-            </a:r>
-            <a:endParaRPr lang="en-US" altLang="ko-KR" sz="1400" dirty="0" smtClean="0">
-              <a:solidFill>
-                <a:schemeClr val="tx1"/>
-              </a:solidFill>
-              <a:latin typeface="나눔고딕" panose="020D0604000000000000" pitchFamily="50" charset="-127"/>
-              <a:ea typeface="나눔고딕" panose="020D0604000000000000" pitchFamily="50" charset="-127"/>
-            </a:endParaRPr>
-          </a:p>
-          <a:p>
-            <a:pPr algn="l">
-              <a:lnSpc>
-                <a:spcPct val="150000"/>
-              </a:lnSpc>
-              <a:defRPr/>
-            </a:pPr>
-            <a:r>
-              <a:rPr lang="en-US" altLang="ko-KR" sz="1400" dirty="0" smtClean="0">
+              <a:rPr lang="en-US" altLang="ko-KR" sz="1400" dirty="0">
                 <a:solidFill>
                   <a:schemeClr val="tx1"/>
                 </a:solidFill>
@@ -12009,7 +11878,7 @@
               <a:defRPr/>
             </a:pPr>
             <a:r>
-              <a:rPr lang="en-US" altLang="ko-KR" sz="2000" b="1" dirty="0" smtClean="0">
+              <a:rPr lang="en-US" altLang="ko-KR" sz="2000" b="1" dirty="0">
                 <a:gradFill>
                   <a:gsLst>
                     <a:gs pos="0">
@@ -12027,7 +11896,7 @@
               <a:t>Learning</a:t>
             </a:r>
             <a:r>
-              <a:rPr lang="ko-KR" altLang="en-US" sz="2000" b="1" dirty="0" smtClean="0">
+              <a:rPr lang="ko-KR" altLang="en-US" sz="2000" b="1" dirty="0">
                 <a:gradFill>
                   <a:gsLst>
                     <a:gs pos="0">
@@ -12045,7 +11914,7 @@
               <a:t> </a:t>
             </a:r>
             <a:r>
-              <a:rPr lang="en-US" altLang="ko-KR" sz="2000" b="1" dirty="0" smtClean="0">
+              <a:rPr lang="en-US" altLang="ko-KR" sz="2000" b="1" dirty="0">
                 <a:gradFill>
                   <a:gsLst>
                     <a:gs pos="0">
@@ -12272,13 +12141,13 @@
               <a:buNone/>
             </a:pPr>
             <a:r>
-              <a:rPr lang="en-US" altLang="ko-KR" sz="2800" kern="0" dirty="0" smtClean="0">
+              <a:rPr lang="en-US" altLang="ko-KR" sz="2800" kern="0" dirty="0">
                 <a:latin typeface="나눔고딕 ExtraBold" panose="020D0904000000000000" pitchFamily="50" charset="-127"/>
                 <a:ea typeface="나눔고딕 ExtraBold" panose="020D0904000000000000" pitchFamily="50" charset="-127"/>
               </a:rPr>
               <a:t>2. Learning</a:t>
             </a:r>
-            <a:endParaRPr lang="ko-KR" altLang="en-US" sz="2800" kern="0" dirty="0" smtClean="0">
+            <a:endParaRPr lang="ko-KR" altLang="en-US" sz="2800" kern="0" dirty="0">
               <a:latin typeface="나눔고딕 ExtraBold" panose="020D0904000000000000" pitchFamily="50" charset="-127"/>
               <a:ea typeface="나눔고딕 ExtraBold" panose="020D0904000000000000" pitchFamily="50" charset="-127"/>
             </a:endParaRPr>
@@ -12295,13 +12164,6 @@
   <p:clrMapOvr>
     <a:masterClrMapping/>
   </p:clrMapOvr>
-  <p:timing>
-    <p:tnLst>
-      <p:par>
-        <p:cTn id="1" dur="indefinite" restart="never" nodeType="tmRoot"/>
-      </p:par>
-    </p:tnLst>
-  </p:timing>
 </p:sld>
 </file>
 
@@ -12612,7 +12474,7 @@
               <a:defRPr/>
             </a:pPr>
             <a:r>
-              <a:rPr lang="ko-KR" altLang="en-US" sz="1400" dirty="0" err="1" smtClean="0">
+              <a:rPr lang="ko-KR" altLang="en-US" sz="1400" dirty="0" err="1">
                 <a:solidFill>
                   <a:schemeClr val="tx1"/>
                 </a:solidFill>
@@ -12622,7 +12484,7 @@
               <a:t>파라미터</a:t>
             </a:r>
             <a:r>
-              <a:rPr lang="ko-KR" altLang="en-US" sz="1400" dirty="0" smtClean="0">
+              <a:rPr lang="ko-KR" altLang="en-US" sz="1400" dirty="0">
                 <a:solidFill>
                   <a:schemeClr val="tx1"/>
                 </a:solidFill>
@@ -12631,13 +12493,6 @@
               </a:rPr>
               <a:t> </a:t>
             </a:r>
-            <a:endParaRPr lang="ko-KR" altLang="en-US" sz="1400" dirty="0">
-              <a:solidFill>
-                <a:schemeClr val="tx1"/>
-              </a:solidFill>
-              <a:latin typeface="나눔고딕" panose="020D0604000000000000" pitchFamily="50" charset="-127"/>
-              <a:ea typeface="나눔고딕" panose="020D0604000000000000" pitchFamily="50" charset="-127"/>
-            </a:endParaRPr>
           </a:p>
         </p:txBody>
       </p:sp>
@@ -12931,7 +12786,7 @@
               <a:defRPr/>
             </a:pPr>
             <a:r>
-              <a:rPr lang="en-US" altLang="ko-KR" sz="1400" dirty="0" err="1" smtClean="0">
+              <a:rPr lang="en-US" altLang="ko-KR" sz="1400" dirty="0" err="1">
                 <a:solidFill>
                   <a:schemeClr val="tx1"/>
                 </a:solidFill>
@@ -12941,7 +12796,7 @@
               <a:t>Input_data</a:t>
             </a:r>
             <a:r>
-              <a:rPr lang="en-US" altLang="ko-KR" sz="1400" dirty="0" smtClean="0">
+              <a:rPr lang="en-US" altLang="ko-KR" sz="1400" dirty="0">
                 <a:solidFill>
                   <a:schemeClr val="tx1"/>
                 </a:solidFill>
@@ -12959,7 +12814,7 @@
               <a:defRPr/>
             </a:pPr>
             <a:r>
-              <a:rPr lang="en-US" altLang="ko-KR" sz="1400" dirty="0" err="1" smtClean="0">
+              <a:rPr lang="en-US" altLang="ko-KR" sz="1400" dirty="0" err="1">
                 <a:solidFill>
                   <a:schemeClr val="tx1"/>
                 </a:solidFill>
@@ -12969,7 +12824,7 @@
               <a:t>Batch_size</a:t>
             </a:r>
             <a:r>
-              <a:rPr lang="en-US" altLang="ko-KR" sz="1400" dirty="0" smtClean="0">
+              <a:rPr lang="en-US" altLang="ko-KR" sz="1400" dirty="0">
                 <a:solidFill>
                   <a:schemeClr val="tx1"/>
                 </a:solidFill>
@@ -12987,7 +12842,7 @@
               <a:defRPr/>
             </a:pPr>
             <a:r>
-              <a:rPr lang="ko-KR" altLang="en-US" sz="1400" dirty="0" err="1" smtClean="0">
+              <a:rPr lang="ko-KR" altLang="en-US" sz="1400" dirty="0" err="1">
                 <a:solidFill>
                   <a:schemeClr val="tx1"/>
                 </a:solidFill>
@@ -12997,7 +12852,7 @@
               <a:t>초깃값</a:t>
             </a:r>
             <a:r>
-              <a:rPr lang="ko-KR" altLang="en-US" sz="1400" dirty="0" smtClean="0">
+              <a:rPr lang="ko-KR" altLang="en-US" sz="1400" dirty="0">
                 <a:solidFill>
                   <a:schemeClr val="tx1"/>
                 </a:solidFill>
@@ -13007,7 +12862,7 @@
               <a:t> </a:t>
             </a:r>
             <a:r>
-              <a:rPr lang="en-US" altLang="ko-KR" sz="1400" dirty="0" smtClean="0">
+              <a:rPr lang="en-US" altLang="ko-KR" sz="1400" dirty="0">
                 <a:solidFill>
                   <a:schemeClr val="tx1"/>
                 </a:solidFill>
@@ -13017,7 +12872,7 @@
               <a:t>= </a:t>
             </a:r>
             <a:r>
-              <a:rPr lang="en-US" altLang="ko-KR" sz="1400" dirty="0" err="1" smtClean="0">
+              <a:rPr lang="en-US" altLang="ko-KR" sz="1400" dirty="0" err="1">
                 <a:solidFill>
                   <a:schemeClr val="tx1"/>
                 </a:solidFill>
@@ -13027,7 +12882,7 @@
               <a:t>mx.init.Normal</a:t>
             </a:r>
             <a:r>
-              <a:rPr lang="en-US" altLang="ko-KR" sz="1400" dirty="0" smtClean="0">
+              <a:rPr lang="en-US" altLang="ko-KR" sz="1400" dirty="0">
                 <a:solidFill>
                   <a:schemeClr val="tx1"/>
                 </a:solidFill>
@@ -13045,7 +12900,7 @@
               <a:defRPr/>
             </a:pPr>
             <a:r>
-              <a:rPr lang="ko-KR" altLang="en-US" sz="1400" dirty="0" err="1" smtClean="0">
+              <a:rPr lang="ko-KR" altLang="en-US" sz="1400" dirty="0" err="1">
                 <a:solidFill>
                   <a:schemeClr val="tx1"/>
                 </a:solidFill>
@@ -13055,7 +12910,7 @@
               <a:t>경사하강법</a:t>
             </a:r>
             <a:r>
-              <a:rPr lang="ko-KR" altLang="en-US" sz="1400" dirty="0" smtClean="0">
+              <a:rPr lang="ko-KR" altLang="en-US" sz="1400" dirty="0">
                 <a:solidFill>
                   <a:schemeClr val="tx1"/>
                 </a:solidFill>
@@ -13065,7 +12920,7 @@
               <a:t> </a:t>
             </a:r>
             <a:r>
-              <a:rPr lang="en-US" altLang="ko-KR" sz="1400" dirty="0" smtClean="0">
+              <a:rPr lang="en-US" altLang="ko-KR" sz="1400" dirty="0">
                 <a:solidFill>
                   <a:schemeClr val="tx1"/>
                 </a:solidFill>
@@ -13075,7 +12930,7 @@
               <a:t>= ‘</a:t>
             </a:r>
             <a:r>
-              <a:rPr lang="en-US" altLang="ko-KR" sz="1400" dirty="0" err="1" smtClean="0">
+              <a:rPr lang="en-US" altLang="ko-KR" sz="1400" dirty="0" err="1">
                 <a:solidFill>
                   <a:schemeClr val="tx1"/>
                 </a:solidFill>
@@ -13085,7 +12940,7 @@
               <a:t>sgd</a:t>
             </a:r>
             <a:r>
-              <a:rPr lang="en-US" altLang="ko-KR" sz="1400" dirty="0" smtClean="0">
+              <a:rPr lang="en-US" altLang="ko-KR" sz="1400" dirty="0">
                 <a:solidFill>
                   <a:schemeClr val="tx1"/>
                 </a:solidFill>
@@ -13103,7 +12958,7 @@
               <a:defRPr/>
             </a:pPr>
             <a:r>
-              <a:rPr lang="ko-KR" altLang="en-US" sz="1400" dirty="0" err="1" smtClean="0">
+              <a:rPr lang="ko-KR" altLang="en-US" sz="1400" dirty="0" err="1">
                 <a:solidFill>
                   <a:schemeClr val="tx1"/>
                 </a:solidFill>
@@ -13113,7 +12968,7 @@
               <a:t>학습률</a:t>
             </a:r>
             <a:r>
-              <a:rPr lang="ko-KR" altLang="en-US" sz="1400" dirty="0" smtClean="0">
+              <a:rPr lang="ko-KR" altLang="en-US" sz="1400" dirty="0">
                 <a:solidFill>
                   <a:schemeClr val="tx1"/>
                 </a:solidFill>
@@ -13123,7 +12978,7 @@
               <a:t> </a:t>
             </a:r>
             <a:r>
-              <a:rPr lang="en-US" altLang="ko-KR" sz="1400" dirty="0" smtClean="0">
+              <a:rPr lang="en-US" altLang="ko-KR" sz="1400" dirty="0">
                 <a:solidFill>
                   <a:schemeClr val="tx1"/>
                 </a:solidFill>
@@ -13141,7 +12996,7 @@
               <a:defRPr/>
             </a:pPr>
             <a:r>
-              <a:rPr lang="ko-KR" altLang="en-US" sz="1400" dirty="0" err="1" smtClean="0">
+              <a:rPr lang="ko-KR" altLang="en-US" sz="1400" dirty="0" err="1">
                 <a:solidFill>
                   <a:schemeClr val="tx1"/>
                 </a:solidFill>
@@ -13151,7 +13006,7 @@
               <a:t>오차함수</a:t>
             </a:r>
             <a:r>
-              <a:rPr lang="ko-KR" altLang="en-US" sz="1400" dirty="0" smtClean="0">
+              <a:rPr lang="ko-KR" altLang="en-US" sz="1400" dirty="0">
                 <a:solidFill>
                   <a:schemeClr val="tx1"/>
                 </a:solidFill>
@@ -13161,7 +13016,7 @@
               <a:t> </a:t>
             </a:r>
             <a:r>
-              <a:rPr lang="en-US" altLang="ko-KR" sz="1400" dirty="0" smtClean="0">
+              <a:rPr lang="en-US" altLang="ko-KR" sz="1400" dirty="0">
                 <a:solidFill>
                   <a:schemeClr val="tx1"/>
                 </a:solidFill>
@@ -13171,7 +13026,7 @@
               <a:t>= </a:t>
             </a:r>
             <a:r>
-              <a:rPr lang="en-US" altLang="ko-KR" sz="1400" dirty="0" err="1" smtClean="0">
+              <a:rPr lang="en-US" altLang="ko-KR" sz="1400" dirty="0" err="1">
                 <a:solidFill>
                   <a:schemeClr val="tx1"/>
                 </a:solidFill>
@@ -13180,7 +13035,7 @@
               </a:rPr>
               <a:t>SoftmaxCrossEntropy</a:t>
             </a:r>
-            <a:endParaRPr lang="en-US" altLang="ko-KR" sz="1400" dirty="0" smtClean="0">
+            <a:endParaRPr lang="en-US" altLang="ko-KR" sz="1400" dirty="0">
               <a:solidFill>
                 <a:schemeClr val="tx1"/>
               </a:solidFill>
@@ -13196,7 +13051,7 @@
               <a:defRPr/>
             </a:pPr>
             <a:r>
-              <a:rPr lang="en-US" altLang="ko-KR" sz="1400" dirty="0" smtClean="0">
+              <a:rPr lang="en-US" altLang="ko-KR" sz="1400" dirty="0">
                 <a:solidFill>
                   <a:schemeClr val="tx1"/>
                 </a:solidFill>
@@ -13522,7 +13377,7 @@
               <a:defRPr/>
             </a:pPr>
             <a:r>
-              <a:rPr lang="en-US" altLang="ko-KR" sz="2000" b="1" dirty="0" smtClean="0">
+              <a:rPr lang="en-US" altLang="ko-KR" sz="2000" b="1" dirty="0">
                 <a:gradFill>
                   <a:gsLst>
                     <a:gs pos="0">
@@ -13540,7 +13395,7 @@
               <a:t>Learning</a:t>
             </a:r>
             <a:r>
-              <a:rPr lang="ko-KR" altLang="en-US" sz="2000" b="1" dirty="0" smtClean="0">
+              <a:rPr lang="ko-KR" altLang="en-US" sz="2000" b="1" dirty="0">
                 <a:gradFill>
                   <a:gsLst>
                     <a:gs pos="0">
@@ -13558,7 +13413,7 @@
               <a:t> </a:t>
             </a:r>
             <a:r>
-              <a:rPr lang="en-US" altLang="ko-KR" sz="2000" b="1" dirty="0" smtClean="0">
+              <a:rPr lang="en-US" altLang="ko-KR" sz="2000" b="1" dirty="0">
                 <a:gradFill>
                   <a:gsLst>
                     <a:gs pos="0">
@@ -13785,13 +13640,13 @@
               <a:buNone/>
             </a:pPr>
             <a:r>
-              <a:rPr lang="en-US" altLang="ko-KR" sz="2800" kern="0" dirty="0" smtClean="0">
+              <a:rPr lang="en-US" altLang="ko-KR" sz="2800" kern="0" dirty="0">
                 <a:latin typeface="나눔고딕 ExtraBold" panose="020D0904000000000000" pitchFamily="50" charset="-127"/>
                 <a:ea typeface="나눔고딕 ExtraBold" panose="020D0904000000000000" pitchFamily="50" charset="-127"/>
               </a:rPr>
               <a:t>2. Learning</a:t>
             </a:r>
-            <a:endParaRPr lang="ko-KR" altLang="en-US" sz="2800" kern="0" dirty="0" smtClean="0">
+            <a:endParaRPr lang="ko-KR" altLang="en-US" sz="2800" kern="0" dirty="0">
               <a:latin typeface="나눔고딕 ExtraBold" panose="020D0904000000000000" pitchFamily="50" charset="-127"/>
               <a:ea typeface="나눔고딕 ExtraBold" panose="020D0904000000000000" pitchFamily="50" charset="-127"/>
             </a:endParaRPr>
@@ -13808,13 +13663,6 @@
   <p:clrMapOvr>
     <a:masterClrMapping/>
   </p:clrMapOvr>
-  <p:timing>
-    <p:tnLst>
-      <p:par>
-        <p:cTn id="1" dur="indefinite" restart="never" nodeType="tmRoot"/>
-      </p:par>
-    </p:tnLst>
-  </p:timing>
 </p:sld>
 </file>
 
@@ -14125,7 +13973,7 @@
               <a:defRPr/>
             </a:pPr>
             <a:r>
-              <a:rPr lang="ko-KR" altLang="en-US" sz="1400" dirty="0" err="1" smtClean="0">
+              <a:rPr lang="ko-KR" altLang="en-US" sz="1400" dirty="0" err="1">
                 <a:solidFill>
                   <a:schemeClr val="tx1"/>
                 </a:solidFill>
@@ -14135,7 +13983,7 @@
               <a:t>파라미터</a:t>
             </a:r>
             <a:r>
-              <a:rPr lang="ko-KR" altLang="en-US" sz="1400" dirty="0" smtClean="0">
+              <a:rPr lang="ko-KR" altLang="en-US" sz="1400" dirty="0">
                 <a:solidFill>
                   <a:schemeClr val="tx1"/>
                 </a:solidFill>
@@ -14144,13 +13992,6 @@
               </a:rPr>
               <a:t> </a:t>
             </a:r>
-            <a:endParaRPr lang="ko-KR" altLang="en-US" sz="1400" dirty="0">
-              <a:solidFill>
-                <a:schemeClr val="tx1"/>
-              </a:solidFill>
-              <a:latin typeface="나눔고딕" panose="020D0604000000000000" pitchFamily="50" charset="-127"/>
-              <a:ea typeface="나눔고딕" panose="020D0604000000000000" pitchFamily="50" charset="-127"/>
-            </a:endParaRPr>
           </a:p>
         </p:txBody>
       </p:sp>
@@ -14444,7 +14285,7 @@
               <a:defRPr/>
             </a:pPr>
             <a:r>
-              <a:rPr lang="en-US" altLang="ko-KR" sz="1400" dirty="0" err="1" smtClean="0">
+              <a:rPr lang="en-US" altLang="ko-KR" sz="1400" dirty="0" err="1">
                 <a:solidFill>
                   <a:schemeClr val="tx1"/>
                 </a:solidFill>
@@ -14454,7 +14295,7 @@
               <a:t>Input_data</a:t>
             </a:r>
             <a:r>
-              <a:rPr lang="en-US" altLang="ko-KR" sz="1400" dirty="0" smtClean="0">
+              <a:rPr lang="en-US" altLang="ko-KR" sz="1400" dirty="0">
                 <a:solidFill>
                   <a:schemeClr val="tx1"/>
                 </a:solidFill>
@@ -14472,7 +14313,7 @@
               <a:defRPr/>
             </a:pPr>
             <a:r>
-              <a:rPr lang="en-US" altLang="ko-KR" sz="1400" dirty="0" err="1" smtClean="0">
+              <a:rPr lang="en-US" altLang="ko-KR" sz="1400" dirty="0" err="1">
                 <a:solidFill>
                   <a:schemeClr val="tx1"/>
                 </a:solidFill>
@@ -14482,7 +14323,7 @@
               <a:t>Batch_size</a:t>
             </a:r>
             <a:r>
-              <a:rPr lang="en-US" altLang="ko-KR" sz="1400" dirty="0" smtClean="0">
+              <a:rPr lang="en-US" altLang="ko-KR" sz="1400" dirty="0">
                 <a:solidFill>
                   <a:schemeClr val="tx1"/>
                 </a:solidFill>
@@ -14500,7 +14341,7 @@
               <a:defRPr/>
             </a:pPr>
             <a:r>
-              <a:rPr lang="ko-KR" altLang="en-US" sz="1400" dirty="0" err="1" smtClean="0">
+              <a:rPr lang="ko-KR" altLang="en-US" sz="1400" dirty="0" err="1">
                 <a:solidFill>
                   <a:schemeClr val="tx1"/>
                 </a:solidFill>
@@ -14510,7 +14351,7 @@
               <a:t>초깃값</a:t>
             </a:r>
             <a:r>
-              <a:rPr lang="ko-KR" altLang="en-US" sz="1400" dirty="0" smtClean="0">
+              <a:rPr lang="ko-KR" altLang="en-US" sz="1400" dirty="0">
                 <a:solidFill>
                   <a:schemeClr val="tx1"/>
                 </a:solidFill>
@@ -14520,7 +14361,7 @@
               <a:t> </a:t>
             </a:r>
             <a:r>
-              <a:rPr lang="en-US" altLang="ko-KR" sz="1400" dirty="0" smtClean="0">
+              <a:rPr lang="en-US" altLang="ko-KR" sz="1400" dirty="0">
                 <a:solidFill>
                   <a:schemeClr val="tx1"/>
                 </a:solidFill>
@@ -14530,7 +14371,7 @@
               <a:t>= </a:t>
             </a:r>
             <a:r>
-              <a:rPr lang="en-US" altLang="ko-KR" sz="1400" dirty="0" err="1" smtClean="0">
+              <a:rPr lang="en-US" altLang="ko-KR" sz="1400" dirty="0" err="1">
                 <a:solidFill>
                   <a:schemeClr val="tx1"/>
                 </a:solidFill>
@@ -14540,7 +14381,7 @@
               <a:t>mx.init.Normal</a:t>
             </a:r>
             <a:r>
-              <a:rPr lang="en-US" altLang="ko-KR" sz="1400" dirty="0" smtClean="0">
+              <a:rPr lang="en-US" altLang="ko-KR" sz="1400" dirty="0">
                 <a:solidFill>
                   <a:schemeClr val="tx1"/>
                 </a:solidFill>
@@ -14558,7 +14399,7 @@
               <a:defRPr/>
             </a:pPr>
             <a:r>
-              <a:rPr lang="ko-KR" altLang="en-US" sz="1400" dirty="0" err="1" smtClean="0">
+              <a:rPr lang="ko-KR" altLang="en-US" sz="1400" dirty="0" err="1">
                 <a:solidFill>
                   <a:schemeClr val="tx1"/>
                 </a:solidFill>
@@ -14568,7 +14409,7 @@
               <a:t>경사하강법</a:t>
             </a:r>
             <a:r>
-              <a:rPr lang="ko-KR" altLang="en-US" sz="1400" dirty="0" smtClean="0">
+              <a:rPr lang="ko-KR" altLang="en-US" sz="1400" dirty="0">
                 <a:solidFill>
                   <a:schemeClr val="tx1"/>
                 </a:solidFill>
@@ -14578,7 +14419,7 @@
               <a:t> </a:t>
             </a:r>
             <a:r>
-              <a:rPr lang="en-US" altLang="ko-KR" sz="1400" dirty="0" smtClean="0">
+              <a:rPr lang="en-US" altLang="ko-KR" sz="1400" dirty="0">
                 <a:solidFill>
                   <a:schemeClr val="tx1"/>
                 </a:solidFill>
@@ -14588,7 +14429,7 @@
               <a:t>= ‘</a:t>
             </a:r>
             <a:r>
-              <a:rPr lang="en-US" altLang="ko-KR" sz="1400" dirty="0" err="1" smtClean="0">
+              <a:rPr lang="en-US" altLang="ko-KR" sz="1400" dirty="0" err="1">
                 <a:solidFill>
                   <a:schemeClr val="tx1"/>
                 </a:solidFill>
@@ -14598,7 +14439,7 @@
               <a:t>adam</a:t>
             </a:r>
             <a:r>
-              <a:rPr lang="en-US" altLang="ko-KR" sz="1400" dirty="0" smtClean="0">
+              <a:rPr lang="en-US" altLang="ko-KR" sz="1400" dirty="0">
                 <a:solidFill>
                   <a:schemeClr val="tx1"/>
                 </a:solidFill>
@@ -14616,7 +14457,7 @@
               <a:defRPr/>
             </a:pPr>
             <a:r>
-              <a:rPr lang="ko-KR" altLang="en-US" sz="1400" dirty="0" err="1" smtClean="0">
+              <a:rPr lang="ko-KR" altLang="en-US" sz="1400" dirty="0" err="1">
                 <a:solidFill>
                   <a:schemeClr val="tx1"/>
                 </a:solidFill>
@@ -14626,7 +14467,7 @@
               <a:t>학습률</a:t>
             </a:r>
             <a:r>
-              <a:rPr lang="ko-KR" altLang="en-US" sz="1400" dirty="0" smtClean="0">
+              <a:rPr lang="ko-KR" altLang="en-US" sz="1400" dirty="0">
                 <a:solidFill>
                   <a:schemeClr val="tx1"/>
                 </a:solidFill>
@@ -14636,7 +14477,7 @@
               <a:t> </a:t>
             </a:r>
             <a:r>
-              <a:rPr lang="en-US" altLang="ko-KR" sz="1400" dirty="0" smtClean="0">
+              <a:rPr lang="en-US" altLang="ko-KR" sz="1400" dirty="0">
                 <a:solidFill>
                   <a:schemeClr val="tx1"/>
                 </a:solidFill>
@@ -14654,7 +14495,7 @@
               <a:defRPr/>
             </a:pPr>
             <a:r>
-              <a:rPr lang="ko-KR" altLang="en-US" sz="1400" dirty="0" err="1" smtClean="0">
+              <a:rPr lang="ko-KR" altLang="en-US" sz="1400" dirty="0" err="1">
                 <a:solidFill>
                   <a:schemeClr val="tx1"/>
                 </a:solidFill>
@@ -14664,7 +14505,7 @@
               <a:t>오차함수</a:t>
             </a:r>
             <a:r>
-              <a:rPr lang="ko-KR" altLang="en-US" sz="1400" dirty="0" smtClean="0">
+              <a:rPr lang="ko-KR" altLang="en-US" sz="1400" dirty="0">
                 <a:solidFill>
                   <a:schemeClr val="tx1"/>
                 </a:solidFill>
@@ -14674,7 +14515,7 @@
               <a:t> </a:t>
             </a:r>
             <a:r>
-              <a:rPr lang="en-US" altLang="ko-KR" sz="1400" dirty="0" smtClean="0">
+              <a:rPr lang="en-US" altLang="ko-KR" sz="1400" dirty="0">
                 <a:solidFill>
                   <a:schemeClr val="tx1"/>
                 </a:solidFill>
@@ -14684,7 +14525,7 @@
               <a:t>= </a:t>
             </a:r>
             <a:r>
-              <a:rPr lang="en-US" altLang="ko-KR" sz="1400" dirty="0" err="1" smtClean="0">
+              <a:rPr lang="en-US" altLang="ko-KR" sz="1400" dirty="0" err="1">
                 <a:solidFill>
                   <a:schemeClr val="tx1"/>
                 </a:solidFill>
@@ -14693,7 +14534,7 @@
               </a:rPr>
               <a:t>SoftmaxCrossEntropy</a:t>
             </a:r>
-            <a:endParaRPr lang="en-US" altLang="ko-KR" sz="1400" dirty="0" smtClean="0">
+            <a:endParaRPr lang="en-US" altLang="ko-KR" sz="1400" dirty="0">
               <a:solidFill>
                 <a:schemeClr val="tx1"/>
               </a:solidFill>
@@ -14709,7 +14550,7 @@
               <a:defRPr/>
             </a:pPr>
             <a:r>
-              <a:rPr lang="en-US" altLang="ko-KR" sz="1400" dirty="0" smtClean="0">
+              <a:rPr lang="en-US" altLang="ko-KR" sz="1400" dirty="0">
                 <a:solidFill>
                   <a:schemeClr val="tx1"/>
                 </a:solidFill>
@@ -15035,7 +14876,7 @@
               <a:defRPr/>
             </a:pPr>
             <a:r>
-              <a:rPr lang="en-US" altLang="ko-KR" sz="2000" b="1" dirty="0" smtClean="0">
+              <a:rPr lang="en-US" altLang="ko-KR" sz="2000" b="1" dirty="0">
                 <a:gradFill>
                   <a:gsLst>
                     <a:gs pos="0">
@@ -15053,7 +14894,7 @@
               <a:t>Learning</a:t>
             </a:r>
             <a:r>
-              <a:rPr lang="ko-KR" altLang="en-US" sz="2000" b="1" dirty="0" smtClean="0">
+              <a:rPr lang="ko-KR" altLang="en-US" sz="2000" b="1" dirty="0">
                 <a:gradFill>
                   <a:gsLst>
                     <a:gs pos="0">
@@ -15071,7 +14912,7 @@
               <a:t> </a:t>
             </a:r>
             <a:r>
-              <a:rPr lang="en-US" altLang="ko-KR" sz="2000" b="1" dirty="0" smtClean="0">
+              <a:rPr lang="en-US" altLang="ko-KR" sz="2000" b="1" dirty="0">
                 <a:gradFill>
                   <a:gsLst>
                     <a:gs pos="0">
@@ -15298,13 +15139,13 @@
               <a:buNone/>
             </a:pPr>
             <a:r>
-              <a:rPr lang="en-US" altLang="ko-KR" sz="2800" kern="0" dirty="0" smtClean="0">
+              <a:rPr lang="en-US" altLang="ko-KR" sz="2800" kern="0" dirty="0">
                 <a:latin typeface="나눔고딕 ExtraBold" panose="020D0904000000000000" pitchFamily="50" charset="-127"/>
                 <a:ea typeface="나눔고딕 ExtraBold" panose="020D0904000000000000" pitchFamily="50" charset="-127"/>
               </a:rPr>
               <a:t>2. Learning</a:t>
             </a:r>
-            <a:endParaRPr lang="ko-KR" altLang="en-US" sz="2800" kern="0" dirty="0" smtClean="0">
+            <a:endParaRPr lang="ko-KR" altLang="en-US" sz="2800" kern="0" dirty="0">
               <a:latin typeface="나눔고딕 ExtraBold" panose="020D0904000000000000" pitchFamily="50" charset="-127"/>
               <a:ea typeface="나눔고딕 ExtraBold" panose="020D0904000000000000" pitchFamily="50" charset="-127"/>
             </a:endParaRPr>
@@ -15321,13 +15162,6 @@
   <p:clrMapOvr>
     <a:masterClrMapping/>
   </p:clrMapOvr>
-  <p:timing>
-    <p:tnLst>
-      <p:par>
-        <p:cTn id="1" dur="indefinite" restart="never" nodeType="tmRoot"/>
-      </p:par>
-    </p:tnLst>
-  </p:timing>
 </p:sld>
 </file>
 
@@ -15376,49 +15210,49 @@
                 <a:gridCol w="720080">
                   <a:extLst>
                     <a:ext uri="{9D8B030D-6E8A-4147-A177-3AD203B41FA5}">
-                      <a16:colId xmlns:a16="http://schemas.microsoft.com/office/drawing/2014/main" xmlns="" val="2909328625"/>
+                      <a16:colId xmlns:a16="http://schemas.microsoft.com/office/drawing/2014/main" val="2909328625"/>
                     </a:ext>
                   </a:extLst>
                 </a:gridCol>
                 <a:gridCol w="1329488">
                   <a:extLst>
                     <a:ext uri="{9D8B030D-6E8A-4147-A177-3AD203B41FA5}">
-                      <a16:colId xmlns:a16="http://schemas.microsoft.com/office/drawing/2014/main" xmlns="" val="3373445831"/>
+                      <a16:colId xmlns:a16="http://schemas.microsoft.com/office/drawing/2014/main" val="3373445831"/>
                     </a:ext>
                   </a:extLst>
                 </a:gridCol>
                 <a:gridCol w="1354498">
                   <a:extLst>
                     <a:ext uri="{9D8B030D-6E8A-4147-A177-3AD203B41FA5}">
-                      <a16:colId xmlns:a16="http://schemas.microsoft.com/office/drawing/2014/main" xmlns="" val="2915885172"/>
+                      <a16:colId xmlns:a16="http://schemas.microsoft.com/office/drawing/2014/main" val="2915885172"/>
                     </a:ext>
                   </a:extLst>
                 </a:gridCol>
                 <a:gridCol w="1354498">
                   <a:extLst>
                     <a:ext uri="{9D8B030D-6E8A-4147-A177-3AD203B41FA5}">
-                      <a16:colId xmlns:a16="http://schemas.microsoft.com/office/drawing/2014/main" xmlns="" val="2087587343"/>
+                      <a16:colId xmlns:a16="http://schemas.microsoft.com/office/drawing/2014/main" val="2087587343"/>
                     </a:ext>
                   </a:extLst>
                 </a:gridCol>
                 <a:gridCol w="1461431">
                   <a:extLst>
                     <a:ext uri="{9D8B030D-6E8A-4147-A177-3AD203B41FA5}">
-                      <a16:colId xmlns:a16="http://schemas.microsoft.com/office/drawing/2014/main" xmlns="" val="1304596660"/>
+                      <a16:colId xmlns:a16="http://schemas.microsoft.com/office/drawing/2014/main" val="1304596660"/>
                     </a:ext>
                   </a:extLst>
                 </a:gridCol>
                 <a:gridCol w="1354498">
                   <a:extLst>
                     <a:ext uri="{9D8B030D-6E8A-4147-A177-3AD203B41FA5}">
-                      <a16:colId xmlns:a16="http://schemas.microsoft.com/office/drawing/2014/main" xmlns="" val="1683305485"/>
+                      <a16:colId xmlns:a16="http://schemas.microsoft.com/office/drawing/2014/main" val="1683305485"/>
                     </a:ext>
                   </a:extLst>
                 </a:gridCol>
                 <a:gridCol w="1354498">
                   <a:extLst>
                     <a:ext uri="{9D8B030D-6E8A-4147-A177-3AD203B41FA5}">
-                      <a16:colId xmlns:a16="http://schemas.microsoft.com/office/drawing/2014/main" xmlns="" val="3218307314"/>
+                      <a16:colId xmlns:a16="http://schemas.microsoft.com/office/drawing/2014/main" val="3218307314"/>
                     </a:ext>
                   </a:extLst>
                 </a:gridCol>
@@ -15431,7 +15265,7 @@
                     <a:p>
                       <a:pPr algn="ctr" fontAlgn="ctr"/>
                       <a:r>
-                        <a:rPr kumimoji="1" lang="ko-KR" altLang="en-US" sz="1000" kern="1200" dirty="0" smtClean="0">
+                        <a:rPr kumimoji="1" lang="ko-KR" altLang="en-US" sz="1000" kern="1200" dirty="0">
                           <a:solidFill>
                             <a:schemeClr val="tx1"/>
                           </a:solidFill>
@@ -15494,7 +15328,7 @@
                     <a:p>
                       <a:pPr algn="ctr" fontAlgn="ctr"/>
                       <a:r>
-                        <a:rPr kumimoji="1" lang="en-US" altLang="en-US" sz="1000" kern="1200" dirty="0" smtClean="0">
+                        <a:rPr kumimoji="1" lang="en-US" altLang="en-US" sz="1000" kern="1200" dirty="0">
                           <a:solidFill>
                             <a:schemeClr val="tx1"/>
                           </a:solidFill>
@@ -15557,7 +15391,7 @@
                     <a:p>
                       <a:pPr algn="ctr" fontAlgn="ctr"/>
                       <a:r>
-                        <a:rPr kumimoji="1" lang="en-US" altLang="en-US" sz="1000" kern="1200" dirty="0" smtClean="0">
+                        <a:rPr kumimoji="1" lang="en-US" altLang="en-US" sz="1000" kern="1200" dirty="0">
                           <a:solidFill>
                             <a:schemeClr val="tx1"/>
                           </a:solidFill>
@@ -15620,7 +15454,7 @@
                     <a:p>
                       <a:pPr algn="ctr" fontAlgn="ctr"/>
                       <a:r>
-                        <a:rPr kumimoji="1" lang="en-US" altLang="en-US" sz="1000" kern="1200" dirty="0" smtClean="0">
+                        <a:rPr kumimoji="1" lang="en-US" altLang="en-US" sz="1000" kern="1200" dirty="0">
                           <a:solidFill>
                             <a:schemeClr val="tx1"/>
                           </a:solidFill>
@@ -15683,7 +15517,7 @@
                     <a:p>
                       <a:pPr algn="ctr" fontAlgn="ctr"/>
                       <a:r>
-                        <a:rPr kumimoji="1" lang="en-US" altLang="en-US" sz="1000" kern="1200" dirty="0" smtClean="0">
+                        <a:rPr kumimoji="1" lang="en-US" altLang="en-US" sz="1000" kern="1200" dirty="0">
                           <a:solidFill>
                             <a:schemeClr val="tx1"/>
                           </a:solidFill>
@@ -15746,7 +15580,7 @@
                     <a:p>
                       <a:pPr algn="ctr" fontAlgn="ctr"/>
                       <a:r>
-                        <a:rPr kumimoji="1" lang="en-US" altLang="en-US" sz="1000" kern="1200" dirty="0" smtClean="0">
+                        <a:rPr kumimoji="1" lang="en-US" altLang="en-US" sz="1000" kern="1200" dirty="0">
                           <a:solidFill>
                             <a:schemeClr val="tx1"/>
                           </a:solidFill>
@@ -15809,7 +15643,7 @@
                     <a:p>
                       <a:pPr algn="ctr" fontAlgn="ctr"/>
                       <a:r>
-                        <a:rPr kumimoji="1" lang="en-US" altLang="en-US" sz="1000" kern="1200" dirty="0" smtClean="0">
+                        <a:rPr kumimoji="1" lang="en-US" altLang="en-US" sz="1000" kern="1200" dirty="0">
                           <a:solidFill>
                             <a:schemeClr val="tx1"/>
                           </a:solidFill>
@@ -15867,7 +15701,7 @@
                 </a:tc>
                 <a:extLst>
                   <a:ext uri="{0D108BD9-81ED-4DB2-BD59-A6C34878D82A}">
-                    <a16:rowId xmlns:a16="http://schemas.microsoft.com/office/drawing/2014/main" xmlns="" val="2380383922"/>
+                    <a16:rowId xmlns:a16="http://schemas.microsoft.com/office/drawing/2014/main" val="2380383922"/>
                   </a:ext>
                 </a:extLst>
               </a:tr>
@@ -15879,7 +15713,7 @@
                     <a:p>
                       <a:pPr algn="ctr" fontAlgn="ctr"/>
                       <a:r>
-                        <a:rPr kumimoji="1" lang="en-US" altLang="en-US" sz="1000" kern="1200" dirty="0" err="1" smtClean="0">
+                        <a:rPr kumimoji="1" lang="en-US" altLang="en-US" sz="1000" kern="1200" dirty="0" err="1">
                           <a:solidFill>
                             <a:schemeClr val="tx1"/>
                           </a:solidFill>
@@ -15889,7 +15723,7 @@
                         </a:rPr>
                         <a:t>Input_data</a:t>
                       </a:r>
-                      <a:endParaRPr kumimoji="1" lang="en-US" altLang="en-US" sz="1000" kern="1200" dirty="0" smtClean="0">
+                      <a:endParaRPr kumimoji="1" lang="en-US" altLang="en-US" sz="1000" kern="1200" dirty="0">
                         <a:solidFill>
                           <a:schemeClr val="tx1"/>
                         </a:solidFill>
@@ -15950,7 +15784,7 @@
                     <a:p>
                       <a:pPr algn="ctr" fontAlgn="ctr"/>
                       <a:r>
-                        <a:rPr kumimoji="1" lang="en-US" altLang="ko-KR" sz="1000" kern="1200" dirty="0" smtClean="0">
+                        <a:rPr kumimoji="1" lang="en-US" altLang="ko-KR" sz="1000" kern="1200" dirty="0">
                           <a:solidFill>
                             <a:schemeClr val="tx1"/>
                           </a:solidFill>
@@ -16013,7 +15847,7 @@
                     <a:p>
                       <a:pPr algn="ctr" fontAlgn="ctr"/>
                       <a:r>
-                        <a:rPr kumimoji="1" lang="en-US" altLang="ko-KR" sz="1000" kern="1200" dirty="0" smtClean="0">
+                        <a:rPr kumimoji="1" lang="en-US" altLang="ko-KR" sz="1000" kern="1200" dirty="0">
                           <a:solidFill>
                             <a:schemeClr val="tx1"/>
                           </a:solidFill>
@@ -16076,7 +15910,7 @@
                     <a:p>
                       <a:pPr algn="ctr" fontAlgn="ctr"/>
                       <a:r>
-                        <a:rPr kumimoji="1" lang="en-US" altLang="ko-KR" sz="1000" kern="1200" dirty="0" smtClean="0">
+                        <a:rPr kumimoji="1" lang="en-US" altLang="ko-KR" sz="1000" kern="1200" dirty="0">
                           <a:solidFill>
                             <a:schemeClr val="tx1"/>
                           </a:solidFill>
@@ -16139,7 +15973,7 @@
                     <a:p>
                       <a:pPr algn="ctr" fontAlgn="ctr"/>
                       <a:r>
-                        <a:rPr kumimoji="1" lang="en-US" altLang="ko-KR" sz="1000" kern="1200" dirty="0" smtClean="0">
+                        <a:rPr kumimoji="1" lang="en-US" altLang="ko-KR" sz="1000" kern="1200" dirty="0">
                           <a:solidFill>
                             <a:schemeClr val="tx1"/>
                           </a:solidFill>
@@ -16202,7 +16036,7 @@
                     <a:p>
                       <a:pPr algn="ctr" fontAlgn="ctr"/>
                       <a:r>
-                        <a:rPr kumimoji="1" lang="en-US" altLang="ko-KR" sz="1000" kern="1200" dirty="0" smtClean="0">
+                        <a:rPr kumimoji="1" lang="en-US" altLang="ko-KR" sz="1000" kern="1200" dirty="0">
                           <a:solidFill>
                             <a:schemeClr val="tx1"/>
                           </a:solidFill>
@@ -16265,7 +16099,7 @@
                     <a:p>
                       <a:pPr algn="ctr" fontAlgn="ctr"/>
                       <a:r>
-                        <a:rPr kumimoji="1" lang="en-US" altLang="ko-KR" sz="1000" kern="1200" dirty="0" smtClean="0">
+                        <a:rPr kumimoji="1" lang="en-US" altLang="ko-KR" sz="1000" kern="1200" dirty="0">
                           <a:solidFill>
                             <a:schemeClr val="tx1"/>
                           </a:solidFill>
@@ -16323,7 +16157,7 @@
                 </a:tc>
                 <a:extLst>
                   <a:ext uri="{0D108BD9-81ED-4DB2-BD59-A6C34878D82A}">
-                    <a16:rowId xmlns:a16="http://schemas.microsoft.com/office/drawing/2014/main" xmlns="" val="3075751983"/>
+                    <a16:rowId xmlns:a16="http://schemas.microsoft.com/office/drawing/2014/main" val="3075751983"/>
                   </a:ext>
                 </a:extLst>
               </a:tr>
@@ -16335,7 +16169,7 @@
                     <a:p>
                       <a:pPr algn="ctr" fontAlgn="ctr"/>
                       <a:r>
-                        <a:rPr kumimoji="1" lang="en-US" altLang="en-US" sz="1000" kern="1200" dirty="0" err="1" smtClean="0">
+                        <a:rPr kumimoji="1" lang="en-US" altLang="en-US" sz="1000" kern="1200" dirty="0" err="1">
                           <a:solidFill>
                             <a:schemeClr val="tx1"/>
                           </a:solidFill>
@@ -16345,7 +16179,7 @@
                         </a:rPr>
                         <a:t>Batch_size</a:t>
                       </a:r>
-                      <a:endParaRPr kumimoji="1" lang="en-US" altLang="en-US" sz="1000" kern="1200" dirty="0" smtClean="0">
+                      <a:endParaRPr kumimoji="1" lang="en-US" altLang="en-US" sz="1000" kern="1200" dirty="0">
                         <a:solidFill>
                           <a:schemeClr val="tx1"/>
                         </a:solidFill>
@@ -16406,7 +16240,7 @@
                     <a:p>
                       <a:pPr algn="ctr" fontAlgn="ctr"/>
                       <a:r>
-                        <a:rPr kumimoji="1" lang="en-US" altLang="ko-KR" sz="1000" kern="1200" dirty="0" smtClean="0">
+                        <a:rPr kumimoji="1" lang="en-US" altLang="ko-KR" sz="1000" kern="1200" dirty="0">
                           <a:solidFill>
                             <a:schemeClr val="tx1"/>
                           </a:solidFill>
@@ -16469,7 +16303,7 @@
                     <a:p>
                       <a:pPr algn="ctr" fontAlgn="ctr"/>
                       <a:r>
-                        <a:rPr kumimoji="1" lang="en-US" altLang="ko-KR" sz="1000" kern="1200" dirty="0" smtClean="0">
+                        <a:rPr kumimoji="1" lang="en-US" altLang="ko-KR" sz="1000" kern="1200" dirty="0">
                           <a:solidFill>
                             <a:schemeClr val="tx1"/>
                           </a:solidFill>
@@ -16532,7 +16366,7 @@
                     <a:p>
                       <a:pPr algn="ctr" fontAlgn="ctr"/>
                       <a:r>
-                        <a:rPr kumimoji="1" lang="en-US" altLang="ko-KR" sz="1000" kern="1200" dirty="0" smtClean="0">
+                        <a:rPr kumimoji="1" lang="en-US" altLang="ko-KR" sz="1000" kern="1200" dirty="0">
                           <a:solidFill>
                             <a:schemeClr val="tx1"/>
                           </a:solidFill>
@@ -16595,7 +16429,7 @@
                     <a:p>
                       <a:pPr algn="ctr" fontAlgn="ctr"/>
                       <a:r>
-                        <a:rPr kumimoji="1" lang="en-US" altLang="ko-KR" sz="1000" kern="1200" dirty="0" smtClean="0">
+                        <a:rPr kumimoji="1" lang="en-US" altLang="ko-KR" sz="1000" kern="1200" dirty="0">
                           <a:solidFill>
                             <a:schemeClr val="tx1"/>
                           </a:solidFill>
@@ -16658,7 +16492,7 @@
                     <a:p>
                       <a:pPr algn="ctr" fontAlgn="ctr"/>
                       <a:r>
-                        <a:rPr kumimoji="1" lang="en-US" altLang="ko-KR" sz="1000" kern="1200" dirty="0" smtClean="0">
+                        <a:rPr kumimoji="1" lang="en-US" altLang="ko-KR" sz="1000" kern="1200" dirty="0">
                           <a:solidFill>
                             <a:schemeClr val="tx1"/>
                           </a:solidFill>
@@ -16721,7 +16555,7 @@
                     <a:p>
                       <a:pPr algn="ctr" fontAlgn="ctr"/>
                       <a:r>
-                        <a:rPr kumimoji="1" lang="en-US" altLang="ko-KR" sz="1000" kern="1200" dirty="0" smtClean="0">
+                        <a:rPr kumimoji="1" lang="en-US" altLang="ko-KR" sz="1000" kern="1200" dirty="0">
                           <a:solidFill>
                             <a:schemeClr val="tx1"/>
                           </a:solidFill>
@@ -16779,7 +16613,7 @@
                 </a:tc>
                 <a:extLst>
                   <a:ext uri="{0D108BD9-81ED-4DB2-BD59-A6C34878D82A}">
-                    <a16:rowId xmlns:a16="http://schemas.microsoft.com/office/drawing/2014/main" xmlns="" val="1963362198"/>
+                    <a16:rowId xmlns:a16="http://schemas.microsoft.com/office/drawing/2014/main" val="1963362198"/>
                   </a:ext>
                 </a:extLst>
               </a:tr>
@@ -16791,7 +16625,7 @@
                     <a:p>
                       <a:pPr algn="ctr" fontAlgn="ctr"/>
                       <a:r>
-                        <a:rPr kumimoji="1" lang="ko-KR" altLang="en-US" sz="1000" kern="1200" dirty="0" err="1" smtClean="0">
+                        <a:rPr kumimoji="1" lang="ko-KR" altLang="en-US" sz="1000" kern="1200" dirty="0" err="1">
                           <a:solidFill>
                             <a:schemeClr val="tx1"/>
                           </a:solidFill>
@@ -16801,7 +16635,7 @@
                         </a:rPr>
                         <a:t>초깃값</a:t>
                       </a:r>
-                      <a:endParaRPr kumimoji="1" lang="ko-KR" altLang="en-US" sz="1000" kern="1200" dirty="0" smtClean="0">
+                      <a:endParaRPr kumimoji="1" lang="ko-KR" altLang="en-US" sz="1000" kern="1200" dirty="0">
                         <a:solidFill>
                           <a:schemeClr val="tx1"/>
                         </a:solidFill>
@@ -16862,7 +16696,7 @@
                     <a:p>
                       <a:pPr algn="ctr" fontAlgn="ctr"/>
                       <a:r>
-                        <a:rPr kumimoji="1" lang="en-US" altLang="en-US" sz="1000" kern="1200" dirty="0" err="1" smtClean="0">
+                        <a:rPr kumimoji="1" lang="en-US" altLang="en-US" sz="1000" kern="1200" dirty="0" err="1">
                           <a:solidFill>
                             <a:schemeClr val="tx1"/>
                           </a:solidFill>
@@ -16872,7 +16706,7 @@
                         </a:rPr>
                         <a:t>mx.init.Xavier</a:t>
                       </a:r>
-                      <a:endParaRPr kumimoji="1" lang="en-US" altLang="en-US" sz="1000" kern="1200" dirty="0" smtClean="0">
+                      <a:endParaRPr kumimoji="1" lang="en-US" altLang="en-US" sz="1000" kern="1200" dirty="0">
                         <a:solidFill>
                           <a:schemeClr val="tx1"/>
                         </a:solidFill>
@@ -16884,7 +16718,7 @@
                     <a:p>
                       <a:pPr algn="ctr" fontAlgn="ctr"/>
                       <a:r>
-                        <a:rPr kumimoji="1" lang="en-US" altLang="en-US" sz="1000" kern="1200" dirty="0" smtClean="0">
+                        <a:rPr kumimoji="1" lang="en-US" altLang="en-US" sz="1000" kern="1200" dirty="0">
                           <a:solidFill>
                             <a:schemeClr val="tx1"/>
                           </a:solidFill>
@@ -16947,7 +16781,7 @@
                     <a:p>
                       <a:pPr algn="ctr" fontAlgn="ctr"/>
                       <a:r>
-                        <a:rPr kumimoji="1" lang="en-US" altLang="en-US" sz="1000" kern="1200" dirty="0" err="1" smtClean="0">
+                        <a:rPr kumimoji="1" lang="en-US" altLang="en-US" sz="1000" kern="1200" dirty="0" err="1">
                           <a:solidFill>
                             <a:schemeClr val="tx1"/>
                           </a:solidFill>
@@ -16957,7 +16791,7 @@
                         </a:rPr>
                         <a:t>mx.init.Normal</a:t>
                       </a:r>
-                      <a:endParaRPr kumimoji="1" lang="en-US" altLang="en-US" sz="1000" kern="1200" dirty="0" smtClean="0">
+                      <a:endParaRPr kumimoji="1" lang="en-US" altLang="en-US" sz="1000" kern="1200" dirty="0">
                         <a:solidFill>
                           <a:schemeClr val="tx1"/>
                         </a:solidFill>
@@ -16969,7 +16803,7 @@
                     <a:p>
                       <a:pPr algn="ctr" fontAlgn="ctr"/>
                       <a:r>
-                        <a:rPr kumimoji="1" lang="en-US" altLang="en-US" sz="1000" kern="1200" dirty="0" smtClean="0">
+                        <a:rPr kumimoji="1" lang="en-US" altLang="en-US" sz="1000" kern="1200" dirty="0">
                           <a:solidFill>
                             <a:schemeClr val="tx1"/>
                           </a:solidFill>
@@ -17032,7 +16866,7 @@
                     <a:p>
                       <a:pPr algn="ctr" fontAlgn="ctr"/>
                       <a:r>
-                        <a:rPr kumimoji="1" lang="en-US" altLang="en-US" sz="1000" kern="1200" dirty="0" err="1" smtClean="0">
+                        <a:rPr kumimoji="1" lang="en-US" altLang="en-US" sz="1000" kern="1200" dirty="0" err="1">
                           <a:solidFill>
                             <a:schemeClr val="tx1"/>
                           </a:solidFill>
@@ -17042,7 +16876,7 @@
                         </a:rPr>
                         <a:t>mx.init.Normal</a:t>
                       </a:r>
-                      <a:endParaRPr kumimoji="1" lang="en-US" altLang="en-US" sz="1000" kern="1200" dirty="0" smtClean="0">
+                      <a:endParaRPr kumimoji="1" lang="en-US" altLang="en-US" sz="1000" kern="1200" dirty="0">
                         <a:solidFill>
                           <a:schemeClr val="tx1"/>
                         </a:solidFill>
@@ -17054,7 +16888,7 @@
                     <a:p>
                       <a:pPr algn="ctr" fontAlgn="ctr"/>
                       <a:r>
-                        <a:rPr kumimoji="1" lang="en-US" altLang="en-US" sz="1000" kern="1200" dirty="0" smtClean="0">
+                        <a:rPr kumimoji="1" lang="en-US" altLang="en-US" sz="1000" kern="1200" dirty="0">
                           <a:solidFill>
                             <a:schemeClr val="tx1"/>
                           </a:solidFill>
@@ -17117,7 +16951,7 @@
                     <a:p>
                       <a:pPr algn="ctr" fontAlgn="ctr"/>
                       <a:r>
-                        <a:rPr kumimoji="1" lang="en-US" altLang="en-US" sz="1000" kern="1200" dirty="0" err="1" smtClean="0">
+                        <a:rPr kumimoji="1" lang="en-US" altLang="en-US" sz="1000" kern="1200" dirty="0" err="1">
                           <a:solidFill>
                             <a:schemeClr val="tx1"/>
                           </a:solidFill>
@@ -17127,7 +16961,7 @@
                         </a:rPr>
                         <a:t>mx.init.Xavier</a:t>
                       </a:r>
-                      <a:endParaRPr kumimoji="1" lang="en-US" altLang="en-US" sz="1000" kern="1200" dirty="0" smtClean="0">
+                      <a:endParaRPr kumimoji="1" lang="en-US" altLang="en-US" sz="1000" kern="1200" dirty="0">
                         <a:solidFill>
                           <a:schemeClr val="tx1"/>
                         </a:solidFill>
@@ -17139,7 +16973,7 @@
                     <a:p>
                       <a:pPr algn="ctr" fontAlgn="ctr"/>
                       <a:r>
-                        <a:rPr kumimoji="1" lang="en-US" altLang="en-US" sz="1000" kern="1200" dirty="0" smtClean="0">
+                        <a:rPr kumimoji="1" lang="en-US" altLang="en-US" sz="1000" kern="1200" dirty="0">
                           <a:solidFill>
                             <a:schemeClr val="tx1"/>
                           </a:solidFill>
@@ -17202,7 +17036,7 @@
                     <a:p>
                       <a:pPr algn="ctr" fontAlgn="ctr"/>
                       <a:r>
-                        <a:rPr kumimoji="1" lang="en-US" altLang="en-US" sz="1000" kern="1200" dirty="0" err="1" smtClean="0">
+                        <a:rPr kumimoji="1" lang="en-US" altLang="en-US" sz="1000" kern="1200" dirty="0" err="1">
                           <a:solidFill>
                             <a:schemeClr val="tx1"/>
                           </a:solidFill>
@@ -17212,7 +17046,7 @@
                         </a:rPr>
                         <a:t>mx.init.Normal</a:t>
                       </a:r>
-                      <a:endParaRPr kumimoji="1" lang="en-US" altLang="en-US" sz="1000" kern="1200" dirty="0" smtClean="0">
+                      <a:endParaRPr kumimoji="1" lang="en-US" altLang="en-US" sz="1000" kern="1200" dirty="0">
                         <a:solidFill>
                           <a:schemeClr val="tx1"/>
                         </a:solidFill>
@@ -17224,7 +17058,7 @@
                     <a:p>
                       <a:pPr algn="ctr" fontAlgn="ctr"/>
                       <a:r>
-                        <a:rPr kumimoji="1" lang="en-US" altLang="en-US" sz="1000" kern="1200" dirty="0" smtClean="0">
+                        <a:rPr kumimoji="1" lang="en-US" altLang="en-US" sz="1000" kern="1200" dirty="0">
                           <a:solidFill>
                             <a:schemeClr val="tx1"/>
                           </a:solidFill>
@@ -17287,7 +17121,7 @@
                     <a:p>
                       <a:pPr algn="ctr" fontAlgn="ctr"/>
                       <a:r>
-                        <a:rPr kumimoji="1" lang="en-US" altLang="en-US" sz="1000" kern="1200" dirty="0" err="1" smtClean="0">
+                        <a:rPr kumimoji="1" lang="en-US" altLang="en-US" sz="1000" kern="1200" dirty="0" err="1">
                           <a:solidFill>
                             <a:schemeClr val="tx1"/>
                           </a:solidFill>
@@ -17297,7 +17131,7 @@
                         </a:rPr>
                         <a:t>mx.init.Normal</a:t>
                       </a:r>
-                      <a:endParaRPr kumimoji="1" lang="en-US" altLang="en-US" sz="1000" kern="1200" dirty="0" smtClean="0">
+                      <a:endParaRPr kumimoji="1" lang="en-US" altLang="en-US" sz="1000" kern="1200" dirty="0">
                         <a:solidFill>
                           <a:schemeClr val="tx1"/>
                         </a:solidFill>
@@ -17309,7 +17143,7 @@
                     <a:p>
                       <a:pPr algn="ctr" fontAlgn="ctr"/>
                       <a:r>
-                        <a:rPr kumimoji="1" lang="en-US" altLang="en-US" sz="1000" kern="1200" dirty="0" smtClean="0">
+                        <a:rPr kumimoji="1" lang="en-US" altLang="en-US" sz="1000" kern="1200" dirty="0">
                           <a:solidFill>
                             <a:schemeClr val="tx1"/>
                           </a:solidFill>
@@ -17367,7 +17201,7 @@
                 </a:tc>
                 <a:extLst>
                   <a:ext uri="{0D108BD9-81ED-4DB2-BD59-A6C34878D82A}">
-                    <a16:rowId xmlns:a16="http://schemas.microsoft.com/office/drawing/2014/main" xmlns="" val="1391458109"/>
+                    <a16:rowId xmlns:a16="http://schemas.microsoft.com/office/drawing/2014/main" val="1391458109"/>
                   </a:ext>
                 </a:extLst>
               </a:tr>
@@ -17379,7 +17213,7 @@
                     <a:p>
                       <a:pPr algn="ctr" fontAlgn="ctr"/>
                       <a:r>
-                        <a:rPr kumimoji="1" lang="ko-KR" altLang="en-US" sz="1000" kern="1200" dirty="0" err="1" smtClean="0">
+                        <a:rPr kumimoji="1" lang="ko-KR" altLang="en-US" sz="1000" kern="1200" dirty="0" err="1">
                           <a:solidFill>
                             <a:schemeClr val="tx1"/>
                           </a:solidFill>
@@ -17389,7 +17223,7 @@
                         </a:rPr>
                         <a:t>경사하강법</a:t>
                       </a:r>
-                      <a:endParaRPr kumimoji="1" lang="ko-KR" altLang="en-US" sz="1000" kern="1200" dirty="0" smtClean="0">
+                      <a:endParaRPr kumimoji="1" lang="ko-KR" altLang="en-US" sz="1000" kern="1200" dirty="0">
                         <a:solidFill>
                           <a:schemeClr val="tx1"/>
                         </a:solidFill>
@@ -17450,7 +17284,7 @@
                     <a:p>
                       <a:pPr algn="ctr" fontAlgn="ctr"/>
                       <a:r>
-                        <a:rPr kumimoji="1" lang="en-US" altLang="en-US" sz="1000" kern="1200" dirty="0" err="1" smtClean="0">
+                        <a:rPr kumimoji="1" lang="en-US" altLang="en-US" sz="1000" kern="1200" dirty="0" err="1">
                           <a:solidFill>
                             <a:schemeClr val="tx1"/>
                           </a:solidFill>
@@ -17460,7 +17294,7 @@
                         </a:rPr>
                         <a:t>sgd</a:t>
                       </a:r>
-                      <a:endParaRPr kumimoji="1" lang="en-US" altLang="en-US" sz="1000" kern="1200" dirty="0" smtClean="0">
+                      <a:endParaRPr kumimoji="1" lang="en-US" altLang="en-US" sz="1000" kern="1200" dirty="0">
                         <a:solidFill>
                           <a:schemeClr val="tx1"/>
                         </a:solidFill>
@@ -17521,7 +17355,7 @@
                     <a:p>
                       <a:pPr algn="ctr" fontAlgn="ctr"/>
                       <a:r>
-                        <a:rPr kumimoji="1" lang="en-US" altLang="en-US" sz="1000" kern="1200" dirty="0" err="1" smtClean="0">
+                        <a:rPr kumimoji="1" lang="en-US" altLang="en-US" sz="1000" kern="1200" dirty="0" err="1">
                           <a:solidFill>
                             <a:schemeClr val="tx1"/>
                           </a:solidFill>
@@ -17531,7 +17365,7 @@
                         </a:rPr>
                         <a:t>adam</a:t>
                       </a:r>
-                      <a:endParaRPr kumimoji="1" lang="en-US" altLang="en-US" sz="1000" kern="1200" dirty="0" smtClean="0">
+                      <a:endParaRPr kumimoji="1" lang="en-US" altLang="en-US" sz="1000" kern="1200" dirty="0">
                         <a:solidFill>
                           <a:schemeClr val="tx1"/>
                         </a:solidFill>
@@ -17592,7 +17426,7 @@
                     <a:p>
                       <a:pPr algn="ctr" fontAlgn="ctr"/>
                       <a:r>
-                        <a:rPr kumimoji="1" lang="en-US" altLang="en-US" sz="1000" kern="1200" dirty="0" err="1" smtClean="0">
+                        <a:rPr kumimoji="1" lang="en-US" altLang="en-US" sz="1000" kern="1200" dirty="0" err="1">
                           <a:solidFill>
                             <a:schemeClr val="tx1"/>
                           </a:solidFill>
@@ -17602,7 +17436,7 @@
                         </a:rPr>
                         <a:t>adam</a:t>
                       </a:r>
-                      <a:endParaRPr kumimoji="1" lang="en-US" altLang="en-US" sz="1000" kern="1200" dirty="0" smtClean="0">
+                      <a:endParaRPr kumimoji="1" lang="en-US" altLang="en-US" sz="1000" kern="1200" dirty="0">
                         <a:solidFill>
                           <a:schemeClr val="tx1"/>
                         </a:solidFill>
@@ -17663,7 +17497,7 @@
                     <a:p>
                       <a:pPr algn="ctr" fontAlgn="ctr"/>
                       <a:r>
-                        <a:rPr kumimoji="1" lang="en-US" altLang="en-US" sz="1000" kern="1200" dirty="0" err="1" smtClean="0">
+                        <a:rPr kumimoji="1" lang="en-US" altLang="en-US" sz="1000" kern="1200" dirty="0" err="1">
                           <a:solidFill>
                             <a:schemeClr val="tx1"/>
                           </a:solidFill>
@@ -17673,7 +17507,7 @@
                         </a:rPr>
                         <a:t>sgd</a:t>
                       </a:r>
-                      <a:endParaRPr kumimoji="1" lang="en-US" altLang="en-US" sz="1000" kern="1200" dirty="0" smtClean="0">
+                      <a:endParaRPr kumimoji="1" lang="en-US" altLang="en-US" sz="1000" kern="1200" dirty="0">
                         <a:solidFill>
                           <a:schemeClr val="tx1"/>
                         </a:solidFill>
@@ -17734,7 +17568,7 @@
                     <a:p>
                       <a:pPr algn="ctr" fontAlgn="ctr"/>
                       <a:r>
-                        <a:rPr kumimoji="1" lang="en-US" altLang="en-US" sz="1000" kern="1200" dirty="0" err="1" smtClean="0">
+                        <a:rPr kumimoji="1" lang="en-US" altLang="en-US" sz="1000" kern="1200" dirty="0" err="1">
                           <a:solidFill>
                             <a:schemeClr val="tx1"/>
                           </a:solidFill>
@@ -17744,7 +17578,7 @@
                         </a:rPr>
                         <a:t>sgd</a:t>
                       </a:r>
-                      <a:endParaRPr kumimoji="1" lang="en-US" altLang="en-US" sz="1000" kern="1200" dirty="0" smtClean="0">
+                      <a:endParaRPr kumimoji="1" lang="en-US" altLang="en-US" sz="1000" kern="1200" dirty="0">
                         <a:solidFill>
                           <a:schemeClr val="tx1"/>
                         </a:solidFill>
@@ -17805,7 +17639,7 @@
                     <a:p>
                       <a:pPr algn="ctr" fontAlgn="ctr"/>
                       <a:r>
-                        <a:rPr kumimoji="1" lang="en-US" altLang="en-US" sz="1000" kern="1200" dirty="0" err="1" smtClean="0">
+                        <a:rPr kumimoji="1" lang="en-US" altLang="en-US" sz="1000" kern="1200" dirty="0" err="1">
                           <a:solidFill>
                             <a:schemeClr val="tx1"/>
                           </a:solidFill>
@@ -17815,7 +17649,7 @@
                         </a:rPr>
                         <a:t>adam</a:t>
                       </a:r>
-                      <a:endParaRPr kumimoji="1" lang="en-US" altLang="en-US" sz="1000" kern="1200" dirty="0" smtClean="0">
+                      <a:endParaRPr kumimoji="1" lang="en-US" altLang="en-US" sz="1000" kern="1200" dirty="0">
                         <a:solidFill>
                           <a:schemeClr val="tx1"/>
                         </a:solidFill>
@@ -17871,7 +17705,7 @@
                 </a:tc>
                 <a:extLst>
                   <a:ext uri="{0D108BD9-81ED-4DB2-BD59-A6C34878D82A}">
-                    <a16:rowId xmlns:a16="http://schemas.microsoft.com/office/drawing/2014/main" xmlns="" val="4234525995"/>
+                    <a16:rowId xmlns:a16="http://schemas.microsoft.com/office/drawing/2014/main" val="4234525995"/>
                   </a:ext>
                 </a:extLst>
               </a:tr>
@@ -17883,7 +17717,7 @@
                     <a:p>
                       <a:pPr algn="ctr" fontAlgn="ctr"/>
                       <a:r>
-                        <a:rPr kumimoji="1" lang="ko-KR" altLang="en-US" sz="1000" kern="1200" dirty="0" err="1" smtClean="0">
+                        <a:rPr kumimoji="1" lang="ko-KR" altLang="en-US" sz="1000" kern="1200" dirty="0" err="1">
                           <a:solidFill>
                             <a:schemeClr val="tx1"/>
                           </a:solidFill>
@@ -17893,7 +17727,7 @@
                         </a:rPr>
                         <a:t>학습률</a:t>
                       </a:r>
-                      <a:endParaRPr kumimoji="1" lang="ko-KR" altLang="en-US" sz="1000" kern="1200" dirty="0" smtClean="0">
+                      <a:endParaRPr kumimoji="1" lang="ko-KR" altLang="en-US" sz="1000" kern="1200" dirty="0">
                         <a:solidFill>
                           <a:schemeClr val="tx1"/>
                         </a:solidFill>
@@ -17954,7 +17788,7 @@
                     <a:p>
                       <a:pPr algn="ctr" fontAlgn="ctr"/>
                       <a:r>
-                        <a:rPr kumimoji="1" lang="en-US" altLang="ko-KR" sz="1000" kern="1200" dirty="0" smtClean="0">
+                        <a:rPr kumimoji="1" lang="en-US" altLang="ko-KR" sz="1000" kern="1200" dirty="0">
                           <a:solidFill>
                             <a:schemeClr val="tx1"/>
                           </a:solidFill>
@@ -18017,7 +17851,7 @@
                     <a:p>
                       <a:pPr algn="ctr" fontAlgn="ctr"/>
                       <a:r>
-                        <a:rPr kumimoji="1" lang="en-US" altLang="ko-KR" sz="1000" kern="1200" dirty="0" smtClean="0">
+                        <a:rPr kumimoji="1" lang="en-US" altLang="ko-KR" sz="1000" kern="1200" dirty="0">
                           <a:solidFill>
                             <a:schemeClr val="tx1"/>
                           </a:solidFill>
@@ -18080,7 +17914,7 @@
                     <a:p>
                       <a:pPr algn="ctr" fontAlgn="ctr"/>
                       <a:r>
-                        <a:rPr kumimoji="1" lang="en-US" altLang="ko-KR" sz="1000" kern="1200" dirty="0" smtClean="0">
+                        <a:rPr kumimoji="1" lang="en-US" altLang="ko-KR" sz="1000" kern="1200" dirty="0">
                           <a:solidFill>
                             <a:schemeClr val="tx1"/>
                           </a:solidFill>
@@ -18143,7 +17977,7 @@
                     <a:p>
                       <a:pPr algn="ctr" fontAlgn="ctr"/>
                       <a:r>
-                        <a:rPr kumimoji="1" lang="en-US" altLang="ko-KR" sz="1000" kern="1200" dirty="0" smtClean="0">
+                        <a:rPr kumimoji="1" lang="en-US" altLang="ko-KR" sz="1000" kern="1200" dirty="0">
                           <a:solidFill>
                             <a:schemeClr val="tx1"/>
                           </a:solidFill>
@@ -18206,7 +18040,7 @@
                     <a:p>
                       <a:pPr algn="ctr" fontAlgn="ctr"/>
                       <a:r>
-                        <a:rPr kumimoji="1" lang="en-US" altLang="ko-KR" sz="1000" kern="1200" dirty="0" smtClean="0">
+                        <a:rPr kumimoji="1" lang="en-US" altLang="ko-KR" sz="1000" kern="1200" dirty="0">
                           <a:solidFill>
                             <a:schemeClr val="tx1"/>
                           </a:solidFill>
@@ -18269,7 +18103,7 @@
                     <a:p>
                       <a:pPr algn="ctr" fontAlgn="ctr"/>
                       <a:r>
-                        <a:rPr kumimoji="1" lang="en-US" altLang="ko-KR" sz="1000" kern="1200" dirty="0" smtClean="0">
+                        <a:rPr kumimoji="1" lang="en-US" altLang="ko-KR" sz="1000" kern="1200" dirty="0">
                           <a:solidFill>
                             <a:schemeClr val="tx1"/>
                           </a:solidFill>
@@ -18327,7 +18161,7 @@
                 </a:tc>
                 <a:extLst>
                   <a:ext uri="{0D108BD9-81ED-4DB2-BD59-A6C34878D82A}">
-                    <a16:rowId xmlns:a16="http://schemas.microsoft.com/office/drawing/2014/main" xmlns="" val="1030064140"/>
+                    <a16:rowId xmlns:a16="http://schemas.microsoft.com/office/drawing/2014/main" val="1030064140"/>
                   </a:ext>
                 </a:extLst>
               </a:tr>
@@ -18339,7 +18173,7 @@
                     <a:p>
                       <a:pPr algn="ctr" fontAlgn="ctr"/>
                       <a:r>
-                        <a:rPr kumimoji="1" lang="en-US" altLang="en-US" sz="1000" kern="1200" dirty="0" smtClean="0">
+                        <a:rPr kumimoji="1" lang="en-US" altLang="en-US" sz="1000" kern="1200" dirty="0">
                           <a:solidFill>
                             <a:schemeClr val="tx1"/>
                           </a:solidFill>
@@ -18402,7 +18236,7 @@
                     <a:p>
                       <a:pPr algn="ctr" fontAlgn="ctr"/>
                       <a:r>
-                        <a:rPr kumimoji="1" lang="en-US" altLang="en-US" sz="1000" kern="1200" dirty="0" err="1" smtClean="0">
+                        <a:rPr kumimoji="1" lang="en-US" altLang="en-US" sz="1000" kern="1200" dirty="0" err="1">
                           <a:solidFill>
                             <a:schemeClr val="tx1"/>
                           </a:solidFill>
@@ -18412,7 +18246,7 @@
                         </a:rPr>
                         <a:t>SoftmaxCrossEntropy</a:t>
                       </a:r>
-                      <a:endParaRPr kumimoji="1" lang="en-US" altLang="en-US" sz="1000" kern="1200" dirty="0" smtClean="0">
+                      <a:endParaRPr kumimoji="1" lang="en-US" altLang="en-US" sz="1000" kern="1200" dirty="0">
                         <a:solidFill>
                           <a:schemeClr val="tx1"/>
                         </a:solidFill>
@@ -18473,7 +18307,7 @@
                     <a:p>
                       <a:pPr algn="ctr" fontAlgn="ctr"/>
                       <a:r>
-                        <a:rPr kumimoji="1" lang="en-US" altLang="en-US" sz="1000" kern="1200" dirty="0" err="1" smtClean="0">
+                        <a:rPr kumimoji="1" lang="en-US" altLang="en-US" sz="1000" kern="1200" dirty="0" err="1">
                           <a:solidFill>
                             <a:schemeClr val="tx1"/>
                           </a:solidFill>
@@ -18483,7 +18317,7 @@
                         </a:rPr>
                         <a:t>SoftmaxCrossEntropy</a:t>
                       </a:r>
-                      <a:endParaRPr kumimoji="1" lang="en-US" altLang="en-US" sz="1000" kern="1200" dirty="0" smtClean="0">
+                      <a:endParaRPr kumimoji="1" lang="en-US" altLang="en-US" sz="1000" kern="1200" dirty="0">
                         <a:solidFill>
                           <a:schemeClr val="tx1"/>
                         </a:solidFill>
@@ -18544,7 +18378,7 @@
                     <a:p>
                       <a:pPr algn="ctr" fontAlgn="ctr"/>
                       <a:r>
-                        <a:rPr kumimoji="1" lang="en-US" altLang="en-US" sz="1000" kern="1200" dirty="0" err="1" smtClean="0">
+                        <a:rPr kumimoji="1" lang="en-US" altLang="en-US" sz="1000" kern="1200" dirty="0" err="1">
                           <a:solidFill>
                             <a:schemeClr val="tx1"/>
                           </a:solidFill>
@@ -18554,7 +18388,7 @@
                         </a:rPr>
                         <a:t>SoftmaxCrossEntropy</a:t>
                       </a:r>
-                      <a:endParaRPr kumimoji="1" lang="en-US" altLang="en-US" sz="1000" kern="1200" dirty="0" smtClean="0">
+                      <a:endParaRPr kumimoji="1" lang="en-US" altLang="en-US" sz="1000" kern="1200" dirty="0">
                         <a:solidFill>
                           <a:schemeClr val="tx1"/>
                         </a:solidFill>
@@ -18615,7 +18449,7 @@
                     <a:p>
                       <a:pPr algn="ctr" fontAlgn="ctr"/>
                       <a:r>
-                        <a:rPr kumimoji="1" lang="en-US" altLang="en-US" sz="1000" kern="1200" dirty="0" err="1" smtClean="0">
+                        <a:rPr kumimoji="1" lang="en-US" altLang="en-US" sz="1000" kern="1200" dirty="0" err="1">
                           <a:solidFill>
                             <a:schemeClr val="tx1"/>
                           </a:solidFill>
@@ -18625,7 +18459,7 @@
                         </a:rPr>
                         <a:t>SoftmaxCrossEntropy</a:t>
                       </a:r>
-                      <a:endParaRPr kumimoji="1" lang="en-US" altLang="en-US" sz="1000" kern="1200" dirty="0" smtClean="0">
+                      <a:endParaRPr kumimoji="1" lang="en-US" altLang="en-US" sz="1000" kern="1200" dirty="0">
                         <a:solidFill>
                           <a:schemeClr val="tx1"/>
                         </a:solidFill>
@@ -18686,7 +18520,7 @@
                     <a:p>
                       <a:pPr algn="ctr" fontAlgn="ctr"/>
                       <a:r>
-                        <a:rPr kumimoji="1" lang="en-US" altLang="en-US" sz="1000" kern="1200" dirty="0" err="1" smtClean="0">
+                        <a:rPr kumimoji="1" lang="en-US" altLang="en-US" sz="1000" kern="1200" dirty="0" err="1">
                           <a:solidFill>
                             <a:schemeClr val="tx1"/>
                           </a:solidFill>
@@ -18696,7 +18530,7 @@
                         </a:rPr>
                         <a:t>SoftmaxCrossEntropy</a:t>
                       </a:r>
-                      <a:endParaRPr kumimoji="1" lang="en-US" altLang="en-US" sz="1000" kern="1200" dirty="0" smtClean="0">
+                      <a:endParaRPr kumimoji="1" lang="en-US" altLang="en-US" sz="1000" kern="1200" dirty="0">
                         <a:solidFill>
                           <a:schemeClr val="tx1"/>
                         </a:solidFill>
@@ -18757,7 +18591,7 @@
                     <a:p>
                       <a:pPr algn="ctr" fontAlgn="ctr"/>
                       <a:r>
-                        <a:rPr kumimoji="1" lang="en-US" altLang="en-US" sz="1000" kern="1200" dirty="0" err="1" smtClean="0">
+                        <a:rPr kumimoji="1" lang="en-US" altLang="en-US" sz="1000" kern="1200" dirty="0" err="1">
                           <a:solidFill>
                             <a:schemeClr val="tx1"/>
                           </a:solidFill>
@@ -18767,7 +18601,7 @@
                         </a:rPr>
                         <a:t>SoftmaxCrossEntropy</a:t>
                       </a:r>
-                      <a:endParaRPr kumimoji="1" lang="en-US" altLang="en-US" sz="1000" kern="1200" dirty="0" smtClean="0">
+                      <a:endParaRPr kumimoji="1" lang="en-US" altLang="en-US" sz="1000" kern="1200" dirty="0">
                         <a:solidFill>
                           <a:schemeClr val="tx1"/>
                         </a:solidFill>
@@ -18823,7 +18657,7 @@
                 </a:tc>
                 <a:extLst>
                   <a:ext uri="{0D108BD9-81ED-4DB2-BD59-A6C34878D82A}">
-                    <a16:rowId xmlns:a16="http://schemas.microsoft.com/office/drawing/2014/main" xmlns="" val="4284756254"/>
+                    <a16:rowId xmlns:a16="http://schemas.microsoft.com/office/drawing/2014/main" val="4284756254"/>
                   </a:ext>
                 </a:extLst>
               </a:tr>
@@ -18835,7 +18669,7 @@
                     <a:p>
                       <a:pPr algn="ctr" fontAlgn="ctr"/>
                       <a:r>
-                        <a:rPr kumimoji="1" lang="en-US" altLang="en-US" sz="1000" kern="1200" dirty="0" smtClean="0">
+                        <a:rPr kumimoji="1" lang="en-US" altLang="en-US" sz="1000" kern="1200" dirty="0">
                           <a:solidFill>
                             <a:schemeClr val="tx1"/>
                           </a:solidFill>
@@ -18898,7 +18732,7 @@
                     <a:p>
                       <a:pPr algn="ctr" fontAlgn="ctr"/>
                       <a:r>
-                        <a:rPr kumimoji="1" lang="en-US" altLang="ko-KR" sz="1000" kern="1200" dirty="0" smtClean="0">
+                        <a:rPr kumimoji="1" lang="en-US" altLang="ko-KR" sz="1000" kern="1200" dirty="0">
                           <a:solidFill>
                             <a:schemeClr val="tx1"/>
                           </a:solidFill>
@@ -18961,7 +18795,7 @@
                     <a:p>
                       <a:pPr algn="ctr" fontAlgn="ctr"/>
                       <a:r>
-                        <a:rPr kumimoji="1" lang="en-US" altLang="ko-KR" sz="1000" kern="1200" dirty="0" smtClean="0">
+                        <a:rPr kumimoji="1" lang="en-US" altLang="ko-KR" sz="1000" kern="1200" dirty="0">
                           <a:solidFill>
                             <a:schemeClr val="tx1"/>
                           </a:solidFill>
@@ -19024,7 +18858,7 @@
                     <a:p>
                       <a:pPr algn="ctr" fontAlgn="ctr"/>
                       <a:r>
-                        <a:rPr kumimoji="1" lang="en-US" altLang="ko-KR" sz="1000" kern="1200" dirty="0" smtClean="0">
+                        <a:rPr kumimoji="1" lang="en-US" altLang="ko-KR" sz="1000" kern="1200" dirty="0">
                           <a:solidFill>
                             <a:schemeClr val="tx1"/>
                           </a:solidFill>
@@ -19087,7 +18921,7 @@
                     <a:p>
                       <a:pPr algn="ctr" fontAlgn="ctr"/>
                       <a:r>
-                        <a:rPr kumimoji="1" lang="en-US" altLang="ko-KR" sz="1000" kern="1200" dirty="0" smtClean="0">
+                        <a:rPr kumimoji="1" lang="en-US" altLang="ko-KR" sz="1000" kern="1200" dirty="0">
                           <a:solidFill>
                             <a:schemeClr val="tx1"/>
                           </a:solidFill>
@@ -19150,7 +18984,7 @@
                     <a:p>
                       <a:pPr algn="ctr" fontAlgn="ctr"/>
                       <a:r>
-                        <a:rPr kumimoji="1" lang="en-US" altLang="ko-KR" sz="1000" kern="1200" dirty="0" smtClean="0">
+                        <a:rPr kumimoji="1" lang="en-US" altLang="ko-KR" sz="1000" kern="1200" dirty="0">
                           <a:solidFill>
                             <a:schemeClr val="tx1"/>
                           </a:solidFill>
@@ -19213,7 +19047,7 @@
                     <a:p>
                       <a:pPr algn="ctr" fontAlgn="ctr"/>
                       <a:r>
-                        <a:rPr kumimoji="1" lang="en-US" altLang="ko-KR" sz="1000" kern="1200" dirty="0" smtClean="0">
+                        <a:rPr kumimoji="1" lang="en-US" altLang="ko-KR" sz="1000" kern="1200" dirty="0">
                           <a:solidFill>
                             <a:schemeClr val="tx1"/>
                           </a:solidFill>
@@ -19271,7 +19105,7 @@
                 </a:tc>
                 <a:extLst>
                   <a:ext uri="{0D108BD9-81ED-4DB2-BD59-A6C34878D82A}">
-                    <a16:rowId xmlns:a16="http://schemas.microsoft.com/office/drawing/2014/main" xmlns="" val="2244185218"/>
+                    <a16:rowId xmlns:a16="http://schemas.microsoft.com/office/drawing/2014/main" val="2244185218"/>
                   </a:ext>
                 </a:extLst>
               </a:tr>
@@ -19283,7 +19117,7 @@
                     <a:p>
                       <a:pPr algn="ctr" fontAlgn="ctr"/>
                       <a:r>
-                        <a:rPr kumimoji="1" lang="en-US" altLang="en-US" sz="1000" kern="1200" dirty="0" smtClean="0">
+                        <a:rPr kumimoji="1" lang="en-US" altLang="en-US" sz="1000" kern="1200" dirty="0">
                           <a:solidFill>
                             <a:schemeClr val="tx1"/>
                           </a:solidFill>
@@ -19346,7 +19180,7 @@
                     <a:p>
                       <a:pPr algn="ctr" fontAlgn="ctr"/>
                       <a:r>
-                        <a:rPr kumimoji="1" lang="en-US" altLang="ko-KR" sz="1000" kern="1200" dirty="0" smtClean="0">
+                        <a:rPr kumimoji="1" lang="en-US" altLang="ko-KR" sz="1000" kern="1200" dirty="0">
                           <a:solidFill>
                             <a:schemeClr val="tx1"/>
                           </a:solidFill>
@@ -19409,7 +19243,7 @@
                     <a:p>
                       <a:pPr algn="ctr" fontAlgn="ctr"/>
                       <a:r>
-                        <a:rPr kumimoji="1" lang="en-US" altLang="ko-KR" sz="1000" kern="1200" dirty="0" smtClean="0">
+                        <a:rPr kumimoji="1" lang="en-US" altLang="ko-KR" sz="1000" kern="1200" dirty="0">
                           <a:solidFill>
                             <a:schemeClr val="tx1"/>
                           </a:solidFill>
@@ -19472,7 +19306,7 @@
                     <a:p>
                       <a:pPr algn="ctr" fontAlgn="ctr"/>
                       <a:r>
-                        <a:rPr kumimoji="1" lang="en-US" altLang="ko-KR" sz="1000" kern="1200" dirty="0" smtClean="0">
+                        <a:rPr kumimoji="1" lang="en-US" altLang="ko-KR" sz="1000" kern="1200" dirty="0">
                           <a:solidFill>
                             <a:schemeClr val="tx1"/>
                           </a:solidFill>
@@ -19535,7 +19369,7 @@
                     <a:p>
                       <a:pPr algn="ctr" fontAlgn="ctr"/>
                       <a:r>
-                        <a:rPr kumimoji="1" lang="en-US" altLang="ko-KR" sz="1000" kern="1200" dirty="0" smtClean="0">
+                        <a:rPr kumimoji="1" lang="en-US" altLang="ko-KR" sz="1000" kern="1200" dirty="0">
                           <a:solidFill>
                             <a:schemeClr val="tx1"/>
                           </a:solidFill>
@@ -19598,7 +19432,7 @@
                     <a:p>
                       <a:pPr algn="ctr" fontAlgn="ctr"/>
                       <a:r>
-                        <a:rPr kumimoji="1" lang="en-US" altLang="ko-KR" sz="1000" kern="1200" dirty="0" smtClean="0">
+                        <a:rPr kumimoji="1" lang="en-US" altLang="ko-KR" sz="1000" kern="1200" dirty="0">
                           <a:solidFill>
                             <a:schemeClr val="tx1"/>
                           </a:solidFill>
@@ -19661,7 +19495,7 @@
                     <a:p>
                       <a:pPr algn="ctr" fontAlgn="ctr"/>
                       <a:r>
-                        <a:rPr kumimoji="1" lang="en-US" altLang="ko-KR" sz="1000" kern="1200" dirty="0" smtClean="0">
+                        <a:rPr kumimoji="1" lang="en-US" altLang="ko-KR" sz="1000" kern="1200" dirty="0">
                           <a:solidFill>
                             <a:schemeClr val="tx1"/>
                           </a:solidFill>
@@ -19719,7 +19553,7 @@
                 </a:tc>
                 <a:extLst>
                   <a:ext uri="{0D108BD9-81ED-4DB2-BD59-A6C34878D82A}">
-                    <a16:rowId xmlns:a16="http://schemas.microsoft.com/office/drawing/2014/main" xmlns="" val="4059733351"/>
+                    <a16:rowId xmlns:a16="http://schemas.microsoft.com/office/drawing/2014/main" val="4059733351"/>
                   </a:ext>
                 </a:extLst>
               </a:tr>
@@ -19731,7 +19565,7 @@
                     <a:p>
                       <a:pPr algn="ctr" fontAlgn="ctr"/>
                       <a:r>
-                        <a:rPr kumimoji="1" lang="en-US" altLang="en-US" sz="1000" kern="1200" dirty="0" smtClean="0">
+                        <a:rPr kumimoji="1" lang="en-US" altLang="en-US" sz="1000" kern="1200" dirty="0">
                           <a:solidFill>
                             <a:schemeClr val="tx1"/>
                           </a:solidFill>
@@ -19794,7 +19628,7 @@
                     <a:p>
                       <a:pPr algn="ctr" fontAlgn="ctr"/>
                       <a:r>
-                        <a:rPr kumimoji="1" lang="en-US" altLang="ko-KR" sz="1000" kern="1200" dirty="0" smtClean="0">
+                        <a:rPr kumimoji="1" lang="en-US" altLang="ko-KR" sz="1000" kern="1200" dirty="0">
                           <a:solidFill>
                             <a:schemeClr val="tx1"/>
                           </a:solidFill>
@@ -19857,7 +19691,7 @@
                     <a:p>
                       <a:pPr algn="ctr" fontAlgn="ctr"/>
                       <a:r>
-                        <a:rPr kumimoji="1" lang="en-US" altLang="ko-KR" sz="1000" kern="1200" dirty="0" smtClean="0">
+                        <a:rPr kumimoji="1" lang="en-US" altLang="ko-KR" sz="1000" kern="1200" dirty="0">
                           <a:solidFill>
                             <a:schemeClr val="tx1"/>
                           </a:solidFill>
@@ -19920,7 +19754,7 @@
                     <a:p>
                       <a:pPr algn="ctr" fontAlgn="ctr"/>
                       <a:r>
-                        <a:rPr kumimoji="1" lang="en-US" altLang="ko-KR" sz="1000" kern="1200" dirty="0" smtClean="0">
+                        <a:rPr kumimoji="1" lang="en-US" altLang="ko-KR" sz="1000" kern="1200" dirty="0">
                           <a:solidFill>
                             <a:schemeClr val="tx1"/>
                           </a:solidFill>
@@ -19983,7 +19817,7 @@
                     <a:p>
                       <a:pPr algn="ctr" fontAlgn="ctr"/>
                       <a:r>
-                        <a:rPr kumimoji="1" lang="en-US" altLang="ko-KR" sz="1000" kern="1200" dirty="0" smtClean="0">
+                        <a:rPr kumimoji="1" lang="en-US" altLang="ko-KR" sz="1000" kern="1200" dirty="0">
                           <a:solidFill>
                             <a:schemeClr val="tx1"/>
                           </a:solidFill>
@@ -20046,7 +19880,7 @@
                     <a:p>
                       <a:pPr algn="ctr" fontAlgn="ctr"/>
                       <a:r>
-                        <a:rPr kumimoji="1" lang="ko-KR" altLang="en-US" sz="1000" kern="1200" dirty="0" smtClean="0">
+                        <a:rPr kumimoji="1" lang="ko-KR" altLang="en-US" sz="1000" kern="1200" dirty="0">
                           <a:solidFill>
                             <a:schemeClr val="tx1"/>
                           </a:solidFill>
@@ -20109,7 +19943,7 @@
                     <a:p>
                       <a:pPr algn="ctr" fontAlgn="ctr"/>
                       <a:r>
-                        <a:rPr kumimoji="1" lang="en-US" altLang="ko-KR" sz="1000" kern="1200" dirty="0" smtClean="0">
+                        <a:rPr kumimoji="1" lang="en-US" altLang="ko-KR" sz="1000" kern="1200" dirty="0">
                           <a:solidFill>
                             <a:schemeClr val="tx1"/>
                           </a:solidFill>
@@ -20167,7 +20001,7 @@
                 </a:tc>
                 <a:extLst>
                   <a:ext uri="{0D108BD9-81ED-4DB2-BD59-A6C34878D82A}">
-                    <a16:rowId xmlns:a16="http://schemas.microsoft.com/office/drawing/2014/main" xmlns="" val="470531157"/>
+                    <a16:rowId xmlns:a16="http://schemas.microsoft.com/office/drawing/2014/main" val="470531157"/>
                   </a:ext>
                 </a:extLst>
               </a:tr>
@@ -20179,7 +20013,7 @@
                     <a:p>
                       <a:pPr algn="ctr" fontAlgn="ctr"/>
                       <a:r>
-                        <a:rPr kumimoji="1" lang="en-US" altLang="en-US" sz="1000" kern="1200" dirty="0" smtClean="0">
+                        <a:rPr kumimoji="1" lang="en-US" altLang="en-US" sz="1000" kern="1200" dirty="0">
                           <a:solidFill>
                             <a:schemeClr val="tx1"/>
                           </a:solidFill>
@@ -20242,7 +20076,7 @@
                     <a:p>
                       <a:pPr algn="ctr" fontAlgn="ctr"/>
                       <a:r>
-                        <a:rPr kumimoji="1" lang="en-US" altLang="ko-KR" sz="1000" kern="1200" dirty="0" smtClean="0">
+                        <a:rPr kumimoji="1" lang="en-US" altLang="ko-KR" sz="1000" kern="1200" dirty="0">
                           <a:solidFill>
                             <a:schemeClr val="tx1"/>
                           </a:solidFill>
@@ -20305,7 +20139,7 @@
                     <a:p>
                       <a:pPr algn="ctr" fontAlgn="ctr"/>
                       <a:r>
-                        <a:rPr kumimoji="1" lang="ko-KR" altLang="en-US" sz="1000" kern="1200" dirty="0" smtClean="0">
+                        <a:rPr kumimoji="1" lang="ko-KR" altLang="en-US" sz="1000" kern="1200" dirty="0">
                           <a:solidFill>
                             <a:schemeClr val="tx1"/>
                           </a:solidFill>
@@ -20368,7 +20202,7 @@
                     <a:p>
                       <a:pPr algn="ctr" fontAlgn="ctr"/>
                       <a:r>
-                        <a:rPr kumimoji="1" lang="en-US" altLang="ko-KR" sz="1000" kern="1200" dirty="0" smtClean="0">
+                        <a:rPr kumimoji="1" lang="en-US" altLang="ko-KR" sz="1000" kern="1200" dirty="0">
                           <a:solidFill>
                             <a:schemeClr val="tx1"/>
                           </a:solidFill>
@@ -20431,7 +20265,7 @@
                     <a:p>
                       <a:pPr algn="ctr" fontAlgn="ctr"/>
                       <a:r>
-                        <a:rPr kumimoji="1" lang="ko-KR" altLang="en-US" sz="1000" kern="1200" dirty="0" smtClean="0">
+                        <a:rPr kumimoji="1" lang="ko-KR" altLang="en-US" sz="1000" kern="1200" dirty="0">
                           <a:solidFill>
                             <a:schemeClr val="tx1"/>
                           </a:solidFill>
@@ -20494,7 +20328,7 @@
                     <a:p>
                       <a:pPr algn="ctr" fontAlgn="ctr"/>
                       <a:r>
-                        <a:rPr kumimoji="1" lang="ko-KR" altLang="en-US" sz="1000" kern="1200" dirty="0" smtClean="0">
+                        <a:rPr kumimoji="1" lang="ko-KR" altLang="en-US" sz="1000" kern="1200" dirty="0">
                           <a:solidFill>
                             <a:schemeClr val="tx1"/>
                           </a:solidFill>
@@ -20557,7 +20391,7 @@
                     <a:p>
                       <a:pPr algn="ctr" fontAlgn="ctr"/>
                       <a:r>
-                        <a:rPr kumimoji="1" lang="en-US" altLang="ko-KR" sz="1000" kern="1200" dirty="0" smtClean="0">
+                        <a:rPr kumimoji="1" lang="en-US" altLang="ko-KR" sz="1000" kern="1200" dirty="0">
                           <a:solidFill>
                             <a:schemeClr val="tx1"/>
                           </a:solidFill>
@@ -20615,7 +20449,7 @@
                 </a:tc>
                 <a:extLst>
                   <a:ext uri="{0D108BD9-81ED-4DB2-BD59-A6C34878D82A}">
-                    <a16:rowId xmlns:a16="http://schemas.microsoft.com/office/drawing/2014/main" xmlns="" val="2232516875"/>
+                    <a16:rowId xmlns:a16="http://schemas.microsoft.com/office/drawing/2014/main" val="2232516875"/>
                   </a:ext>
                 </a:extLst>
               </a:tr>
@@ -20627,7 +20461,7 @@
                     <a:p>
                       <a:pPr algn="ctr" fontAlgn="ctr"/>
                       <a:r>
-                        <a:rPr kumimoji="1" lang="en-US" altLang="en-US" sz="1000" kern="1200" dirty="0" smtClean="0">
+                        <a:rPr kumimoji="1" lang="en-US" altLang="en-US" sz="1000" kern="1200" dirty="0">
                           <a:solidFill>
                             <a:schemeClr val="tx1"/>
                           </a:solidFill>
@@ -20690,7 +20524,7 @@
                     <a:p>
                       <a:pPr algn="ctr" fontAlgn="ctr"/>
                       <a:r>
-                        <a:rPr kumimoji="1" lang="ko-KR" altLang="en-US" sz="1000" kern="1200" dirty="0" smtClean="0">
+                        <a:rPr kumimoji="1" lang="ko-KR" altLang="en-US" sz="1000" kern="1200" dirty="0">
                           <a:solidFill>
                             <a:schemeClr val="tx1"/>
                           </a:solidFill>
@@ -20753,7 +20587,7 @@
                     <a:p>
                       <a:pPr algn="ctr" fontAlgn="ctr"/>
                       <a:r>
-                        <a:rPr kumimoji="1" lang="ko-KR" altLang="en-US" sz="1000" kern="1200" dirty="0" smtClean="0">
+                        <a:rPr kumimoji="1" lang="ko-KR" altLang="en-US" sz="1000" kern="1200" dirty="0">
                           <a:solidFill>
                             <a:schemeClr val="tx1"/>
                           </a:solidFill>
@@ -20816,7 +20650,7 @@
                     <a:p>
                       <a:pPr algn="ctr" fontAlgn="ctr"/>
                       <a:r>
-                        <a:rPr kumimoji="1" lang="en-US" altLang="ko-KR" sz="1000" kern="1200" dirty="0" smtClean="0">
+                        <a:rPr kumimoji="1" lang="en-US" altLang="ko-KR" sz="1000" kern="1200" dirty="0">
                           <a:solidFill>
                             <a:schemeClr val="tx1"/>
                           </a:solidFill>
@@ -20879,7 +20713,7 @@
                     <a:p>
                       <a:pPr algn="ctr" fontAlgn="ctr"/>
                       <a:r>
-                        <a:rPr kumimoji="1" lang="ko-KR" altLang="en-US" sz="1000" kern="1200" dirty="0" smtClean="0">
+                        <a:rPr kumimoji="1" lang="ko-KR" altLang="en-US" sz="1000" kern="1200" dirty="0">
                           <a:solidFill>
                             <a:schemeClr val="tx1"/>
                           </a:solidFill>
@@ -20942,7 +20776,7 @@
                     <a:p>
                       <a:pPr algn="ctr" fontAlgn="ctr"/>
                       <a:r>
-                        <a:rPr kumimoji="1" lang="ko-KR" altLang="en-US" sz="1000" kern="1200" dirty="0" smtClean="0">
+                        <a:rPr kumimoji="1" lang="ko-KR" altLang="en-US" sz="1000" kern="1200" dirty="0">
                           <a:solidFill>
                             <a:schemeClr val="tx1"/>
                           </a:solidFill>
@@ -21005,7 +20839,7 @@
                     <a:p>
                       <a:pPr algn="ctr" fontAlgn="ctr"/>
                       <a:r>
-                        <a:rPr kumimoji="1" lang="en-US" altLang="ko-KR" sz="1000" kern="1200" dirty="0" smtClean="0">
+                        <a:rPr kumimoji="1" lang="en-US" altLang="ko-KR" sz="1000" kern="1200" dirty="0">
                           <a:solidFill>
                             <a:schemeClr val="tx1"/>
                           </a:solidFill>
@@ -21063,7 +20897,7 @@
                 </a:tc>
                 <a:extLst>
                   <a:ext uri="{0D108BD9-81ED-4DB2-BD59-A6C34878D82A}">
-                    <a16:rowId xmlns:a16="http://schemas.microsoft.com/office/drawing/2014/main" xmlns="" val="671854670"/>
+                    <a16:rowId xmlns:a16="http://schemas.microsoft.com/office/drawing/2014/main" val="671854670"/>
                   </a:ext>
                 </a:extLst>
               </a:tr>
@@ -21075,7 +20909,7 @@
                     <a:p>
                       <a:pPr algn="ctr" fontAlgn="ctr"/>
                       <a:r>
-                        <a:rPr kumimoji="1" lang="en-US" altLang="en-US" sz="1000" kern="1200" dirty="0" smtClean="0">
+                        <a:rPr kumimoji="1" lang="en-US" altLang="en-US" sz="1000" kern="1200" dirty="0">
                           <a:solidFill>
                             <a:schemeClr val="tx1"/>
                           </a:solidFill>
@@ -21138,7 +20972,7 @@
                     <a:p>
                       <a:pPr algn="ctr" fontAlgn="ctr"/>
                       <a:r>
-                        <a:rPr kumimoji="1" lang="ko-KR" altLang="en-US" sz="1000" kern="1200" dirty="0" smtClean="0">
+                        <a:rPr kumimoji="1" lang="ko-KR" altLang="en-US" sz="1000" kern="1200" dirty="0">
                           <a:solidFill>
                             <a:schemeClr val="tx1"/>
                           </a:solidFill>
@@ -21201,7 +21035,7 @@
                     <a:p>
                       <a:pPr algn="ctr" fontAlgn="ctr"/>
                       <a:r>
-                        <a:rPr kumimoji="1" lang="ko-KR" altLang="en-US" sz="1000" kern="1200" dirty="0" smtClean="0">
+                        <a:rPr kumimoji="1" lang="ko-KR" altLang="en-US" sz="1000" kern="1200" dirty="0">
                           <a:solidFill>
                             <a:schemeClr val="tx1"/>
                           </a:solidFill>
@@ -21264,7 +21098,7 @@
                     <a:p>
                       <a:pPr algn="ctr" fontAlgn="ctr"/>
                       <a:r>
-                        <a:rPr kumimoji="1" lang="en-US" altLang="ko-KR" sz="1000" kern="1200" dirty="0" smtClean="0">
+                        <a:rPr kumimoji="1" lang="en-US" altLang="ko-KR" sz="1000" kern="1200" dirty="0">
                           <a:solidFill>
                             <a:schemeClr val="tx1"/>
                           </a:solidFill>
@@ -21327,7 +21161,7 @@
                     <a:p>
                       <a:pPr algn="ctr" fontAlgn="ctr"/>
                       <a:r>
-                        <a:rPr kumimoji="1" lang="ko-KR" altLang="en-US" sz="1000" kern="1200" dirty="0" smtClean="0">
+                        <a:rPr kumimoji="1" lang="ko-KR" altLang="en-US" sz="1000" kern="1200" dirty="0">
                           <a:solidFill>
                             <a:schemeClr val="tx1"/>
                           </a:solidFill>
@@ -21390,7 +21224,7 @@
                     <a:p>
                       <a:pPr algn="ctr" fontAlgn="ctr"/>
                       <a:r>
-                        <a:rPr kumimoji="1" lang="ko-KR" altLang="en-US" sz="1000" kern="1200" dirty="0" smtClean="0">
+                        <a:rPr kumimoji="1" lang="ko-KR" altLang="en-US" sz="1000" kern="1200" dirty="0">
                           <a:solidFill>
                             <a:schemeClr val="tx1"/>
                           </a:solidFill>
@@ -21453,7 +21287,7 @@
                     <a:p>
                       <a:pPr algn="ctr" fontAlgn="ctr"/>
                       <a:r>
-                        <a:rPr kumimoji="1" lang="en-US" altLang="ko-KR" sz="1000" kern="1200" dirty="0" smtClean="0">
+                        <a:rPr kumimoji="1" lang="en-US" altLang="ko-KR" sz="1000" kern="1200" dirty="0">
                           <a:solidFill>
                             <a:schemeClr val="tx1"/>
                           </a:solidFill>
@@ -21511,7 +21345,7 @@
                 </a:tc>
                 <a:extLst>
                   <a:ext uri="{0D108BD9-81ED-4DB2-BD59-A6C34878D82A}">
-                    <a16:rowId xmlns:a16="http://schemas.microsoft.com/office/drawing/2014/main" xmlns="" val="862492720"/>
+                    <a16:rowId xmlns:a16="http://schemas.microsoft.com/office/drawing/2014/main" val="862492720"/>
                   </a:ext>
                 </a:extLst>
               </a:tr>
@@ -21523,7 +21357,7 @@
                     <a:p>
                       <a:pPr algn="ctr" fontAlgn="ctr"/>
                       <a:r>
-                        <a:rPr kumimoji="1" lang="en-US" altLang="en-US" sz="1000" kern="1200" dirty="0" smtClean="0">
+                        <a:rPr kumimoji="1" lang="en-US" altLang="en-US" sz="1000" kern="1200" dirty="0">
                           <a:solidFill>
                             <a:schemeClr val="tx1"/>
                           </a:solidFill>
@@ -21586,7 +21420,7 @@
                     <a:p>
                       <a:pPr algn="ctr" fontAlgn="ctr"/>
                       <a:r>
-                        <a:rPr kumimoji="1" lang="ko-KR" altLang="en-US" sz="1000" kern="1200" dirty="0" smtClean="0">
+                        <a:rPr kumimoji="1" lang="ko-KR" altLang="en-US" sz="1000" kern="1200" dirty="0">
                           <a:solidFill>
                             <a:schemeClr val="tx1"/>
                           </a:solidFill>
@@ -21649,7 +21483,7 @@
                     <a:p>
                       <a:pPr algn="ctr" fontAlgn="ctr"/>
                       <a:r>
-                        <a:rPr kumimoji="1" lang="ko-KR" altLang="en-US" sz="1000" kern="1200" dirty="0" smtClean="0">
+                        <a:rPr kumimoji="1" lang="ko-KR" altLang="en-US" sz="1000" kern="1200" dirty="0">
                           <a:solidFill>
                             <a:schemeClr val="tx1"/>
                           </a:solidFill>
@@ -21712,7 +21546,7 @@
                     <a:p>
                       <a:pPr algn="ctr" fontAlgn="ctr"/>
                       <a:r>
-                        <a:rPr kumimoji="1" lang="en-US" altLang="ko-KR" sz="1000" kern="1200" dirty="0" smtClean="0">
+                        <a:rPr kumimoji="1" lang="en-US" altLang="ko-KR" sz="1000" kern="1200" dirty="0">
                           <a:solidFill>
                             <a:schemeClr val="tx1"/>
                           </a:solidFill>
@@ -21775,7 +21609,7 @@
                     <a:p>
                       <a:pPr algn="ctr" fontAlgn="ctr"/>
                       <a:r>
-                        <a:rPr kumimoji="1" lang="ko-KR" altLang="en-US" sz="1000" kern="1200" dirty="0" smtClean="0">
+                        <a:rPr kumimoji="1" lang="ko-KR" altLang="en-US" sz="1000" kern="1200" dirty="0">
                           <a:solidFill>
                             <a:schemeClr val="tx1"/>
                           </a:solidFill>
@@ -21838,7 +21672,7 @@
                     <a:p>
                       <a:pPr algn="ctr" fontAlgn="ctr"/>
                       <a:r>
-                        <a:rPr kumimoji="1" lang="ko-KR" altLang="en-US" sz="1000" kern="1200" dirty="0" smtClean="0">
+                        <a:rPr kumimoji="1" lang="ko-KR" altLang="en-US" sz="1000" kern="1200" dirty="0">
                           <a:solidFill>
                             <a:schemeClr val="tx1"/>
                           </a:solidFill>
@@ -21901,7 +21735,7 @@
                     <a:p>
                       <a:pPr algn="ctr" fontAlgn="ctr"/>
                       <a:r>
-                        <a:rPr kumimoji="1" lang="en-US" altLang="ko-KR" sz="1000" kern="1200" dirty="0" smtClean="0">
+                        <a:rPr kumimoji="1" lang="en-US" altLang="ko-KR" sz="1000" kern="1200" dirty="0">
                           <a:solidFill>
                             <a:schemeClr val="tx1"/>
                           </a:solidFill>
@@ -21959,7 +21793,7 @@
                 </a:tc>
                 <a:extLst>
                   <a:ext uri="{0D108BD9-81ED-4DB2-BD59-A6C34878D82A}">
-                    <a16:rowId xmlns:a16="http://schemas.microsoft.com/office/drawing/2014/main" xmlns="" val="1338698705"/>
+                    <a16:rowId xmlns:a16="http://schemas.microsoft.com/office/drawing/2014/main" val="1338698705"/>
                   </a:ext>
                 </a:extLst>
               </a:tr>
@@ -21971,7 +21805,7 @@
                     <a:p>
                       <a:pPr algn="ctr" fontAlgn="ctr"/>
                       <a:r>
-                        <a:rPr kumimoji="1" lang="en-US" altLang="en-US" sz="1000" kern="1200" dirty="0" smtClean="0">
+                        <a:rPr kumimoji="1" lang="en-US" altLang="en-US" sz="1000" kern="1200" dirty="0">
                           <a:solidFill>
                             <a:schemeClr val="tx1"/>
                           </a:solidFill>
@@ -22034,7 +21868,7 @@
                     <a:p>
                       <a:pPr algn="ctr" fontAlgn="ctr"/>
                       <a:r>
-                        <a:rPr kumimoji="1" lang="ko-KR" altLang="en-US" sz="1000" kern="1200" dirty="0" smtClean="0">
+                        <a:rPr kumimoji="1" lang="ko-KR" altLang="en-US" sz="1000" kern="1200" dirty="0">
                           <a:solidFill>
                             <a:schemeClr val="tx1"/>
                           </a:solidFill>
@@ -22097,7 +21931,7 @@
                     <a:p>
                       <a:pPr algn="ctr" fontAlgn="ctr"/>
                       <a:r>
-                        <a:rPr kumimoji="1" lang="ko-KR" altLang="en-US" sz="1000" kern="1200" dirty="0" smtClean="0">
+                        <a:rPr kumimoji="1" lang="ko-KR" altLang="en-US" sz="1000" kern="1200" dirty="0">
                           <a:solidFill>
                             <a:schemeClr val="tx1"/>
                           </a:solidFill>
@@ -22160,7 +21994,7 @@
                     <a:p>
                       <a:pPr algn="ctr" fontAlgn="ctr"/>
                       <a:r>
-                        <a:rPr kumimoji="1" lang="en-US" altLang="ko-KR" sz="1000" kern="1200" dirty="0" smtClean="0">
+                        <a:rPr kumimoji="1" lang="en-US" altLang="ko-KR" sz="1000" kern="1200" dirty="0">
                           <a:solidFill>
                             <a:schemeClr val="tx1"/>
                           </a:solidFill>
@@ -22223,7 +22057,7 @@
                     <a:p>
                       <a:pPr algn="ctr" fontAlgn="ctr"/>
                       <a:r>
-                        <a:rPr kumimoji="1" lang="ko-KR" altLang="en-US" sz="1000" kern="1200" dirty="0" smtClean="0">
+                        <a:rPr kumimoji="1" lang="ko-KR" altLang="en-US" sz="1000" kern="1200" dirty="0">
                           <a:solidFill>
                             <a:schemeClr val="tx1"/>
                           </a:solidFill>
@@ -22286,7 +22120,7 @@
                     <a:p>
                       <a:pPr algn="ctr" fontAlgn="ctr"/>
                       <a:r>
-                        <a:rPr kumimoji="1" lang="ko-KR" altLang="en-US" sz="1000" kern="1200" dirty="0" smtClean="0">
+                        <a:rPr kumimoji="1" lang="ko-KR" altLang="en-US" sz="1000" kern="1200" dirty="0">
                           <a:solidFill>
                             <a:schemeClr val="tx1"/>
                           </a:solidFill>
@@ -22349,7 +22183,7 @@
                     <a:p>
                       <a:pPr algn="ctr" fontAlgn="ctr"/>
                       <a:r>
-                        <a:rPr kumimoji="1" lang="en-US" altLang="ko-KR" sz="1000" kern="1200" dirty="0" smtClean="0">
+                        <a:rPr kumimoji="1" lang="en-US" altLang="ko-KR" sz="1000" kern="1200" dirty="0">
                           <a:solidFill>
                             <a:schemeClr val="tx1"/>
                           </a:solidFill>
@@ -22407,7 +22241,7 @@
                 </a:tc>
                 <a:extLst>
                   <a:ext uri="{0D108BD9-81ED-4DB2-BD59-A6C34878D82A}">
-                    <a16:rowId xmlns:a16="http://schemas.microsoft.com/office/drawing/2014/main" xmlns="" val="3956931835"/>
+                    <a16:rowId xmlns:a16="http://schemas.microsoft.com/office/drawing/2014/main" val="3956931835"/>
                   </a:ext>
                 </a:extLst>
               </a:tr>
@@ -22419,7 +22253,7 @@
                     <a:p>
                       <a:pPr algn="ctr" fontAlgn="ctr"/>
                       <a:r>
-                        <a:rPr kumimoji="1" lang="en-US" altLang="en-US" sz="1000" kern="1200" dirty="0" smtClean="0">
+                        <a:rPr kumimoji="1" lang="en-US" altLang="en-US" sz="1000" kern="1200" dirty="0">
                           <a:solidFill>
                             <a:schemeClr val="tx1"/>
                           </a:solidFill>
@@ -22482,7 +22316,7 @@
                     <a:p>
                       <a:pPr algn="ctr" fontAlgn="ctr"/>
                       <a:r>
-                        <a:rPr kumimoji="1" lang="ko-KR" altLang="en-US" sz="1000" kern="1200" dirty="0" smtClean="0">
+                        <a:rPr kumimoji="1" lang="ko-KR" altLang="en-US" sz="1000" kern="1200" dirty="0">
                           <a:solidFill>
                             <a:schemeClr val="tx1"/>
                           </a:solidFill>
@@ -22545,7 +22379,7 @@
                     <a:p>
                       <a:pPr algn="ctr" fontAlgn="ctr"/>
                       <a:r>
-                        <a:rPr kumimoji="1" lang="ko-KR" altLang="en-US" sz="1000" kern="1200" dirty="0" smtClean="0">
+                        <a:rPr kumimoji="1" lang="ko-KR" altLang="en-US" sz="1000" kern="1200" dirty="0">
                           <a:solidFill>
                             <a:schemeClr val="tx1"/>
                           </a:solidFill>
@@ -22608,7 +22442,7 @@
                     <a:p>
                       <a:pPr algn="ctr" fontAlgn="ctr"/>
                       <a:r>
-                        <a:rPr kumimoji="1" lang="en-US" altLang="ko-KR" sz="1000" kern="1200" dirty="0" smtClean="0">
+                        <a:rPr kumimoji="1" lang="en-US" altLang="ko-KR" sz="1000" kern="1200" dirty="0">
                           <a:solidFill>
                             <a:schemeClr val="tx1"/>
                           </a:solidFill>
@@ -22671,7 +22505,7 @@
                     <a:p>
                       <a:pPr algn="ctr" fontAlgn="ctr"/>
                       <a:r>
-                        <a:rPr kumimoji="1" lang="ko-KR" altLang="en-US" sz="1000" kern="1200" dirty="0" smtClean="0">
+                        <a:rPr kumimoji="1" lang="ko-KR" altLang="en-US" sz="1000" kern="1200" dirty="0">
                           <a:solidFill>
                             <a:schemeClr val="tx1"/>
                           </a:solidFill>
@@ -22734,7 +22568,7 @@
                     <a:p>
                       <a:pPr algn="ctr" fontAlgn="ctr"/>
                       <a:r>
-                        <a:rPr kumimoji="1" lang="ko-KR" altLang="en-US" sz="1000" kern="1200" dirty="0" smtClean="0">
+                        <a:rPr kumimoji="1" lang="ko-KR" altLang="en-US" sz="1000" kern="1200" dirty="0">
                           <a:solidFill>
                             <a:schemeClr val="tx1"/>
                           </a:solidFill>
@@ -22797,7 +22631,7 @@
                     <a:p>
                       <a:pPr algn="ctr" fontAlgn="ctr"/>
                       <a:r>
-                        <a:rPr kumimoji="1" lang="en-US" altLang="ko-KR" sz="1000" kern="1200" dirty="0" smtClean="0">
+                        <a:rPr kumimoji="1" lang="en-US" altLang="ko-KR" sz="1000" kern="1200" dirty="0">
                           <a:solidFill>
                             <a:schemeClr val="tx1"/>
                           </a:solidFill>
@@ -22855,7 +22689,7 @@
                 </a:tc>
                 <a:extLst>
                   <a:ext uri="{0D108BD9-81ED-4DB2-BD59-A6C34878D82A}">
-                    <a16:rowId xmlns:a16="http://schemas.microsoft.com/office/drawing/2014/main" xmlns="" val="1790531578"/>
+                    <a16:rowId xmlns:a16="http://schemas.microsoft.com/office/drawing/2014/main" val="1790531578"/>
                   </a:ext>
                 </a:extLst>
               </a:tr>
@@ -22867,7 +22701,7 @@
                     <a:p>
                       <a:pPr algn="ctr" fontAlgn="ctr"/>
                       <a:r>
-                        <a:rPr kumimoji="1" lang="en-US" altLang="en-US" sz="1000" kern="1200" dirty="0" smtClean="0">
+                        <a:rPr kumimoji="1" lang="en-US" altLang="en-US" sz="1000" kern="1200" dirty="0">
                           <a:solidFill>
                             <a:schemeClr val="tx1"/>
                           </a:solidFill>
@@ -22930,7 +22764,7 @@
                     <a:p>
                       <a:pPr algn="ctr" fontAlgn="ctr"/>
                       <a:r>
-                        <a:rPr kumimoji="1" lang="ko-KR" altLang="en-US" sz="1000" kern="1200" dirty="0" smtClean="0">
+                        <a:rPr kumimoji="1" lang="ko-KR" altLang="en-US" sz="1000" kern="1200" dirty="0">
                           <a:solidFill>
                             <a:schemeClr val="tx1"/>
                           </a:solidFill>
@@ -22993,7 +22827,7 @@
                     <a:p>
                       <a:pPr algn="ctr" fontAlgn="ctr"/>
                       <a:r>
-                        <a:rPr kumimoji="1" lang="ko-KR" altLang="en-US" sz="1000" kern="1200" dirty="0" smtClean="0">
+                        <a:rPr kumimoji="1" lang="ko-KR" altLang="en-US" sz="1000" kern="1200" dirty="0">
                           <a:solidFill>
                             <a:schemeClr val="tx1"/>
                           </a:solidFill>
@@ -23056,7 +22890,7 @@
                     <a:p>
                       <a:pPr algn="ctr" fontAlgn="ctr"/>
                       <a:r>
-                        <a:rPr kumimoji="1" lang="en-US" altLang="ko-KR" sz="1000" kern="1200" dirty="0" smtClean="0">
+                        <a:rPr kumimoji="1" lang="en-US" altLang="ko-KR" sz="1000" kern="1200" dirty="0">
                           <a:solidFill>
                             <a:schemeClr val="tx1"/>
                           </a:solidFill>
@@ -23119,7 +22953,7 @@
                     <a:p>
                       <a:pPr algn="ctr" fontAlgn="ctr"/>
                       <a:r>
-                        <a:rPr kumimoji="1" lang="ko-KR" altLang="en-US" sz="1000" kern="1200" dirty="0" smtClean="0">
+                        <a:rPr kumimoji="1" lang="ko-KR" altLang="en-US" sz="1000" kern="1200" dirty="0">
                           <a:solidFill>
                             <a:schemeClr val="tx1"/>
                           </a:solidFill>
@@ -23182,7 +23016,7 @@
                     <a:p>
                       <a:pPr algn="ctr" fontAlgn="ctr"/>
                       <a:r>
-                        <a:rPr kumimoji="1" lang="ko-KR" altLang="en-US" sz="1000" kern="1200" dirty="0" smtClean="0">
+                        <a:rPr kumimoji="1" lang="ko-KR" altLang="en-US" sz="1000" kern="1200" dirty="0">
                           <a:solidFill>
                             <a:schemeClr val="tx1"/>
                           </a:solidFill>
@@ -23245,7 +23079,7 @@
                     <a:p>
                       <a:pPr algn="ctr" fontAlgn="ctr"/>
                       <a:r>
-                        <a:rPr kumimoji="1" lang="en-US" altLang="ko-KR" sz="1000" kern="1200" dirty="0" smtClean="0">
+                        <a:rPr kumimoji="1" lang="en-US" altLang="ko-KR" sz="1000" kern="1200" dirty="0">
                           <a:solidFill>
                             <a:schemeClr val="tx1"/>
                           </a:solidFill>
@@ -23303,7 +23137,7 @@
                 </a:tc>
                 <a:extLst>
                   <a:ext uri="{0D108BD9-81ED-4DB2-BD59-A6C34878D82A}">
-                    <a16:rowId xmlns:a16="http://schemas.microsoft.com/office/drawing/2014/main" xmlns="" val="1735129281"/>
+                    <a16:rowId xmlns:a16="http://schemas.microsoft.com/office/drawing/2014/main" val="1735129281"/>
                   </a:ext>
                 </a:extLst>
               </a:tr>
@@ -23603,7 +23437,7 @@
               <a:defRPr/>
             </a:pPr>
             <a:r>
-              <a:rPr lang="ko-KR" altLang="en-US" sz="1400" dirty="0" smtClean="0">
+              <a:rPr lang="ko-KR" altLang="en-US" sz="1400" dirty="0">
                 <a:solidFill>
                   <a:schemeClr val="tx1"/>
                 </a:solidFill>
@@ -23613,7 +23447,7 @@
               <a:t>초기값이 </a:t>
             </a:r>
             <a:r>
-              <a:rPr lang="en-US" altLang="ko-KR" sz="1400" dirty="0" smtClean="0">
+              <a:rPr lang="en-US" altLang="ko-KR" sz="1400" dirty="0">
                 <a:solidFill>
                   <a:schemeClr val="tx1"/>
                 </a:solidFill>
@@ -23623,7 +23457,7 @@
               <a:t>Xavier(magnitude=0)</a:t>
             </a:r>
             <a:r>
-              <a:rPr lang="ko-KR" altLang="en-US" sz="1400" dirty="0" smtClean="0">
+              <a:rPr lang="ko-KR" altLang="en-US" sz="1400" dirty="0">
                 <a:solidFill>
                   <a:schemeClr val="tx1"/>
                 </a:solidFill>
@@ -23633,7 +23467,7 @@
               <a:t>일 때 정확도가 좋지 않았다</a:t>
             </a:r>
             <a:r>
-              <a:rPr lang="en-US" altLang="ko-KR" sz="1400" dirty="0" smtClean="0">
+              <a:rPr lang="en-US" altLang="ko-KR" sz="1400" dirty="0">
                 <a:solidFill>
                   <a:schemeClr val="tx1"/>
                 </a:solidFill>
@@ -23653,7 +23487,7 @@
               <a:defRPr/>
             </a:pPr>
             <a:r>
-              <a:rPr lang="ko-KR" altLang="en-US" sz="1400" dirty="0" err="1" smtClean="0">
+              <a:rPr lang="ko-KR" altLang="en-US" sz="1400" dirty="0" err="1">
                 <a:solidFill>
                   <a:schemeClr val="tx1"/>
                 </a:solidFill>
@@ -23663,37 +23497,17 @@
               <a:t>입력사이즈</a:t>
             </a:r>
             <a:r>
-              <a:rPr lang="ko-KR" altLang="en-US" sz="1400" dirty="0" smtClean="0">
+              <a:rPr lang="ko-KR" altLang="en-US" sz="1400" dirty="0">
                 <a:solidFill>
                   <a:schemeClr val="tx1"/>
                 </a:solidFill>
                 <a:latin typeface="나눔고딕" panose="020D0604000000000000" pitchFamily="50" charset="-127"/>
                 <a:ea typeface="나눔고딕" panose="020D0604000000000000" pitchFamily="50" charset="-127"/>
               </a:rPr>
-              <a:t> 및 배치사이즈</a:t>
+              <a:t> 및 배치사이즈는 모델에 맞게 정하는게 좋다</a:t>
             </a:r>
             <a:r>
-              <a:rPr lang="ko-KR" altLang="en-US" sz="1400" dirty="0">
-                <a:solidFill>
-                  <a:schemeClr val="tx1"/>
-                </a:solidFill>
-                <a:latin typeface="나눔고딕" panose="020D0604000000000000" pitchFamily="50" charset="-127"/>
-                <a:ea typeface="나눔고딕" panose="020D0604000000000000" pitchFamily="50" charset="-127"/>
-              </a:rPr>
-              <a:t>는</a:t>
-            </a:r>
-            <a:r>
-              <a:rPr lang="ko-KR" altLang="en-US" sz="1400" dirty="0" smtClean="0">
-                <a:solidFill>
-                  <a:schemeClr val="tx1"/>
-                </a:solidFill>
-                <a:latin typeface="나눔고딕" panose="020D0604000000000000" pitchFamily="50" charset="-127"/>
-                <a:ea typeface="나눔고딕" panose="020D0604000000000000" pitchFamily="50" charset="-127"/>
-              </a:rPr>
-              <a:t> 모델에 맞게 정하는게 좋다</a:t>
-            </a:r>
-            <a:r>
-              <a:rPr lang="en-US" altLang="ko-KR" sz="1400" dirty="0" smtClean="0">
+              <a:rPr lang="en-US" altLang="ko-KR" sz="1400" dirty="0">
                 <a:solidFill>
                   <a:schemeClr val="tx1"/>
                 </a:solidFill>
@@ -23703,7 +23517,7 @@
               <a:t>(Learning1, 2 , </a:t>
             </a:r>
             <a:r>
-              <a:rPr lang="ko-KR" altLang="en-US" sz="1400" dirty="0" smtClean="0">
+              <a:rPr lang="ko-KR" altLang="en-US" sz="1400" dirty="0">
                 <a:solidFill>
                   <a:schemeClr val="tx1"/>
                 </a:solidFill>
@@ -23713,7 +23527,7 @@
               <a:t>에러는 나지 않음</a:t>
             </a:r>
             <a:r>
-              <a:rPr lang="en-US" altLang="ko-KR" sz="1400" dirty="0" smtClean="0">
+              <a:rPr lang="en-US" altLang="ko-KR" sz="1400" dirty="0">
                 <a:solidFill>
                   <a:schemeClr val="tx1"/>
                 </a:solidFill>
@@ -23733,7 +23547,7 @@
               <a:defRPr/>
             </a:pPr>
             <a:r>
-              <a:rPr lang="ko-KR" altLang="en-US" sz="1400" dirty="0" err="1" smtClean="0">
+              <a:rPr lang="ko-KR" altLang="en-US" sz="1400" dirty="0" err="1">
                 <a:solidFill>
                   <a:schemeClr val="tx1"/>
                 </a:solidFill>
@@ -23743,7 +23557,7 @@
               <a:t>학습률이</a:t>
             </a:r>
             <a:r>
-              <a:rPr lang="ko-KR" altLang="en-US" sz="1400" dirty="0" smtClean="0">
+              <a:rPr lang="ko-KR" altLang="en-US" sz="1400" dirty="0">
                 <a:solidFill>
                   <a:schemeClr val="tx1"/>
                 </a:solidFill>
@@ -23753,7 +23567,7 @@
               <a:t> 적을수록 </a:t>
             </a:r>
             <a:r>
-              <a:rPr lang="ko-KR" altLang="en-US" sz="1400" dirty="0" err="1" smtClean="0">
+              <a:rPr lang="ko-KR" altLang="en-US" sz="1400" dirty="0" err="1">
                 <a:solidFill>
                   <a:schemeClr val="tx1"/>
                 </a:solidFill>
@@ -23763,7 +23577,7 @@
               <a:t>학습속도는</a:t>
             </a:r>
             <a:r>
-              <a:rPr lang="ko-KR" altLang="en-US" sz="1400" dirty="0" smtClean="0">
+              <a:rPr lang="ko-KR" altLang="en-US" sz="1400" dirty="0">
                 <a:solidFill>
                   <a:schemeClr val="tx1"/>
                 </a:solidFill>
@@ -23773,7 +23587,7 @@
               <a:t> 느리고 정확도 변동폭도 적다</a:t>
             </a:r>
             <a:r>
-              <a:rPr lang="en-US" altLang="ko-KR" sz="1400" dirty="0" smtClean="0">
+              <a:rPr lang="en-US" altLang="ko-KR" sz="1400" dirty="0">
                 <a:solidFill>
                   <a:schemeClr val="tx1"/>
                 </a:solidFill>
@@ -23793,7 +23607,7 @@
               <a:defRPr/>
             </a:pPr>
             <a:r>
-              <a:rPr lang="ko-KR" altLang="en-US" sz="1400" dirty="0" err="1" smtClean="0">
+              <a:rPr lang="ko-KR" altLang="en-US" sz="1400" dirty="0" err="1">
                 <a:solidFill>
                   <a:schemeClr val="tx1"/>
                 </a:solidFill>
@@ -23803,7 +23617,7 @@
               <a:t>경사하강법</a:t>
             </a:r>
             <a:r>
-              <a:rPr lang="en-US" altLang="ko-KR" sz="1400" dirty="0" smtClean="0">
+              <a:rPr lang="en-US" altLang="ko-KR" sz="1400" dirty="0">
                 <a:solidFill>
                   <a:schemeClr val="tx1"/>
                 </a:solidFill>
@@ -23813,7 +23627,7 @@
               <a:t>(</a:t>
             </a:r>
             <a:r>
-              <a:rPr lang="en-US" altLang="ko-KR" sz="1400" dirty="0" err="1" smtClean="0">
+              <a:rPr lang="en-US" altLang="ko-KR" sz="1400" dirty="0" err="1">
                 <a:solidFill>
                   <a:schemeClr val="tx1"/>
                 </a:solidFill>
@@ -23823,7 +23637,7 @@
               <a:t>adam</a:t>
             </a:r>
             <a:r>
-              <a:rPr lang="en-US" altLang="ko-KR" sz="1400" dirty="0" smtClean="0">
+              <a:rPr lang="en-US" altLang="ko-KR" sz="1400" dirty="0">
                 <a:solidFill>
                   <a:schemeClr val="tx1"/>
                 </a:solidFill>
@@ -23833,7 +23647,7 @@
               <a:t>, </a:t>
             </a:r>
             <a:r>
-              <a:rPr lang="en-US" altLang="ko-KR" sz="1400" dirty="0" err="1" smtClean="0">
+              <a:rPr lang="en-US" altLang="ko-KR" sz="1400" dirty="0" err="1">
                 <a:solidFill>
                   <a:schemeClr val="tx1"/>
                 </a:solidFill>
@@ -23843,7 +23657,7 @@
               <a:t>sgd</a:t>
             </a:r>
             <a:r>
-              <a:rPr lang="en-US" altLang="ko-KR" sz="1400" dirty="0" smtClean="0">
+              <a:rPr lang="en-US" altLang="ko-KR" sz="1400" dirty="0">
                 <a:solidFill>
                   <a:schemeClr val="tx1"/>
                 </a:solidFill>
@@ -23853,7 +23667,7 @@
               <a:t>)</a:t>
             </a:r>
             <a:r>
-              <a:rPr lang="ko-KR" altLang="en-US" sz="1400" dirty="0" smtClean="0">
+              <a:rPr lang="ko-KR" altLang="en-US" sz="1400" dirty="0">
                 <a:solidFill>
                   <a:schemeClr val="tx1"/>
                 </a:solidFill>
@@ -23863,7 +23677,7 @@
               <a:t>의 차이는 별로 없다</a:t>
             </a:r>
             <a:r>
-              <a:rPr lang="en-US" altLang="ko-KR" sz="1400" dirty="0" smtClean="0">
+              <a:rPr lang="en-US" altLang="ko-KR" sz="1400" dirty="0">
                 <a:solidFill>
                   <a:schemeClr val="tx1"/>
                 </a:solidFill>
@@ -23882,7 +23696,7 @@
               <a:buChar char="ü"/>
               <a:defRPr/>
             </a:pPr>
-            <a:endParaRPr lang="en-US" altLang="ko-KR" sz="1400" dirty="0" smtClean="0">
+            <a:endParaRPr lang="en-US" altLang="ko-KR" sz="1400" dirty="0">
               <a:solidFill>
                 <a:schemeClr val="tx1"/>
               </a:solidFill>
@@ -24182,7 +23996,7 @@
               <a:defRPr/>
             </a:pPr>
             <a:r>
-              <a:rPr lang="ko-KR" altLang="en-US" sz="2000" b="1" dirty="0" smtClean="0">
+              <a:rPr lang="ko-KR" altLang="en-US" sz="2000" b="1" dirty="0">
                 <a:gradFill>
                   <a:gsLst>
                     <a:gs pos="0">
@@ -24199,21 +24013,6 @@
               </a:rPr>
               <a:t>결론</a:t>
             </a:r>
-            <a:endParaRPr lang="ko-KR" altLang="en-US" sz="2000" b="1" dirty="0">
-              <a:gradFill>
-                <a:gsLst>
-                  <a:gs pos="0">
-                    <a:srgbClr val="404040"/>
-                  </a:gs>
-                  <a:gs pos="100000">
-                    <a:srgbClr val="404040"/>
-                  </a:gs>
-                </a:gsLst>
-                <a:lin ang="5400000" scaled="0"/>
-              </a:gradFill>
-              <a:latin typeface="나눔고딕" panose="020D0604000000000000" pitchFamily="50" charset="-127"/>
-              <a:ea typeface="나눔고딕" panose="020D0604000000000000" pitchFamily="50" charset="-127"/>
-            </a:endParaRPr>
           </a:p>
         </p:txBody>
       </p:sp>
@@ -24409,13 +24208,13 @@
               <a:buNone/>
             </a:pPr>
             <a:r>
-              <a:rPr lang="en-US" altLang="ko-KR" sz="2800" kern="0" dirty="0" smtClean="0">
+              <a:rPr lang="en-US" altLang="ko-KR" sz="2800" kern="0" dirty="0">
                 <a:latin typeface="나눔고딕 ExtraBold" panose="020D0904000000000000" pitchFamily="50" charset="-127"/>
                 <a:ea typeface="나눔고딕 ExtraBold" panose="020D0904000000000000" pitchFamily="50" charset="-127"/>
               </a:rPr>
               <a:t>2. Learning</a:t>
             </a:r>
-            <a:endParaRPr lang="ko-KR" altLang="en-US" sz="2800" kern="0" dirty="0" smtClean="0">
+            <a:endParaRPr lang="ko-KR" altLang="en-US" sz="2800" kern="0" dirty="0">
               <a:latin typeface="나눔고딕 ExtraBold" panose="020D0904000000000000" pitchFamily="50" charset="-127"/>
               <a:ea typeface="나눔고딕 ExtraBold" panose="020D0904000000000000" pitchFamily="50" charset="-127"/>
             </a:endParaRPr>
@@ -24432,13 +24231,6 @@
   <p:clrMapOvr>
     <a:masterClrMapping/>
   </p:clrMapOvr>
-  <p:timing>
-    <p:tnLst>
-      <p:par>
-        <p:cTn id="1" dur="indefinite" restart="never" nodeType="tmRoot"/>
-      </p:par>
-    </p:tnLst>
-  </p:timing>
 </p:sld>
 </file>
 
@@ -24639,13 +24431,6 @@
   <p:clrMapOvr>
     <a:masterClrMapping/>
   </p:clrMapOvr>
-  <p:timing>
-    <p:tnLst>
-      <p:par>
-        <p:cTn id="1" dur="indefinite" restart="never" nodeType="tmRoot"/>
-      </p:par>
-    </p:tnLst>
-  </p:timing>
 </p:sld>
 </file>
 
@@ -24842,7 +24627,7 @@
           <p:cNvPr id="9" name="텍스트 상자 1">
             <a:extLst>
               <a:ext uri="{FF2B5EF4-FFF2-40B4-BE49-F238E27FC236}">
-                <a16:creationId xmlns:a16="http://schemas.microsoft.com/office/drawing/2014/main" xmlns="" id="{3DBE8121-48B8-C34E-90BF-426B3648BA4E}"/>
+                <a16:creationId xmlns:a16="http://schemas.microsoft.com/office/drawing/2014/main" id="{3DBE8121-48B8-C34E-90BF-426B3648BA4E}"/>
               </a:ext>
             </a:extLst>
           </p:cNvPr>
@@ -24879,14 +24664,14 @@
               <a:defRPr/>
             </a:pPr>
             <a:r>
-              <a:rPr lang="en-US" altLang="ko-KR" sz="2100" b="1" spc="-150" dirty="0" err="1" smtClean="0">
+              <a:rPr lang="en-US" altLang="ko-KR" sz="2100" b="1" spc="-150" dirty="0" err="1">
                 <a:latin typeface="나눔고딕" panose="020D0604000000000000" pitchFamily="50" charset="-127"/>
                 <a:ea typeface="나눔고딕" panose="020D0604000000000000" pitchFamily="50" charset="-127"/>
                 <a:cs typeface="Nanum Gothic" charset="-127"/>
               </a:rPr>
               <a:t>GoogLeNet</a:t>
             </a:r>
-            <a:endParaRPr lang="en-US" altLang="ko-KR" sz="2100" b="1" spc="-150" dirty="0" smtClean="0">
+            <a:endParaRPr lang="en-US" altLang="ko-KR" sz="2100" b="1" spc="-150" dirty="0">
               <a:latin typeface="나눔고딕" panose="020D0604000000000000" pitchFamily="50" charset="-127"/>
               <a:ea typeface="나눔고딕" panose="020D0604000000000000" pitchFamily="50" charset="-127"/>
               <a:cs typeface="Nanum Gothic" charset="-127"/>
@@ -24907,14 +24692,14 @@
               <a:defRPr/>
             </a:pPr>
             <a:r>
-              <a:rPr lang="ko-KR" altLang="en-US" sz="2100" b="1" spc="-150" dirty="0" smtClean="0">
+              <a:rPr lang="ko-KR" altLang="en-US" sz="2100" b="1" spc="-150" dirty="0">
                 <a:latin typeface="나눔고딕" panose="020D0604000000000000" pitchFamily="50" charset="-127"/>
                 <a:ea typeface="나눔고딕" panose="020D0604000000000000" pitchFamily="50" charset="-127"/>
                 <a:cs typeface="Nanum Gothic" charset="-127"/>
               </a:rPr>
               <a:t>모델 학습</a:t>
             </a:r>
-            <a:endParaRPr lang="en-US" altLang="ko-KR" sz="2100" b="1" spc="-150" dirty="0" smtClean="0">
+            <a:endParaRPr lang="en-US" altLang="ko-KR" sz="2100" b="1" spc="-150" dirty="0">
               <a:latin typeface="나눔고딕" panose="020D0604000000000000" pitchFamily="50" charset="-127"/>
               <a:ea typeface="나눔고딕" panose="020D0604000000000000" pitchFamily="50" charset="-127"/>
               <a:cs typeface="Nanum Gothic" charset="-127"/>
@@ -24932,13 +24717,6 @@
   <p:clrMapOvr>
     <a:masterClrMapping/>
   </p:clrMapOvr>
-  <p:timing>
-    <p:tnLst>
-      <p:par>
-        <p:cTn id="1" dur="indefinite" restart="never" nodeType="tmRoot"/>
-      </p:par>
-    </p:tnLst>
-  </p:timing>
 </p:sld>
 </file>
 
@@ -25141,7 +24919,7 @@
               <a:defRPr/>
             </a:pPr>
             <a:r>
-              <a:rPr lang="en-US" altLang="ko-KR" sz="3800" kern="0" dirty="0" err="1" smtClean="0">
+              <a:rPr lang="en-US" altLang="ko-KR" sz="3800" kern="0" dirty="0" err="1">
                 <a:solidFill>
                   <a:schemeClr val="tx1"/>
                 </a:solidFill>
@@ -25151,7 +24929,7 @@
               </a:rPr>
               <a:t>GoogLeNet</a:t>
             </a:r>
-            <a:endParaRPr lang="ko-KR" altLang="en-US" sz="3800" kern="0" dirty="0" smtClean="0">
+            <a:endParaRPr lang="ko-KR" altLang="en-US" sz="3800" kern="0" dirty="0">
               <a:solidFill>
                 <a:schemeClr val="tx1"/>
               </a:solidFill>
@@ -25355,7 +25133,7 @@
               <a:defRPr/>
             </a:pPr>
             <a:r>
-              <a:rPr lang="en-US" altLang="ko-KR" sz="3800" kern="0" dirty="0" smtClean="0">
+              <a:rPr lang="en-US" altLang="ko-KR" sz="3800" kern="0" dirty="0">
                 <a:solidFill>
                   <a:srgbClr val="0070C0"/>
                 </a:solidFill>
@@ -25365,7 +25143,7 @@
               </a:rPr>
               <a:t>01.</a:t>
             </a:r>
-            <a:endParaRPr lang="ko-KR" altLang="en-US" sz="3800" kern="0" dirty="0" smtClean="0">
+            <a:endParaRPr lang="ko-KR" altLang="en-US" sz="3800" kern="0" dirty="0">
               <a:solidFill>
                 <a:srgbClr val="0070C0"/>
               </a:solidFill>
@@ -25381,13 +25159,6 @@
   <p:clrMapOvr>
     <a:masterClrMapping/>
   </p:clrMapOvr>
-  <p:timing>
-    <p:tnLst>
-      <p:par>
-        <p:cTn id="1" dur="indefinite" restart="never" nodeType="tmRoot"/>
-      </p:par>
-    </p:tnLst>
-  </p:timing>
 </p:sld>
 </file>
 
@@ -25698,7 +25469,7 @@
               <a:defRPr/>
             </a:pPr>
             <a:r>
-              <a:rPr lang="en-US" sz="2000" b="1" dirty="0" err="1" smtClean="0">
+              <a:rPr lang="en-US" sz="2000" b="1" dirty="0" err="1">
                 <a:gradFill>
                   <a:gsLst>
                     <a:gs pos="0">
@@ -26023,7 +25794,7 @@
               <a:defRPr/>
             </a:pPr>
             <a:r>
-              <a:rPr lang="en-US" altLang="ko-KR" sz="1400" dirty="0" err="1" smtClean="0">
+              <a:rPr lang="en-US" altLang="ko-KR" sz="1400" dirty="0" err="1">
                 <a:solidFill>
                   <a:schemeClr val="tx1"/>
                 </a:solidFill>
@@ -26033,7 +25804,7 @@
               <a:t>GoogLeNet</a:t>
             </a:r>
             <a:r>
-              <a:rPr lang="ko-KR" altLang="en-US" sz="1400" dirty="0" smtClean="0">
+              <a:rPr lang="ko-KR" altLang="en-US" sz="1400" dirty="0">
                 <a:solidFill>
                   <a:schemeClr val="tx1"/>
                 </a:solidFill>
@@ -26043,7 +25814,7 @@
               <a:t>은 </a:t>
             </a:r>
             <a:r>
-              <a:rPr lang="en-US" altLang="ko-KR" sz="1400" dirty="0" smtClean="0">
+              <a:rPr lang="en-US" altLang="ko-KR" sz="1400" dirty="0">
                 <a:solidFill>
                   <a:schemeClr val="tx1"/>
                 </a:solidFill>
@@ -26060,20 +25831,10 @@
                 <a:latin typeface="나눔고딕" panose="020D0604000000000000" pitchFamily="50" charset="-127"/>
                 <a:ea typeface="나눔고딕" panose="020D0604000000000000" pitchFamily="50" charset="-127"/>
               </a:rPr>
-              <a:t> </a:t>
+              <a:t> 대회에서 </a:t>
             </a:r>
             <a:r>
-              <a:rPr lang="ko-KR" altLang="en-US" sz="1400" dirty="0" smtClean="0">
-                <a:solidFill>
-                  <a:schemeClr val="tx1"/>
-                </a:solidFill>
-                <a:latin typeface="나눔고딕" panose="020D0604000000000000" pitchFamily="50" charset="-127"/>
-                <a:ea typeface="나눔고딕" panose="020D0604000000000000" pitchFamily="50" charset="-127"/>
-              </a:rPr>
-              <a:t>대회에서 </a:t>
-            </a:r>
-            <a:r>
-              <a:rPr lang="en-US" altLang="ko-KR" sz="1400" dirty="0" smtClean="0">
+              <a:rPr lang="en-US" altLang="ko-KR" sz="1400" dirty="0">
                 <a:solidFill>
                   <a:schemeClr val="tx1"/>
                 </a:solidFill>
@@ -26083,7 +25844,7 @@
               <a:t>2014</a:t>
             </a:r>
             <a:r>
-              <a:rPr lang="ko-KR" altLang="en-US" sz="1400" dirty="0" smtClean="0">
+              <a:rPr lang="ko-KR" altLang="en-US" sz="1400" dirty="0">
                 <a:solidFill>
                   <a:schemeClr val="tx1"/>
                 </a:solidFill>
@@ -26093,7 +25854,7 @@
               <a:t>년에 </a:t>
             </a:r>
             <a:r>
-              <a:rPr lang="en-US" altLang="ko-KR" sz="1400" dirty="0" smtClean="0">
+              <a:rPr lang="en-US" altLang="ko-KR" sz="1400" dirty="0">
                 <a:solidFill>
                   <a:schemeClr val="tx1"/>
                 </a:solidFill>
@@ -26103,7 +25864,7 @@
               <a:t>1</a:t>
             </a:r>
             <a:r>
-              <a:rPr lang="ko-KR" altLang="en-US" sz="1400" dirty="0" smtClean="0">
+              <a:rPr lang="ko-KR" altLang="en-US" sz="1400" dirty="0">
                 <a:solidFill>
                   <a:schemeClr val="tx1"/>
                 </a:solidFill>
@@ -26112,7 +25873,7 @@
               </a:rPr>
               <a:t>등을 한 모델</a:t>
             </a:r>
-            <a:endParaRPr lang="en-US" altLang="ko-KR" sz="1400" dirty="0" smtClean="0">
+            <a:endParaRPr lang="en-US" altLang="ko-KR" sz="1400" dirty="0">
               <a:solidFill>
                 <a:schemeClr val="tx1"/>
               </a:solidFill>
@@ -26128,7 +25889,7 @@
               <a:defRPr/>
             </a:pPr>
             <a:r>
-              <a:rPr lang="en-US" altLang="ko-KR" sz="1400" dirty="0" err="1" smtClean="0">
+              <a:rPr lang="en-US" altLang="ko-KR" sz="1400" dirty="0" err="1">
                 <a:solidFill>
                   <a:schemeClr val="tx1"/>
                 </a:solidFill>
@@ -26138,7 +25899,7 @@
               <a:t>GoogLeNet</a:t>
             </a:r>
             <a:r>
-              <a:rPr lang="ko-KR" altLang="en-US" sz="1400" dirty="0" smtClean="0">
+              <a:rPr lang="ko-KR" altLang="en-US" sz="1400" dirty="0">
                 <a:solidFill>
                   <a:schemeClr val="tx1"/>
                 </a:solidFill>
@@ -26148,7 +25909,7 @@
               <a:t>은 </a:t>
             </a:r>
             <a:r>
-              <a:rPr lang="en-US" altLang="ko-KR" sz="1400" dirty="0" smtClean="0">
+              <a:rPr lang="en-US" altLang="ko-KR" sz="1400" dirty="0">
                 <a:solidFill>
                   <a:schemeClr val="tx1"/>
                 </a:solidFill>
@@ -26158,7 +25919,7 @@
               <a:t>Inception</a:t>
             </a:r>
             <a:r>
-              <a:rPr lang="ko-KR" altLang="en-US" sz="1400" dirty="0" smtClean="0">
+              <a:rPr lang="ko-KR" altLang="en-US" sz="1400" dirty="0">
                 <a:solidFill>
                   <a:schemeClr val="tx1"/>
                 </a:solidFill>
@@ -26178,7 +25939,7 @@
               <a:t> </a:t>
             </a:r>
             <a:r>
-              <a:rPr lang="ko-KR" altLang="en-US" sz="1400" dirty="0" smtClean="0">
+              <a:rPr lang="ko-KR" altLang="en-US" sz="1400" dirty="0">
                 <a:solidFill>
                   <a:schemeClr val="tx1"/>
                 </a:solidFill>
@@ -26188,7 +25949,7 @@
               <a:t>여러 버전 중 하나이고</a:t>
             </a:r>
             <a:r>
-              <a:rPr lang="en-US" altLang="ko-KR" sz="1400" dirty="0" smtClean="0">
+              <a:rPr lang="en-US" altLang="ko-KR" sz="1400" dirty="0">
                 <a:solidFill>
                   <a:schemeClr val="tx1"/>
                 </a:solidFill>
@@ -26198,7 +25959,7 @@
               <a:t>, </a:t>
             </a:r>
             <a:r>
-              <a:rPr lang="ko-KR" altLang="en-US" sz="1400" dirty="0" smtClean="0">
+              <a:rPr lang="ko-KR" altLang="en-US" sz="1400" dirty="0">
                 <a:solidFill>
                   <a:schemeClr val="tx1"/>
                 </a:solidFill>
@@ -26208,7 +25969,7 @@
               <a:t>버전은 </a:t>
             </a:r>
             <a:r>
-              <a:rPr lang="en-US" altLang="ko-KR" sz="1400" dirty="0" smtClean="0">
+              <a:rPr lang="en-US" altLang="ko-KR" sz="1400" dirty="0">
                 <a:solidFill>
                   <a:schemeClr val="tx1"/>
                 </a:solidFill>
@@ -26218,7 +25979,7 @@
               <a:t>Inception-v1 </a:t>
             </a:r>
             <a:r>
-              <a:rPr lang="ko-KR" altLang="en-US" sz="1400" dirty="0" smtClean="0">
+              <a:rPr lang="ko-KR" altLang="en-US" sz="1400" dirty="0">
                 <a:solidFill>
                   <a:schemeClr val="tx1"/>
                 </a:solidFill>
@@ -26227,13 +25988,6 @@
               </a:rPr>
               <a:t>이다</a:t>
             </a:r>
-            <a:endParaRPr lang="ko-KR" altLang="en-US" sz="1400" dirty="0">
-              <a:solidFill>
-                <a:schemeClr val="tx1"/>
-              </a:solidFill>
-              <a:latin typeface="나눔고딕" panose="020D0604000000000000" pitchFamily="50" charset="-127"/>
-              <a:ea typeface="나눔고딕" panose="020D0604000000000000" pitchFamily="50" charset="-127"/>
-            </a:endParaRPr>
           </a:p>
         </p:txBody>
       </p:sp>
@@ -26429,20 +26183,20 @@
               <a:buNone/>
             </a:pPr>
             <a:r>
-              <a:rPr lang="en-US" altLang="ko-KR" sz="2800" kern="0" dirty="0" smtClean="0">
+              <a:rPr lang="en-US" altLang="ko-KR" sz="2800" kern="0" dirty="0">
                 <a:latin typeface="나눔고딕 ExtraBold" panose="020D0904000000000000" pitchFamily="50" charset="-127"/>
                 <a:ea typeface="나눔고딕 ExtraBold" panose="020D0904000000000000" pitchFamily="50" charset="-127"/>
               </a:rPr>
               <a:t>1. </a:t>
             </a:r>
             <a:r>
-              <a:rPr lang="en-US" altLang="ko-KR" sz="2800" kern="0" dirty="0" err="1" smtClean="0">
+              <a:rPr lang="en-US" altLang="ko-KR" sz="2800" kern="0" dirty="0" err="1">
                 <a:latin typeface="나눔고딕 ExtraBold" panose="020D0904000000000000" pitchFamily="50" charset="-127"/>
                 <a:ea typeface="나눔고딕 ExtraBold" panose="020D0904000000000000" pitchFamily="50" charset="-127"/>
               </a:rPr>
               <a:t>GoogLeNet</a:t>
             </a:r>
-            <a:endParaRPr lang="ko-KR" altLang="en-US" sz="2800" kern="0" dirty="0" smtClean="0">
+            <a:endParaRPr lang="ko-KR" altLang="en-US" sz="2800" kern="0" dirty="0">
               <a:latin typeface="나눔고딕 ExtraBold" panose="020D0904000000000000" pitchFamily="50" charset="-127"/>
               <a:ea typeface="나눔고딕 ExtraBold" panose="020D0904000000000000" pitchFamily="50" charset="-127"/>
             </a:endParaRPr>
@@ -26739,7 +26493,7 @@
               <a:defRPr/>
             </a:pPr>
             <a:r>
-              <a:rPr lang="ko-KR" altLang="en-US" sz="1400" dirty="0" smtClean="0">
+              <a:rPr lang="ko-KR" altLang="en-US" sz="1400" dirty="0">
                 <a:solidFill>
                   <a:schemeClr val="tx1"/>
                 </a:solidFill>
@@ -26748,13 +26502,6 @@
               </a:rPr>
               <a:t>구글의 가설</a:t>
             </a:r>
-            <a:endParaRPr lang="ko-KR" altLang="en-US" sz="1400" dirty="0">
-              <a:solidFill>
-                <a:schemeClr val="tx1"/>
-              </a:solidFill>
-              <a:latin typeface="나눔고딕" panose="020D0604000000000000" pitchFamily="50" charset="-127"/>
-              <a:ea typeface="나눔고딕" panose="020D0604000000000000" pitchFamily="50" charset="-127"/>
-            </a:endParaRPr>
           </a:p>
         </p:txBody>
       </p:sp>
@@ -26784,27 +26531,27 @@
               <a:buChar char="ü"/>
             </a:pPr>
             <a:r>
-              <a:rPr lang="ko-KR" altLang="en-US" sz="1400" dirty="0" smtClean="0">
+              <a:rPr lang="ko-KR" altLang="en-US" sz="1400" dirty="0">
                 <a:latin typeface="나눔고딕" panose="020D0604000000000000" pitchFamily="50" charset="-127"/>
                 <a:ea typeface="나눔고딕" panose="020D0604000000000000" pitchFamily="50" charset="-127"/>
               </a:rPr>
               <a:t>대용량 데이터를 학습할 때</a:t>
             </a:r>
             <a:r>
-              <a:rPr lang="en-US" altLang="ko-KR" sz="1400" dirty="0" smtClean="0">
+              <a:rPr lang="en-US" altLang="ko-KR" sz="1400" dirty="0">
                 <a:latin typeface="나눔고딕" panose="020D0604000000000000" pitchFamily="50" charset="-127"/>
                 <a:ea typeface="나눔고딕" panose="020D0604000000000000" pitchFamily="50" charset="-127"/>
               </a:rPr>
               <a:t>, </a:t>
             </a:r>
             <a:r>
-              <a:rPr lang="ko-KR" altLang="en-US" sz="1400" dirty="0" smtClean="0">
+              <a:rPr lang="ko-KR" altLang="en-US" sz="1400" dirty="0">
                 <a:latin typeface="나눔고딕" panose="020D0604000000000000" pitchFamily="50" charset="-127"/>
                 <a:ea typeface="나눔고딕" panose="020D0604000000000000" pitchFamily="50" charset="-127"/>
               </a:rPr>
               <a:t>일반적으로 망이 깊고 레이어가 넓을 수록 성능이 좋음</a:t>
             </a:r>
-            <a:endParaRPr lang="en-US" altLang="ko-KR" sz="1400" dirty="0" smtClean="0">
+            <a:endParaRPr lang="en-US" altLang="ko-KR" sz="1400" dirty="0">
               <a:latin typeface="나눔고딕" panose="020D0604000000000000" pitchFamily="50" charset="-127"/>
               <a:ea typeface="나눔고딕" panose="020D0604000000000000" pitchFamily="50" charset="-127"/>
             </a:endParaRPr>
@@ -26818,77 +26565,77 @@
               <a:buChar char="ü"/>
             </a:pPr>
             <a:r>
-              <a:rPr lang="ko-KR" altLang="en-US" sz="1400" dirty="0" smtClean="0">
+              <a:rPr lang="ko-KR" altLang="en-US" sz="1400" dirty="0">
                 <a:latin typeface="나눔고딕" panose="020D0604000000000000" pitchFamily="50" charset="-127"/>
                 <a:ea typeface="나눔고딕" panose="020D0604000000000000" pitchFamily="50" charset="-127"/>
               </a:rPr>
               <a:t>하지만</a:t>
             </a:r>
             <a:r>
-              <a:rPr lang="en-US" altLang="ko-KR" sz="1400" dirty="0" smtClean="0">
+              <a:rPr lang="en-US" altLang="ko-KR" sz="1400" dirty="0">
                 <a:latin typeface="나눔고딕" panose="020D0604000000000000" pitchFamily="50" charset="-127"/>
                 <a:ea typeface="나눔고딕" panose="020D0604000000000000" pitchFamily="50" charset="-127"/>
               </a:rPr>
               <a:t> </a:t>
             </a:r>
             <a:r>
-              <a:rPr lang="ko-KR" altLang="en-US" sz="1400" dirty="0" err="1" smtClean="0">
+              <a:rPr lang="ko-KR" altLang="en-US" sz="1400" dirty="0" err="1">
                 <a:latin typeface="나눔고딕" panose="020D0604000000000000" pitchFamily="50" charset="-127"/>
                 <a:ea typeface="나눔고딕" panose="020D0604000000000000" pitchFamily="50" charset="-127"/>
               </a:rPr>
               <a:t>파라미터가</a:t>
             </a:r>
             <a:r>
-              <a:rPr lang="ko-KR" altLang="en-US" sz="1400" dirty="0" smtClean="0">
+              <a:rPr lang="ko-KR" altLang="en-US" sz="1400" dirty="0">
                 <a:latin typeface="나눔고딕" panose="020D0604000000000000" pitchFamily="50" charset="-127"/>
                 <a:ea typeface="나눔고딕" panose="020D0604000000000000" pitchFamily="50" charset="-127"/>
               </a:rPr>
               <a:t> 많이 늘어나고</a:t>
             </a:r>
             <a:r>
-              <a:rPr lang="en-US" altLang="ko-KR" sz="1400" dirty="0" smtClean="0">
+              <a:rPr lang="en-US" altLang="ko-KR" sz="1400" dirty="0">
                 <a:latin typeface="나눔고딕" panose="020D0604000000000000" pitchFamily="50" charset="-127"/>
                 <a:ea typeface="나눔고딕" panose="020D0604000000000000" pitchFamily="50" charset="-127"/>
               </a:rPr>
               <a:t>, </a:t>
             </a:r>
             <a:r>
-              <a:rPr lang="ko-KR" altLang="en-US" sz="1400" dirty="0" err="1" smtClean="0">
+              <a:rPr lang="ko-KR" altLang="en-US" sz="1400" dirty="0" err="1">
                 <a:latin typeface="나눔고딕" panose="020D0604000000000000" pitchFamily="50" charset="-127"/>
                 <a:ea typeface="나눔고딕" panose="020D0604000000000000" pitchFamily="50" charset="-127"/>
               </a:rPr>
               <a:t>연산량이</a:t>
             </a:r>
             <a:r>
-              <a:rPr lang="ko-KR" altLang="en-US" sz="1400" dirty="0" smtClean="0">
+              <a:rPr lang="ko-KR" altLang="en-US" sz="1400" dirty="0">
                 <a:latin typeface="나눔고딕" panose="020D0604000000000000" pitchFamily="50" charset="-127"/>
                 <a:ea typeface="나눔고딕" panose="020D0604000000000000" pitchFamily="50" charset="-127"/>
               </a:rPr>
               <a:t> 많아지면</a:t>
             </a:r>
             <a:r>
-              <a:rPr lang="en-US" altLang="ko-KR" sz="1400" dirty="0" smtClean="0">
+              <a:rPr lang="en-US" altLang="ko-KR" sz="1400" dirty="0">
                 <a:latin typeface="나눔고딕" panose="020D0604000000000000" pitchFamily="50" charset="-127"/>
                 <a:ea typeface="나눔고딕" panose="020D0604000000000000" pitchFamily="50" charset="-127"/>
               </a:rPr>
               <a:t>, </a:t>
             </a:r>
             <a:r>
-              <a:rPr lang="ko-KR" altLang="en-US" sz="1400" dirty="0" err="1" smtClean="0">
+              <a:rPr lang="ko-KR" altLang="en-US" sz="1400" dirty="0" err="1">
                 <a:latin typeface="나눔고딕" panose="020D0604000000000000" pitchFamily="50" charset="-127"/>
                 <a:ea typeface="나눔고딕" panose="020D0604000000000000" pitchFamily="50" charset="-127"/>
               </a:rPr>
               <a:t>과적합</a:t>
             </a:r>
             <a:r>
-              <a:rPr lang="en-US" altLang="ko-KR" sz="1400" dirty="0" smtClean="0">
+              <a:rPr lang="en-US" altLang="ko-KR" sz="1400" dirty="0">
                 <a:latin typeface="나눔고딕" panose="020D0604000000000000" pitchFamily="50" charset="-127"/>
                 <a:ea typeface="나눔고딕" panose="020D0604000000000000" pitchFamily="50" charset="-127"/>
               </a:rPr>
               <a:t>,</a:t>
             </a:r>
             <a:r>
-              <a:rPr lang="ko-KR" altLang="en-US" sz="1400" dirty="0" smtClean="0">
+              <a:rPr lang="ko-KR" altLang="en-US" sz="1400" dirty="0">
                 <a:latin typeface="나눔고딕" panose="020D0604000000000000" pitchFamily="50" charset="-127"/>
                 <a:ea typeface="나눔고딕" panose="020D0604000000000000" pitchFamily="50" charset="-127"/>
               </a:rPr>
@@ -27191,7 +26938,7 @@
               <a:defRPr/>
             </a:pPr>
             <a:r>
-              <a:rPr lang="en-US" altLang="ko-KR" sz="1400" dirty="0" smtClean="0">
+              <a:rPr lang="en-US" altLang="ko-KR" sz="1400" dirty="0">
                 <a:solidFill>
                   <a:schemeClr val="tx1"/>
                 </a:solidFill>
@@ -27201,7 +26948,7 @@
               <a:t>Network</a:t>
             </a:r>
             <a:r>
-              <a:rPr lang="ko-KR" altLang="en-US" sz="1400" dirty="0" smtClean="0">
+              <a:rPr lang="ko-KR" altLang="en-US" sz="1400" dirty="0">
                 <a:solidFill>
                   <a:schemeClr val="tx1"/>
                 </a:solidFill>
@@ -27211,7 +26958,7 @@
               <a:t>를 </a:t>
             </a:r>
             <a:r>
-              <a:rPr lang="en-US" altLang="ko-KR" sz="1400" dirty="0" smtClean="0">
+              <a:rPr lang="en-US" altLang="ko-KR" sz="1400" dirty="0">
                 <a:solidFill>
                   <a:schemeClr val="tx1"/>
                 </a:solidFill>
@@ -27221,7 +26968,7 @@
               <a:t>Sparse</a:t>
             </a:r>
             <a:r>
-              <a:rPr lang="ko-KR" altLang="en-US" sz="1400" dirty="0" smtClean="0">
+              <a:rPr lang="ko-KR" altLang="en-US" sz="1400" dirty="0">
                 <a:solidFill>
                   <a:schemeClr val="tx1"/>
                 </a:solidFill>
@@ -27230,13 +26977,6 @@
               </a:rPr>
               <a:t>하게 연결</a:t>
             </a:r>
-            <a:endParaRPr lang="ko-KR" altLang="en-US" sz="1400" dirty="0">
-              <a:solidFill>
-                <a:schemeClr val="tx1"/>
-              </a:solidFill>
-              <a:latin typeface="나눔고딕" panose="020D0604000000000000" pitchFamily="50" charset="-127"/>
-              <a:ea typeface="나눔고딕" panose="020D0604000000000000" pitchFamily="50" charset="-127"/>
-            </a:endParaRPr>
           </a:p>
         </p:txBody>
       </p:sp>
@@ -27274,13 +27014,6 @@
   <p:clrMapOvr>
     <a:masterClrMapping/>
   </p:clrMapOvr>
-  <p:timing>
-    <p:tnLst>
-      <p:par>
-        <p:cTn id="1" dur="indefinite" restart="never" nodeType="tmRoot"/>
-      </p:par>
-    </p:tnLst>
-  </p:timing>
 </p:sld>
 </file>
 
@@ -27591,7 +27324,7 @@
               <a:defRPr/>
             </a:pPr>
             <a:r>
-              <a:rPr lang="en-US" sz="2000" b="1" dirty="0" err="1" smtClean="0">
+              <a:rPr lang="en-US" sz="2000" b="1" dirty="0" err="1">
                 <a:gradFill>
                   <a:gsLst>
                     <a:gs pos="0">
@@ -27609,7 +27342,7 @@
               <a:t>GoogLeNet</a:t>
             </a:r>
             <a:r>
-              <a:rPr lang="en-US" sz="2000" b="1" dirty="0" smtClean="0">
+              <a:rPr lang="en-US" sz="2000" b="1" dirty="0">
                 <a:gradFill>
                   <a:gsLst>
                     <a:gs pos="0">
@@ -27934,7 +27667,7 @@
               <a:defRPr/>
             </a:pPr>
             <a:r>
-              <a:rPr lang="en-US" altLang="ko-KR" sz="1400" dirty="0" smtClean="0">
+              <a:rPr lang="en-US" altLang="ko-KR" sz="1400" dirty="0">
                 <a:solidFill>
                   <a:schemeClr val="tx1"/>
                 </a:solidFill>
@@ -28145,20 +27878,20 @@
               <a:buNone/>
             </a:pPr>
             <a:r>
-              <a:rPr lang="en-US" altLang="ko-KR" sz="2800" kern="0" dirty="0" smtClean="0">
+              <a:rPr lang="en-US" altLang="ko-KR" sz="2800" kern="0" dirty="0">
                 <a:latin typeface="나눔고딕 ExtraBold" panose="020D0904000000000000" pitchFamily="50" charset="-127"/>
                 <a:ea typeface="나눔고딕 ExtraBold" panose="020D0904000000000000" pitchFamily="50" charset="-127"/>
               </a:rPr>
               <a:t>1. </a:t>
             </a:r>
             <a:r>
-              <a:rPr lang="en-US" altLang="ko-KR" sz="2800" kern="0" dirty="0" err="1" smtClean="0">
+              <a:rPr lang="en-US" altLang="ko-KR" sz="2800" kern="0" dirty="0" err="1">
                 <a:latin typeface="나눔고딕 ExtraBold" panose="020D0904000000000000" pitchFamily="50" charset="-127"/>
                 <a:ea typeface="나눔고딕 ExtraBold" panose="020D0904000000000000" pitchFamily="50" charset="-127"/>
               </a:rPr>
               <a:t>GoogLeNet</a:t>
             </a:r>
-            <a:endParaRPr lang="ko-KR" altLang="en-US" sz="2800" kern="0" dirty="0" smtClean="0">
+            <a:endParaRPr lang="ko-KR" altLang="en-US" sz="2800" kern="0" dirty="0">
               <a:latin typeface="나눔고딕 ExtraBold" panose="020D0904000000000000" pitchFamily="50" charset="-127"/>
               <a:ea typeface="나눔고딕 ExtraBold" panose="020D0904000000000000" pitchFamily="50" charset="-127"/>
             </a:endParaRPr>
@@ -28194,35 +27927,35 @@
               <a:buChar char="ü"/>
             </a:pPr>
             <a:r>
-              <a:rPr lang="en-US" altLang="ko-KR" sz="1400" dirty="0" smtClean="0">
+              <a:rPr lang="en-US" altLang="ko-KR" sz="1400" dirty="0">
                 <a:latin typeface="나눔고딕" panose="020D0604000000000000" pitchFamily="50" charset="-127"/>
                 <a:ea typeface="나눔고딕" panose="020D0604000000000000" pitchFamily="50" charset="-127"/>
               </a:rPr>
               <a:t>22</a:t>
             </a:r>
             <a:r>
-              <a:rPr lang="ko-KR" altLang="en-US" sz="1400" dirty="0" smtClean="0">
+              <a:rPr lang="ko-KR" altLang="en-US" sz="1400" dirty="0">
                 <a:latin typeface="나눔고딕" panose="020D0604000000000000" pitchFamily="50" charset="-127"/>
                 <a:ea typeface="나눔고딕" panose="020D0604000000000000" pitchFamily="50" charset="-127"/>
               </a:rPr>
               <a:t>층으로 이루어진 모델</a:t>
             </a:r>
             <a:r>
-              <a:rPr lang="en-US" altLang="ko-KR" sz="1400" dirty="0" smtClean="0">
+              <a:rPr lang="en-US" altLang="ko-KR" sz="1400" dirty="0">
                 <a:latin typeface="나눔고딕" panose="020D0604000000000000" pitchFamily="50" charset="-127"/>
                 <a:ea typeface="나눔고딕" panose="020D0604000000000000" pitchFamily="50" charset="-127"/>
               </a:rPr>
               <a:t>, 6</a:t>
             </a:r>
             <a:r>
-              <a:rPr lang="ko-KR" altLang="en-US" sz="1400" dirty="0" smtClean="0">
+              <a:rPr lang="ko-KR" altLang="en-US" sz="1400" dirty="0">
                 <a:latin typeface="나눔고딕" panose="020D0604000000000000" pitchFamily="50" charset="-127"/>
                 <a:ea typeface="나눔고딕" panose="020D0604000000000000" pitchFamily="50" charset="-127"/>
               </a:rPr>
               <a:t>개의 </a:t>
             </a:r>
             <a:r>
-              <a:rPr lang="en-US" altLang="ko-KR" sz="1400" dirty="0" smtClean="0">
+              <a:rPr lang="en-US" altLang="ko-KR" sz="1400" dirty="0">
                 <a:latin typeface="나눔고딕" panose="020D0604000000000000" pitchFamily="50" charset="-127"/>
                 <a:ea typeface="나눔고딕" panose="020D0604000000000000" pitchFamily="50" charset="-127"/>
               </a:rPr>
@@ -28238,42 +27971,42 @@
               <a:buChar char="ü"/>
             </a:pPr>
             <a:r>
-              <a:rPr lang="en-US" altLang="ko-KR" sz="1400" dirty="0" smtClean="0">
+              <a:rPr lang="en-US" altLang="ko-KR" sz="1400" dirty="0">
                 <a:latin typeface="나눔고딕" panose="020D0604000000000000" pitchFamily="50" charset="-127"/>
                 <a:ea typeface="나눔고딕" panose="020D0604000000000000" pitchFamily="50" charset="-127"/>
               </a:rPr>
               <a:t>Inception</a:t>
             </a:r>
             <a:r>
-              <a:rPr lang="ko-KR" altLang="en-US" sz="1400" dirty="0" smtClean="0">
+              <a:rPr lang="ko-KR" altLang="en-US" sz="1400" dirty="0">
                 <a:latin typeface="나눔고딕" panose="020D0604000000000000" pitchFamily="50" charset="-127"/>
                 <a:ea typeface="나눔고딕" panose="020D0604000000000000" pitchFamily="50" charset="-127"/>
               </a:rPr>
               <a:t>은 </a:t>
             </a:r>
             <a:r>
-              <a:rPr lang="en-US" altLang="ko-KR" sz="1400" dirty="0" smtClean="0">
+              <a:rPr lang="en-US" altLang="ko-KR" sz="1400" dirty="0">
                 <a:latin typeface="나눔고딕" panose="020D0604000000000000" pitchFamily="50" charset="-127"/>
                 <a:ea typeface="나눔고딕" panose="020D0604000000000000" pitchFamily="50" charset="-127"/>
               </a:rPr>
               <a:t>4</a:t>
             </a:r>
             <a:r>
-              <a:rPr lang="ko-KR" altLang="en-US" sz="1400" dirty="0" smtClean="0">
+              <a:rPr lang="ko-KR" altLang="en-US" sz="1400" dirty="0">
                 <a:latin typeface="나눔고딕" panose="020D0604000000000000" pitchFamily="50" charset="-127"/>
                 <a:ea typeface="나눔고딕" panose="020D0604000000000000" pitchFamily="50" charset="-127"/>
               </a:rPr>
               <a:t>개의 </a:t>
             </a:r>
             <a:r>
-              <a:rPr lang="en-US" altLang="ko-KR" sz="1400" dirty="0" smtClean="0">
+              <a:rPr lang="en-US" altLang="ko-KR" sz="1400" dirty="0">
                 <a:latin typeface="나눔고딕" panose="020D0604000000000000" pitchFamily="50" charset="-127"/>
                 <a:ea typeface="나눔고딕" panose="020D0604000000000000" pitchFamily="50" charset="-127"/>
               </a:rPr>
               <a:t>Path</a:t>
             </a:r>
             <a:r>
-              <a:rPr lang="ko-KR" altLang="en-US" sz="1400" dirty="0" smtClean="0">
+              <a:rPr lang="ko-KR" altLang="en-US" sz="1400" dirty="0">
                 <a:latin typeface="나눔고딕" panose="020D0604000000000000" pitchFamily="50" charset="-127"/>
                 <a:ea typeface="나눔고딕" panose="020D0604000000000000" pitchFamily="50" charset="-127"/>
               </a:rPr>
@@ -28337,13 +28070,6 @@
   <p:clrMapOvr>
     <a:masterClrMapping/>
   </p:clrMapOvr>
-  <p:timing>
-    <p:tnLst>
-      <p:par>
-        <p:cTn id="1" dur="indefinite" restart="never" nodeType="tmRoot"/>
-      </p:par>
-    </p:tnLst>
-  </p:timing>
 </p:sld>
 </file>
 
@@ -28654,7 +28380,7 @@
               <a:defRPr/>
             </a:pPr>
             <a:r>
-              <a:rPr lang="en-US" sz="2000" b="1" dirty="0" err="1" smtClean="0">
+              <a:rPr lang="en-US" sz="2000" b="1" dirty="0" err="1">
                 <a:gradFill>
                   <a:gsLst>
                     <a:gs pos="0">
@@ -28672,7 +28398,7 @@
               <a:t>GoogLeNet</a:t>
             </a:r>
             <a:r>
-              <a:rPr lang="en-US" sz="2000" b="1" dirty="0" smtClean="0">
+              <a:rPr lang="en-US" sz="2000" b="1" dirty="0">
                 <a:gradFill>
                   <a:gsLst>
                     <a:gs pos="0">
@@ -28997,7 +28723,7 @@
               <a:defRPr/>
             </a:pPr>
             <a:r>
-              <a:rPr lang="en-US" altLang="ko-KR" sz="1400" dirty="0" smtClean="0">
+              <a:rPr lang="en-US" altLang="ko-KR" sz="1400" dirty="0">
                 <a:solidFill>
                   <a:schemeClr val="tx1"/>
                 </a:solidFill>
@@ -29208,20 +28934,20 @@
               <a:buNone/>
             </a:pPr>
             <a:r>
-              <a:rPr lang="en-US" altLang="ko-KR" sz="2800" kern="0" dirty="0" smtClean="0">
+              <a:rPr lang="en-US" altLang="ko-KR" sz="2800" kern="0" dirty="0">
                 <a:latin typeface="나눔고딕 ExtraBold" panose="020D0904000000000000" pitchFamily="50" charset="-127"/>
                 <a:ea typeface="나눔고딕 ExtraBold" panose="020D0904000000000000" pitchFamily="50" charset="-127"/>
               </a:rPr>
               <a:t>1. </a:t>
             </a:r>
             <a:r>
-              <a:rPr lang="en-US" altLang="ko-KR" sz="2800" kern="0" dirty="0" err="1" smtClean="0">
+              <a:rPr lang="en-US" altLang="ko-KR" sz="2800" kern="0" dirty="0" err="1">
                 <a:latin typeface="나눔고딕 ExtraBold" panose="020D0904000000000000" pitchFamily="50" charset="-127"/>
                 <a:ea typeface="나눔고딕 ExtraBold" panose="020D0904000000000000" pitchFamily="50" charset="-127"/>
               </a:rPr>
               <a:t>GoogLeNet</a:t>
             </a:r>
-            <a:endParaRPr lang="ko-KR" altLang="en-US" sz="2800" kern="0" dirty="0" smtClean="0">
+            <a:endParaRPr lang="ko-KR" altLang="en-US" sz="2800" kern="0" dirty="0">
               <a:latin typeface="나눔고딕 ExtraBold" panose="020D0904000000000000" pitchFamily="50" charset="-127"/>
               <a:ea typeface="나눔고딕 ExtraBold" panose="020D0904000000000000" pitchFamily="50" charset="-127"/>
             </a:endParaRPr>
@@ -29257,35 +28983,35 @@
               <a:buChar char="ü"/>
             </a:pPr>
             <a:r>
-              <a:rPr lang="en-US" altLang="ko-KR" sz="1400" dirty="0" smtClean="0">
+              <a:rPr lang="en-US" altLang="ko-KR" sz="1400" dirty="0">
                 <a:latin typeface="나눔고딕" panose="020D0604000000000000" pitchFamily="50" charset="-127"/>
                 <a:ea typeface="나눔고딕" panose="020D0604000000000000" pitchFamily="50" charset="-127"/>
               </a:rPr>
               <a:t>22</a:t>
             </a:r>
             <a:r>
-              <a:rPr lang="ko-KR" altLang="en-US" sz="1400" dirty="0" smtClean="0">
+              <a:rPr lang="ko-KR" altLang="en-US" sz="1400" dirty="0">
                 <a:latin typeface="나눔고딕" panose="020D0604000000000000" pitchFamily="50" charset="-127"/>
                 <a:ea typeface="나눔고딕" panose="020D0604000000000000" pitchFamily="50" charset="-127"/>
               </a:rPr>
               <a:t>층으로 이루어진 모델</a:t>
             </a:r>
             <a:r>
-              <a:rPr lang="en-US" altLang="ko-KR" sz="1400" dirty="0" smtClean="0">
+              <a:rPr lang="en-US" altLang="ko-KR" sz="1400" dirty="0">
                 <a:latin typeface="나눔고딕" panose="020D0604000000000000" pitchFamily="50" charset="-127"/>
                 <a:ea typeface="나눔고딕" panose="020D0604000000000000" pitchFamily="50" charset="-127"/>
               </a:rPr>
               <a:t>, 6</a:t>
             </a:r>
             <a:r>
-              <a:rPr lang="ko-KR" altLang="en-US" sz="1400" dirty="0" smtClean="0">
+              <a:rPr lang="ko-KR" altLang="en-US" sz="1400" dirty="0">
                 <a:latin typeface="나눔고딕" panose="020D0604000000000000" pitchFamily="50" charset="-127"/>
                 <a:ea typeface="나눔고딕" panose="020D0604000000000000" pitchFamily="50" charset="-127"/>
               </a:rPr>
               <a:t>개의 </a:t>
             </a:r>
             <a:r>
-              <a:rPr lang="en-US" altLang="ko-KR" sz="1400" dirty="0" smtClean="0">
+              <a:rPr lang="en-US" altLang="ko-KR" sz="1400" dirty="0">
                 <a:latin typeface="나눔고딕" panose="020D0604000000000000" pitchFamily="50" charset="-127"/>
                 <a:ea typeface="나눔고딕" panose="020D0604000000000000" pitchFamily="50" charset="-127"/>
               </a:rPr>
@@ -29301,42 +29027,42 @@
               <a:buChar char="ü"/>
             </a:pPr>
             <a:r>
-              <a:rPr lang="en-US" altLang="ko-KR" sz="1400" dirty="0" smtClean="0">
+              <a:rPr lang="en-US" altLang="ko-KR" sz="1400" dirty="0">
                 <a:latin typeface="나눔고딕" panose="020D0604000000000000" pitchFamily="50" charset="-127"/>
                 <a:ea typeface="나눔고딕" panose="020D0604000000000000" pitchFamily="50" charset="-127"/>
               </a:rPr>
               <a:t>Inception</a:t>
             </a:r>
             <a:r>
-              <a:rPr lang="ko-KR" altLang="en-US" sz="1400" dirty="0" smtClean="0">
+              <a:rPr lang="ko-KR" altLang="en-US" sz="1400" dirty="0">
                 <a:latin typeface="나눔고딕" panose="020D0604000000000000" pitchFamily="50" charset="-127"/>
                 <a:ea typeface="나눔고딕" panose="020D0604000000000000" pitchFamily="50" charset="-127"/>
               </a:rPr>
               <a:t>은 </a:t>
             </a:r>
             <a:r>
-              <a:rPr lang="en-US" altLang="ko-KR" sz="1400" dirty="0" smtClean="0">
+              <a:rPr lang="en-US" altLang="ko-KR" sz="1400" dirty="0">
                 <a:latin typeface="나눔고딕" panose="020D0604000000000000" pitchFamily="50" charset="-127"/>
                 <a:ea typeface="나눔고딕" panose="020D0604000000000000" pitchFamily="50" charset="-127"/>
               </a:rPr>
               <a:t>4</a:t>
             </a:r>
             <a:r>
-              <a:rPr lang="ko-KR" altLang="en-US" sz="1400" dirty="0" smtClean="0">
+              <a:rPr lang="ko-KR" altLang="en-US" sz="1400" dirty="0">
                 <a:latin typeface="나눔고딕" panose="020D0604000000000000" pitchFamily="50" charset="-127"/>
                 <a:ea typeface="나눔고딕" panose="020D0604000000000000" pitchFamily="50" charset="-127"/>
               </a:rPr>
               <a:t>개의 </a:t>
             </a:r>
             <a:r>
-              <a:rPr lang="en-US" altLang="ko-KR" sz="1400" dirty="0" smtClean="0">
+              <a:rPr lang="en-US" altLang="ko-KR" sz="1400" dirty="0">
                 <a:latin typeface="나눔고딕" panose="020D0604000000000000" pitchFamily="50" charset="-127"/>
                 <a:ea typeface="나눔고딕" panose="020D0604000000000000" pitchFamily="50" charset="-127"/>
               </a:rPr>
               <a:t>Path</a:t>
             </a:r>
             <a:r>
-              <a:rPr lang="ko-KR" altLang="en-US" sz="1400" dirty="0" smtClean="0">
+              <a:rPr lang="ko-KR" altLang="en-US" sz="1400" dirty="0">
                 <a:latin typeface="나눔고딕" panose="020D0604000000000000" pitchFamily="50" charset="-127"/>
                 <a:ea typeface="나눔고딕" panose="020D0604000000000000" pitchFamily="50" charset="-127"/>
               </a:rPr>
@@ -29400,13 +29126,6 @@
   <p:clrMapOvr>
     <a:masterClrMapping/>
   </p:clrMapOvr>
-  <p:timing>
-    <p:tnLst>
-      <p:par>
-        <p:cTn id="1" dur="indefinite" restart="never" nodeType="tmRoot"/>
-      </p:par>
-    </p:tnLst>
-  </p:timing>
 </p:sld>
 </file>
 
@@ -29717,7 +29436,7 @@
               <a:defRPr/>
             </a:pPr>
             <a:r>
-              <a:rPr lang="en-US" sz="2000" b="1" dirty="0" err="1" smtClean="0">
+              <a:rPr lang="en-US" sz="2000" b="1" dirty="0" err="1">
                 <a:gradFill>
                   <a:gsLst>
                     <a:gs pos="0">
@@ -29735,7 +29454,7 @@
               <a:t>GoogLeNet</a:t>
             </a:r>
             <a:r>
-              <a:rPr lang="en-US" sz="2000" b="1" dirty="0" smtClean="0">
+              <a:rPr lang="en-US" sz="2000" b="1" dirty="0">
                 <a:gradFill>
                   <a:gsLst>
                     <a:gs pos="0">
@@ -29962,20 +29681,20 @@
               <a:buNone/>
             </a:pPr>
             <a:r>
-              <a:rPr lang="en-US" altLang="ko-KR" sz="2800" kern="0" dirty="0" smtClean="0">
+              <a:rPr lang="en-US" altLang="ko-KR" sz="2800" kern="0" dirty="0">
                 <a:latin typeface="나눔고딕 ExtraBold" panose="020D0904000000000000" pitchFamily="50" charset="-127"/>
                 <a:ea typeface="나눔고딕 ExtraBold" panose="020D0904000000000000" pitchFamily="50" charset="-127"/>
               </a:rPr>
               <a:t>1. </a:t>
             </a:r>
             <a:r>
-              <a:rPr lang="en-US" altLang="ko-KR" sz="2800" kern="0" dirty="0" err="1" smtClean="0">
+              <a:rPr lang="en-US" altLang="ko-KR" sz="2800" kern="0" dirty="0" err="1">
                 <a:latin typeface="나눔고딕 ExtraBold" panose="020D0904000000000000" pitchFamily="50" charset="-127"/>
                 <a:ea typeface="나눔고딕 ExtraBold" panose="020D0904000000000000" pitchFamily="50" charset="-127"/>
               </a:rPr>
               <a:t>GoogLeNet</a:t>
             </a:r>
-            <a:endParaRPr lang="ko-KR" altLang="en-US" sz="2800" kern="0" dirty="0" smtClean="0">
+            <a:endParaRPr lang="ko-KR" altLang="en-US" sz="2800" kern="0" dirty="0">
               <a:latin typeface="나눔고딕 ExtraBold" panose="020D0904000000000000" pitchFamily="50" charset="-127"/>
               <a:ea typeface="나눔고딕 ExtraBold" panose="020D0904000000000000" pitchFamily="50" charset="-127"/>
             </a:endParaRPr>
@@ -30009,13 +29728,13 @@
               </a:lnSpc>
             </a:pPr>
             <a:r>
-              <a:rPr lang="ko-KR" altLang="en-US" sz="1400" b="1" dirty="0" smtClean="0">
+              <a:rPr lang="ko-KR" altLang="en-US" sz="1400" b="1" dirty="0">
                 <a:latin typeface="나눔고딕" panose="020D0604000000000000" pitchFamily="50" charset="-127"/>
                 <a:ea typeface="나눔고딕" panose="020D0604000000000000" pitchFamily="50" charset="-127"/>
               </a:rPr>
               <a:t>채널의 수를 조절 기능</a:t>
             </a:r>
-            <a:endParaRPr lang="en-US" altLang="ko-KR" sz="1400" b="1" dirty="0" smtClean="0">
+            <a:endParaRPr lang="en-US" altLang="ko-KR" sz="1400" b="1" dirty="0">
               <a:latin typeface="나눔고딕" panose="020D0604000000000000" pitchFamily="50" charset="-127"/>
               <a:ea typeface="나눔고딕" panose="020D0604000000000000" pitchFamily="50" charset="-127"/>
             </a:endParaRPr>
@@ -30029,27 +29748,27 @@
               <a:buChar char="ü"/>
             </a:pPr>
             <a:r>
-              <a:rPr lang="ko-KR" altLang="en-US" sz="1400" dirty="0" smtClean="0">
+              <a:rPr lang="ko-KR" altLang="en-US" sz="1400" dirty="0">
                 <a:latin typeface="나눔고딕" panose="020D0604000000000000" pitchFamily="50" charset="-127"/>
                 <a:ea typeface="나눔고딕" panose="020D0604000000000000" pitchFamily="50" charset="-127"/>
               </a:rPr>
               <a:t>채널 간의 </a:t>
             </a:r>
             <a:r>
-              <a:rPr lang="en-US" altLang="ko-KR" sz="1400" dirty="0" smtClean="0">
+              <a:rPr lang="en-US" altLang="ko-KR" sz="1400" dirty="0">
                 <a:latin typeface="나눔고딕" panose="020D0604000000000000" pitchFamily="50" charset="-127"/>
                 <a:ea typeface="나눔고딕" panose="020D0604000000000000" pitchFamily="50" charset="-127"/>
               </a:rPr>
               <a:t>Correlation</a:t>
             </a:r>
             <a:r>
-              <a:rPr lang="ko-KR" altLang="en-US" sz="1400" dirty="0" smtClean="0">
+              <a:rPr lang="ko-KR" altLang="en-US" sz="1400" dirty="0">
                 <a:latin typeface="나눔고딕" panose="020D0604000000000000" pitchFamily="50" charset="-127"/>
                 <a:ea typeface="나눔고딕" panose="020D0604000000000000" pitchFamily="50" charset="-127"/>
               </a:rPr>
               <a:t>을 연산</a:t>
             </a:r>
-            <a:endParaRPr lang="en-US" altLang="ko-KR" sz="1400" dirty="0" smtClean="0">
+            <a:endParaRPr lang="en-US" altLang="ko-KR" sz="1400" dirty="0">
               <a:latin typeface="나눔고딕" panose="020D0604000000000000" pitchFamily="50" charset="-127"/>
               <a:ea typeface="나눔고딕" panose="020D0604000000000000" pitchFamily="50" charset="-127"/>
             </a:endParaRPr>
@@ -30063,27 +29782,27 @@
               <a:buChar char="ü"/>
             </a:pPr>
             <a:r>
-              <a:rPr lang="ko-KR" altLang="en-US" sz="1400" dirty="0" smtClean="0">
+              <a:rPr lang="ko-KR" altLang="en-US" sz="1400" dirty="0">
                 <a:latin typeface="나눔고딕" panose="020D0604000000000000" pitchFamily="50" charset="-127"/>
                 <a:ea typeface="나눔고딕" panose="020D0604000000000000" pitchFamily="50" charset="-127"/>
               </a:rPr>
               <a:t>기존의 </a:t>
             </a:r>
             <a:r>
-              <a:rPr lang="en-US" altLang="ko-KR" sz="1400" dirty="0" smtClean="0">
+              <a:rPr lang="en-US" altLang="ko-KR" sz="1400" dirty="0">
                 <a:latin typeface="나눔고딕" panose="020D0604000000000000" pitchFamily="50" charset="-127"/>
                 <a:ea typeface="나눔고딕" panose="020D0604000000000000" pitchFamily="50" charset="-127"/>
               </a:rPr>
               <a:t>Convolution</a:t>
             </a:r>
             <a:r>
-              <a:rPr lang="ko-KR" altLang="en-US" sz="1400" dirty="0" smtClean="0">
+              <a:rPr lang="ko-KR" altLang="en-US" sz="1400" dirty="0">
                 <a:latin typeface="나눔고딕" panose="020D0604000000000000" pitchFamily="50" charset="-127"/>
                 <a:ea typeface="나눔고딕" panose="020D0604000000000000" pitchFamily="50" charset="-127"/>
               </a:rPr>
               <a:t>은 지역 정보와 함께 채널 간의 정보 또한 같이 고려하여 하나의 값으로 나타냄</a:t>
             </a:r>
-            <a:endParaRPr lang="en-US" altLang="ko-KR" sz="1400" dirty="0" smtClean="0">
+            <a:endParaRPr lang="en-US" altLang="ko-KR" sz="1400" dirty="0">
               <a:latin typeface="나눔고딕" panose="020D0604000000000000" pitchFamily="50" charset="-127"/>
               <a:ea typeface="나눔고딕" panose="020D0604000000000000" pitchFamily="50" charset="-127"/>
             </a:endParaRPr>
@@ -30097,28 +29816,28 @@
               <a:buChar char="ü"/>
             </a:pPr>
             <a:r>
-              <a:rPr lang="en-US" altLang="ko-KR" sz="1400" dirty="0" smtClean="0">
+              <a:rPr lang="en-US" altLang="ko-KR" sz="1400" dirty="0">
                 <a:latin typeface="나눔고딕" panose="020D0604000000000000" pitchFamily="50" charset="-127"/>
                 <a:ea typeface="나눔고딕" panose="020D0604000000000000" pitchFamily="50" charset="-127"/>
               </a:rPr>
               <a:t>1x1 convolution</a:t>
             </a:r>
             <a:r>
-              <a:rPr lang="ko-KR" altLang="en-US" sz="1400" dirty="0" smtClean="0">
+              <a:rPr lang="ko-KR" altLang="en-US" sz="1400" dirty="0">
                 <a:latin typeface="나눔고딕" panose="020D0604000000000000" pitchFamily="50" charset="-127"/>
                 <a:ea typeface="나눔고딕" panose="020D0604000000000000" pitchFamily="50" charset="-127"/>
               </a:rPr>
               <a:t>은 채널 간의 특징을 추출</a:t>
             </a:r>
             <a:r>
-              <a:rPr lang="en-US" altLang="ko-KR" sz="1400" dirty="0" smtClean="0">
+              <a:rPr lang="en-US" altLang="ko-KR" sz="1400" dirty="0">
                 <a:latin typeface="나눔고딕" panose="020D0604000000000000" pitchFamily="50" charset="-127"/>
                 <a:ea typeface="나눔고딕" panose="020D0604000000000000" pitchFamily="50" charset="-127"/>
               </a:rPr>
               <a:t>, 3x3 convolution</a:t>
             </a:r>
             <a:r>
-              <a:rPr lang="ko-KR" altLang="en-US" sz="1400" dirty="0" smtClean="0">
+              <a:rPr lang="ko-KR" altLang="en-US" sz="1400" dirty="0">
                 <a:latin typeface="나눔고딕" panose="020D0604000000000000" pitchFamily="50" charset="-127"/>
                 <a:ea typeface="나눔고딕" panose="020D0604000000000000" pitchFamily="50" charset="-127"/>
               </a:rPr>
@@ -30136,21 +29855,21 @@
               </a:lnSpc>
             </a:pPr>
             <a:r>
-              <a:rPr lang="ko-KR" altLang="en-US" sz="1400" b="1" dirty="0" smtClean="0">
+              <a:rPr lang="ko-KR" altLang="en-US" sz="1400" b="1" dirty="0">
                 <a:latin typeface="나눔고딕" panose="020D0604000000000000" pitchFamily="50" charset="-127"/>
                 <a:ea typeface="나눔고딕" panose="020D0604000000000000" pitchFamily="50" charset="-127"/>
               </a:rPr>
               <a:t>채널을 감소시켜 </a:t>
             </a:r>
             <a:r>
-              <a:rPr lang="ko-KR" altLang="en-US" sz="1400" b="1" dirty="0" err="1" smtClean="0">
+              <a:rPr lang="ko-KR" altLang="en-US" sz="1400" b="1" dirty="0" err="1">
                 <a:latin typeface="나눔고딕" panose="020D0604000000000000" pitchFamily="50" charset="-127"/>
                 <a:ea typeface="나눔고딕" panose="020D0604000000000000" pitchFamily="50" charset="-127"/>
               </a:rPr>
               <a:t>파라미터</a:t>
             </a:r>
             <a:r>
-              <a:rPr lang="ko-KR" altLang="en-US" sz="1400" b="1" dirty="0" smtClean="0">
+              <a:rPr lang="ko-KR" altLang="en-US" sz="1400" b="1" dirty="0">
                 <a:latin typeface="나눔고딕" panose="020D0604000000000000" pitchFamily="50" charset="-127"/>
                 <a:ea typeface="나눔고딕" panose="020D0604000000000000" pitchFamily="50" charset="-127"/>
               </a:rPr>
@@ -30174,45 +29893,38 @@
                 <a:latin typeface="나눔고딕" panose="020D0604000000000000" pitchFamily="50" charset="-127"/>
                 <a:ea typeface="나눔고딕" panose="020D0604000000000000" pitchFamily="50" charset="-127"/>
               </a:rPr>
-              <a:t>1x1 </a:t>
+              <a:t>1x1 convolution </a:t>
             </a:r>
             <a:r>
-              <a:rPr lang="en-US" altLang="ko-KR" sz="1400" dirty="0" smtClean="0">
-                <a:latin typeface="나눔고딕" panose="020D0604000000000000" pitchFamily="50" charset="-127"/>
-                <a:ea typeface="나눔고딕" panose="020D0604000000000000" pitchFamily="50" charset="-127"/>
-              </a:rPr>
-              <a:t>convolution </a:t>
-            </a:r>
-            <a:r>
-              <a:rPr lang="ko-KR" altLang="en-US" sz="1400" dirty="0" smtClean="0">
+              <a:rPr lang="ko-KR" altLang="en-US" sz="1400" dirty="0">
                 <a:latin typeface="나눔고딕" panose="020D0604000000000000" pitchFamily="50" charset="-127"/>
                 <a:ea typeface="나눔고딕" panose="020D0604000000000000" pitchFamily="50" charset="-127"/>
               </a:rPr>
               <a:t>연산으로 이미지 채널을 줄여준다면 </a:t>
             </a:r>
             <a:r>
-              <a:rPr lang="en-US" altLang="ko-KR" sz="1400" dirty="0" smtClean="0">
+              <a:rPr lang="en-US" altLang="ko-KR" sz="1400" dirty="0">
                 <a:latin typeface="나눔고딕" panose="020D0604000000000000" pitchFamily="50" charset="-127"/>
                 <a:ea typeface="나눔고딕" panose="020D0604000000000000" pitchFamily="50" charset="-127"/>
               </a:rPr>
               <a:t>3x3, 5x5 convolution </a:t>
             </a:r>
             <a:r>
-              <a:rPr lang="ko-KR" altLang="en-US" sz="1400" dirty="0" smtClean="0">
+              <a:rPr lang="ko-KR" altLang="en-US" sz="1400" dirty="0">
                 <a:latin typeface="나눔고딕" panose="020D0604000000000000" pitchFamily="50" charset="-127"/>
                 <a:ea typeface="나눔고딕" panose="020D0604000000000000" pitchFamily="50" charset="-127"/>
               </a:rPr>
               <a:t>레이어에서 </a:t>
             </a:r>
             <a:r>
-              <a:rPr lang="ko-KR" altLang="en-US" sz="1400" dirty="0" err="1" smtClean="0">
+              <a:rPr lang="ko-KR" altLang="en-US" sz="1400" dirty="0" err="1">
                 <a:latin typeface="나눔고딕" panose="020D0604000000000000" pitchFamily="50" charset="-127"/>
                 <a:ea typeface="나눔고딕" panose="020D0604000000000000" pitchFamily="50" charset="-127"/>
               </a:rPr>
               <a:t>파라미터</a:t>
             </a:r>
             <a:r>
-              <a:rPr lang="ko-KR" altLang="en-US" sz="1400" dirty="0" smtClean="0">
+              <a:rPr lang="ko-KR" altLang="en-US" sz="1400" dirty="0">
                 <a:latin typeface="나눔고딕" panose="020D0604000000000000" pitchFamily="50" charset="-127"/>
                 <a:ea typeface="나눔고딕" panose="020D0604000000000000" pitchFamily="50" charset="-127"/>
               </a:rPr>
@@ -30515,7 +30227,7 @@
               <a:defRPr/>
             </a:pPr>
             <a:r>
-              <a:rPr lang="en-US" altLang="ko-KR" sz="1400" dirty="0" smtClean="0">
+              <a:rPr lang="en-US" altLang="ko-KR" sz="1400" dirty="0">
                 <a:solidFill>
                   <a:schemeClr val="tx1"/>
                 </a:solidFill>
@@ -30525,7 +30237,7 @@
               <a:t>1x1 convolution </a:t>
             </a:r>
             <a:r>
-              <a:rPr lang="ko-KR" altLang="en-US" sz="1400" dirty="0" smtClean="0">
+              <a:rPr lang="ko-KR" altLang="en-US" sz="1400" dirty="0">
                 <a:solidFill>
                   <a:schemeClr val="tx1"/>
                 </a:solidFill>
@@ -30534,13 +30246,6 @@
               </a:rPr>
               <a:t>연산의 역할</a:t>
             </a:r>
-            <a:endParaRPr lang="ko-KR" altLang="en-US" sz="1400" dirty="0">
-              <a:solidFill>
-                <a:schemeClr val="tx1"/>
-              </a:solidFill>
-              <a:latin typeface="나눔고딕" panose="020D0604000000000000" pitchFamily="50" charset="-127"/>
-              <a:ea typeface="나눔고딕" panose="020D0604000000000000" pitchFamily="50" charset="-127"/>
-            </a:endParaRPr>
           </a:p>
         </p:txBody>
       </p:sp>
@@ -30580,13 +30285,6 @@
   <p:clrMapOvr>
     <a:masterClrMapping/>
   </p:clrMapOvr>
-  <p:timing>
-    <p:tnLst>
-      <p:par>
-        <p:cTn id="1" dur="indefinite" restart="never" nodeType="tmRoot"/>
-      </p:par>
-    </p:tnLst>
-  </p:timing>
 </p:sld>
 </file>
 
@@ -30897,7 +30595,7 @@
               <a:defRPr/>
             </a:pPr>
             <a:r>
-              <a:rPr lang="en-US" sz="2000" b="1" dirty="0" err="1" smtClean="0">
+              <a:rPr lang="en-US" sz="2000" b="1" dirty="0" err="1">
                 <a:gradFill>
                   <a:gsLst>
                     <a:gs pos="0">
@@ -30915,7 +30613,7 @@
               <a:t>GoogLeNet</a:t>
             </a:r>
             <a:r>
-              <a:rPr lang="en-US" sz="2000" b="1" dirty="0" smtClean="0">
+              <a:rPr lang="en-US" sz="2000" b="1" dirty="0">
                 <a:gradFill>
                   <a:gsLst>
                     <a:gs pos="0">
@@ -31142,20 +30840,20 @@
               <a:buNone/>
             </a:pPr>
             <a:r>
-              <a:rPr lang="en-US" altLang="ko-KR" sz="2800" kern="0" dirty="0" smtClean="0">
+              <a:rPr lang="en-US" altLang="ko-KR" sz="2800" kern="0" dirty="0">
                 <a:latin typeface="나눔고딕 ExtraBold" panose="020D0904000000000000" pitchFamily="50" charset="-127"/>
                 <a:ea typeface="나눔고딕 ExtraBold" panose="020D0904000000000000" pitchFamily="50" charset="-127"/>
               </a:rPr>
               <a:t>1. </a:t>
             </a:r>
             <a:r>
-              <a:rPr lang="en-US" altLang="ko-KR" sz="2800" kern="0" dirty="0" err="1" smtClean="0">
+              <a:rPr lang="en-US" altLang="ko-KR" sz="2800" kern="0" dirty="0" err="1">
                 <a:latin typeface="나눔고딕 ExtraBold" panose="020D0904000000000000" pitchFamily="50" charset="-127"/>
                 <a:ea typeface="나눔고딕 ExtraBold" panose="020D0904000000000000" pitchFamily="50" charset="-127"/>
               </a:rPr>
               <a:t>GoogLeNet</a:t>
             </a:r>
-            <a:endParaRPr lang="ko-KR" altLang="en-US" sz="2800" kern="0" dirty="0" smtClean="0">
+            <a:endParaRPr lang="ko-KR" altLang="en-US" sz="2800" kern="0" dirty="0">
               <a:latin typeface="나눔고딕 ExtraBold" panose="020D0904000000000000" pitchFamily="50" charset="-127"/>
               <a:ea typeface="나눔고딕 ExtraBold" panose="020D0904000000000000" pitchFamily="50" charset="-127"/>
             </a:endParaRPr>
@@ -31220,13 +30918,6 @@
   <p:clrMapOvr>
     <a:masterClrMapping/>
   </p:clrMapOvr>
-  <p:timing>
-    <p:tnLst>
-      <p:par>
-        <p:cTn id="1" dur="indefinite" restart="never" nodeType="tmRoot"/>
-      </p:par>
-    </p:tnLst>
-  </p:timing>
 </p:sld>
 </file>
 
@@ -31537,7 +31228,7 @@
               <a:defRPr/>
             </a:pPr>
             <a:r>
-              <a:rPr lang="en-US" sz="2000" b="1" dirty="0" err="1" smtClean="0">
+              <a:rPr lang="en-US" sz="2000" b="1" dirty="0" err="1">
                 <a:gradFill>
                   <a:gsLst>
                     <a:gs pos="0">
@@ -31555,7 +31246,7 @@
               <a:t>GoogLeNet</a:t>
             </a:r>
             <a:r>
-              <a:rPr lang="en-US" sz="2000" b="1" dirty="0" smtClean="0">
+              <a:rPr lang="en-US" sz="2000" b="1" dirty="0">
                 <a:gradFill>
                   <a:gsLst>
                     <a:gs pos="0">
@@ -31782,20 +31473,20 @@
               <a:buNone/>
             </a:pPr>
             <a:r>
-              <a:rPr lang="en-US" altLang="ko-KR" sz="2800" kern="0" dirty="0" smtClean="0">
+              <a:rPr lang="en-US" altLang="ko-KR" sz="2800" kern="0" dirty="0">
                 <a:latin typeface="나눔고딕 ExtraBold" panose="020D0904000000000000" pitchFamily="50" charset="-127"/>
                 <a:ea typeface="나눔고딕 ExtraBold" panose="020D0904000000000000" pitchFamily="50" charset="-127"/>
               </a:rPr>
               <a:t>1. </a:t>
             </a:r>
             <a:r>
-              <a:rPr lang="en-US" altLang="ko-KR" sz="2800" kern="0" dirty="0" err="1" smtClean="0">
+              <a:rPr lang="en-US" altLang="ko-KR" sz="2800" kern="0" dirty="0" err="1">
                 <a:latin typeface="나눔고딕 ExtraBold" panose="020D0904000000000000" pitchFamily="50" charset="-127"/>
                 <a:ea typeface="나눔고딕 ExtraBold" panose="020D0904000000000000" pitchFamily="50" charset="-127"/>
               </a:rPr>
               <a:t>GoogLeNet</a:t>
             </a:r>
-            <a:endParaRPr lang="ko-KR" altLang="en-US" sz="2800" kern="0" dirty="0" smtClean="0">
+            <a:endParaRPr lang="ko-KR" altLang="en-US" sz="2800" kern="0" dirty="0">
               <a:latin typeface="나눔고딕 ExtraBold" panose="020D0904000000000000" pitchFamily="50" charset="-127"/>
               <a:ea typeface="나눔고딕 ExtraBold" panose="020D0904000000000000" pitchFamily="50" charset="-127"/>
             </a:endParaRPr>
@@ -31902,13 +31593,6 @@
   <p:clrMapOvr>
     <a:masterClrMapping/>
   </p:clrMapOvr>
-  <p:timing>
-    <p:tnLst>
-      <p:par>
-        <p:cTn id="1" dur="indefinite" restart="never" nodeType="tmRoot"/>
-      </p:par>
-    </p:tnLst>
-  </p:timing>
 </p:sld>
 </file>
 
